--- a/Synhronous motor/TPEL-Journal-version-2/Time-domain-problem definitions/New Microsoft PowerPoint Presentation.pptx
+++ b/Synhronous motor/TPEL-Journal-version-2/Time-domain-problem definitions/New Microsoft PowerPoint Presentation.pptx
@@ -5,11 +5,13 @@
     <p:sldMasterId id="2147483648" r:id="rId1"/>
   </p:sldMasterIdLst>
   <p:sldIdLst>
-    <p:sldId id="256" r:id="rId2"/>
-    <p:sldId id="258" r:id="rId3"/>
-    <p:sldId id="260" r:id="rId4"/>
-    <p:sldId id="257" r:id="rId5"/>
-    <p:sldId id="259" r:id="rId6"/>
+    <p:sldId id="261" r:id="rId2"/>
+    <p:sldId id="262" r:id="rId3"/>
+    <p:sldId id="256" r:id="rId4"/>
+    <p:sldId id="258" r:id="rId5"/>
+    <p:sldId id="260" r:id="rId6"/>
+    <p:sldId id="257" r:id="rId7"/>
+    <p:sldId id="259" r:id="rId8"/>
   </p:sldIdLst>
   <p:sldSz cx="12192000" cy="6858000"/>
   <p:notesSz cx="6858000" cy="9144000"/>
@@ -263,7 +265,7 @@
           <a:p>
             <a:fld id="{412221FE-1331-4BB6-AE3D-6CCD2476CD83}" type="datetimeFigureOut">
               <a:rPr lang="en-US" smtClean="0"/>
-              <a:t>10/26/2022</a:t>
+              <a:t>11/1/2022</a:t>
             </a:fld>
             <a:endParaRPr lang="en-US"/>
           </a:p>
@@ -461,7 +463,7 @@
           <a:p>
             <a:fld id="{412221FE-1331-4BB6-AE3D-6CCD2476CD83}" type="datetimeFigureOut">
               <a:rPr lang="en-US" smtClean="0"/>
-              <a:t>10/26/2022</a:t>
+              <a:t>11/1/2022</a:t>
             </a:fld>
             <a:endParaRPr lang="en-US"/>
           </a:p>
@@ -669,7 +671,7 @@
           <a:p>
             <a:fld id="{412221FE-1331-4BB6-AE3D-6CCD2476CD83}" type="datetimeFigureOut">
               <a:rPr lang="en-US" smtClean="0"/>
-              <a:t>10/26/2022</a:t>
+              <a:t>11/1/2022</a:t>
             </a:fld>
             <a:endParaRPr lang="en-US"/>
           </a:p>
@@ -867,7 +869,7 @@
           <a:p>
             <a:fld id="{412221FE-1331-4BB6-AE3D-6CCD2476CD83}" type="datetimeFigureOut">
               <a:rPr lang="en-US" smtClean="0"/>
-              <a:t>10/26/2022</a:t>
+              <a:t>11/1/2022</a:t>
             </a:fld>
             <a:endParaRPr lang="en-US"/>
           </a:p>
@@ -1142,7 +1144,7 @@
           <a:p>
             <a:fld id="{412221FE-1331-4BB6-AE3D-6CCD2476CD83}" type="datetimeFigureOut">
               <a:rPr lang="en-US" smtClean="0"/>
-              <a:t>10/26/2022</a:t>
+              <a:t>11/1/2022</a:t>
             </a:fld>
             <a:endParaRPr lang="en-US"/>
           </a:p>
@@ -1407,7 +1409,7 @@
           <a:p>
             <a:fld id="{412221FE-1331-4BB6-AE3D-6CCD2476CD83}" type="datetimeFigureOut">
               <a:rPr lang="en-US" smtClean="0"/>
-              <a:t>10/26/2022</a:t>
+              <a:t>11/1/2022</a:t>
             </a:fld>
             <a:endParaRPr lang="en-US"/>
           </a:p>
@@ -1819,7 +1821,7 @@
           <a:p>
             <a:fld id="{412221FE-1331-4BB6-AE3D-6CCD2476CD83}" type="datetimeFigureOut">
               <a:rPr lang="en-US" smtClean="0"/>
-              <a:t>10/26/2022</a:t>
+              <a:t>11/1/2022</a:t>
             </a:fld>
             <a:endParaRPr lang="en-US"/>
           </a:p>
@@ -1960,7 +1962,7 @@
           <a:p>
             <a:fld id="{412221FE-1331-4BB6-AE3D-6CCD2476CD83}" type="datetimeFigureOut">
               <a:rPr lang="en-US" smtClean="0"/>
-              <a:t>10/26/2022</a:t>
+              <a:t>11/1/2022</a:t>
             </a:fld>
             <a:endParaRPr lang="en-US"/>
           </a:p>
@@ -2073,7 +2075,7 @@
           <a:p>
             <a:fld id="{412221FE-1331-4BB6-AE3D-6CCD2476CD83}" type="datetimeFigureOut">
               <a:rPr lang="en-US" smtClean="0"/>
-              <a:t>10/26/2022</a:t>
+              <a:t>11/1/2022</a:t>
             </a:fld>
             <a:endParaRPr lang="en-US"/>
           </a:p>
@@ -2384,7 +2386,7 @@
           <a:p>
             <a:fld id="{412221FE-1331-4BB6-AE3D-6CCD2476CD83}" type="datetimeFigureOut">
               <a:rPr lang="en-US" smtClean="0"/>
-              <a:t>10/26/2022</a:t>
+              <a:t>11/1/2022</a:t>
             </a:fld>
             <a:endParaRPr lang="en-US"/>
           </a:p>
@@ -2672,7 +2674,7 @@
           <a:p>
             <a:fld id="{412221FE-1331-4BB6-AE3D-6CCD2476CD83}" type="datetimeFigureOut">
               <a:rPr lang="en-US" smtClean="0"/>
-              <a:t>10/26/2022</a:t>
+              <a:t>11/1/2022</a:t>
             </a:fld>
             <a:endParaRPr lang="en-US"/>
           </a:p>
@@ -2913,7 +2915,7 @@
           <a:p>
             <a:fld id="{412221FE-1331-4BB6-AE3D-6CCD2476CD83}" type="datetimeFigureOut">
               <a:rPr lang="en-US" smtClean="0"/>
-              <a:t>10/26/2022</a:t>
+              <a:t>11/1/2022</a:t>
             </a:fld>
             <a:endParaRPr lang="en-US"/>
           </a:p>
@@ -3332,6 +3334,4774 @@
       </p:grpSpPr>
       <p:pic>
         <p:nvPicPr>
+          <p:cNvPr id="33" name="Picture 32">
+            <a:extLst>
+              <a:ext uri="{FF2B5EF4-FFF2-40B4-BE49-F238E27FC236}">
+                <a16:creationId xmlns:a16="http://schemas.microsoft.com/office/drawing/2014/main" id="{ED1DE7D1-1898-43CE-BB06-0ACCC410CDA3}"/>
+              </a:ext>
+            </a:extLst>
+          </p:cNvPr>
+          <p:cNvPicPr>
+            <a:picLocks noChangeAspect="1"/>
+          </p:cNvPicPr>
+          <p:nvPr/>
+        </p:nvPicPr>
+        <p:blipFill rotWithShape="1">
+          <a:blip r:embed="rId2"/>
+          <a:srcRect l="4523" b="7271"/>
+          <a:stretch/>
+        </p:blipFill>
+        <p:spPr>
+          <a:xfrm>
+            <a:off x="2419927" y="1222033"/>
+            <a:ext cx="5456500" cy="3091349"/>
+          </a:xfrm>
+          <a:prstGeom prst="rect">
+            <a:avLst/>
+          </a:prstGeom>
+        </p:spPr>
+      </p:pic>
+      <p:cxnSp>
+        <p:nvCxnSpPr>
+          <p:cNvPr id="6" name="Straight Connector 5">
+            <a:extLst>
+              <a:ext uri="{FF2B5EF4-FFF2-40B4-BE49-F238E27FC236}">
+                <a16:creationId xmlns:a16="http://schemas.microsoft.com/office/drawing/2014/main" id="{B1FF1A30-A4E5-49FD-B7A9-6A16BD222D66}"/>
+              </a:ext>
+            </a:extLst>
+          </p:cNvPr>
+          <p:cNvCxnSpPr>
+            <a:cxnSpLocks/>
+          </p:cNvCxnSpPr>
+          <p:nvPr/>
+        </p:nvCxnSpPr>
+        <p:spPr>
+          <a:xfrm>
+            <a:off x="3804221" y="1111250"/>
+            <a:ext cx="4300" cy="2923219"/>
+          </a:xfrm>
+          <a:prstGeom prst="line">
+            <a:avLst/>
+          </a:prstGeom>
+          <a:ln w="19050">
+            <a:solidFill>
+              <a:schemeClr val="tx1"/>
+            </a:solidFill>
+            <a:prstDash val="sysDot"/>
+          </a:ln>
+          <a:effectLst>
+            <a:glow rad="25400">
+              <a:schemeClr val="bg1"/>
+            </a:glow>
+          </a:effectLst>
+        </p:spPr>
+        <p:style>
+          <a:lnRef idx="1">
+            <a:schemeClr val="accent1"/>
+          </a:lnRef>
+          <a:fillRef idx="0">
+            <a:schemeClr val="accent1"/>
+          </a:fillRef>
+          <a:effectRef idx="0">
+            <a:schemeClr val="accent1"/>
+          </a:effectRef>
+          <a:fontRef idx="minor">
+            <a:schemeClr val="tx1"/>
+          </a:fontRef>
+        </p:style>
+      </p:cxnSp>
+      <p:cxnSp>
+        <p:nvCxnSpPr>
+          <p:cNvPr id="18" name="Straight Arrow Connector 17">
+            <a:extLst>
+              <a:ext uri="{FF2B5EF4-FFF2-40B4-BE49-F238E27FC236}">
+                <a16:creationId xmlns:a16="http://schemas.microsoft.com/office/drawing/2014/main" id="{738E265D-9A7F-4783-B76C-CE0A68DD9DE2}"/>
+              </a:ext>
+            </a:extLst>
+          </p:cNvPr>
+          <p:cNvCxnSpPr>
+            <a:cxnSpLocks/>
+          </p:cNvCxnSpPr>
+          <p:nvPr/>
+        </p:nvCxnSpPr>
+        <p:spPr>
+          <a:xfrm>
+            <a:off x="2989764" y="1384192"/>
+            <a:ext cx="763516" cy="0"/>
+          </a:xfrm>
+          <a:prstGeom prst="straightConnector1">
+            <a:avLst/>
+          </a:prstGeom>
+          <a:ln>
+            <a:solidFill>
+              <a:schemeClr val="tx1"/>
+            </a:solidFill>
+            <a:headEnd type="triangle"/>
+            <a:tailEnd type="triangle"/>
+          </a:ln>
+        </p:spPr>
+        <p:style>
+          <a:lnRef idx="1">
+            <a:schemeClr val="accent1"/>
+          </a:lnRef>
+          <a:fillRef idx="0">
+            <a:schemeClr val="accent1"/>
+          </a:fillRef>
+          <a:effectRef idx="0">
+            <a:schemeClr val="accent1"/>
+          </a:effectRef>
+          <a:fontRef idx="minor">
+            <a:schemeClr val="tx1"/>
+          </a:fontRef>
+        </p:style>
+      </p:cxnSp>
+      <mc:AlternateContent xmlns:mc="http://schemas.openxmlformats.org/markup-compatibility/2006">
+        <mc:Choice xmlns:a14="http://schemas.microsoft.com/office/drawing/2010/main" Requires="a14">
+          <p:sp>
+            <p:nvSpPr>
+              <p:cNvPr id="24" name="TextBox 23">
+                <a:extLst>
+                  <a:ext uri="{FF2B5EF4-FFF2-40B4-BE49-F238E27FC236}">
+                    <a16:creationId xmlns:a16="http://schemas.microsoft.com/office/drawing/2014/main" id="{2098E539-055C-4583-AA50-72FDF6E6EAA8}"/>
+                  </a:ext>
+                </a:extLst>
+              </p:cNvPr>
+              <p:cNvSpPr txBox="1"/>
+              <p:nvPr/>
+            </p:nvSpPr>
+            <p:spPr>
+              <a:xfrm>
+                <a:off x="2928059" y="1070724"/>
+                <a:ext cx="886287" cy="307777"/>
+              </a:xfrm>
+              <a:prstGeom prst="rect">
+                <a:avLst/>
+              </a:prstGeom>
+              <a:noFill/>
+            </p:spPr>
+            <p:txBody>
+              <a:bodyPr wrap="square" rtlCol="0">
+                <a:spAutoFit/>
+              </a:bodyPr>
+              <a:lstStyle/>
+              <a:p>
+                <a:pPr/>
+                <a14:m>
+                  <m:oMathPara xmlns:m="http://schemas.openxmlformats.org/officeDocument/2006/math">
+                    <m:oMathParaPr>
+                      <m:jc m:val="centerGroup"/>
+                    </m:oMathParaPr>
+                    <m:oMath xmlns:m="http://schemas.openxmlformats.org/officeDocument/2006/math">
+                      <m:sSub>
+                        <m:sSubPr>
+                          <m:ctrlPr>
+                            <a:rPr lang="en-US" sz="1400" b="0" i="1" smtClean="0">
+                              <a:latin typeface="Cambria Math" panose="02040503050406030204" pitchFamily="18" charset="0"/>
+                            </a:rPr>
+                          </m:ctrlPr>
+                        </m:sSubPr>
+                        <m:e>
+                          <m:r>
+                            <a:rPr lang="en-US" sz="1400" b="0" i="1" smtClean="0">
+                              <a:latin typeface="Cambria Math" panose="02040503050406030204" pitchFamily="18" charset="0"/>
+                            </a:rPr>
+                            <m:t>𝑚</m:t>
+                          </m:r>
+                        </m:e>
+                        <m:sub>
+                          <m:r>
+                            <a:rPr lang="en-US" sz="1400" b="0" i="1" smtClean="0">
+                              <a:latin typeface="Cambria Math" panose="02040503050406030204" pitchFamily="18" charset="0"/>
+                            </a:rPr>
+                            <m:t>𝑎</m:t>
+                          </m:r>
+                        </m:sub>
+                      </m:sSub>
+                      <m:r>
+                        <a:rPr lang="en-US" sz="1400" b="0" i="1" smtClean="0">
+                          <a:latin typeface="Cambria Math" panose="02040503050406030204" pitchFamily="18" charset="0"/>
+                        </a:rPr>
+                        <m:t>=0</m:t>
+                      </m:r>
+                    </m:oMath>
+                  </m:oMathPara>
+                </a14:m>
+                <a:endParaRPr lang="en-US" sz="1400" dirty="0"/>
+              </a:p>
+            </p:txBody>
+          </p:sp>
+        </mc:Choice>
+        <mc:Fallback>
+          <p:sp>
+            <p:nvSpPr>
+              <p:cNvPr id="24" name="TextBox 23">
+                <a:extLst>
+                  <a:ext uri="{FF2B5EF4-FFF2-40B4-BE49-F238E27FC236}">
+                    <a16:creationId xmlns:a16="http://schemas.microsoft.com/office/drawing/2014/main" id="{2098E539-055C-4583-AA50-72FDF6E6EAA8}"/>
+                  </a:ext>
+                </a:extLst>
+              </p:cNvPr>
+              <p:cNvSpPr txBox="1">
+                <a:spLocks noRot="1" noChangeAspect="1" noMove="1" noResize="1" noEditPoints="1" noAdjustHandles="1" noChangeArrowheads="1" noChangeShapeType="1" noTextEdit="1"/>
+              </p:cNvSpPr>
+              <p:nvPr/>
+            </p:nvSpPr>
+            <p:spPr>
+              <a:xfrm>
+                <a:off x="2928059" y="1070724"/>
+                <a:ext cx="886287" cy="307777"/>
+              </a:xfrm>
+              <a:prstGeom prst="rect">
+                <a:avLst/>
+              </a:prstGeom>
+              <a:blipFill>
+                <a:blip r:embed="rId3"/>
+                <a:stretch>
+                  <a:fillRect/>
+                </a:stretch>
+              </a:blipFill>
+            </p:spPr>
+            <p:txBody>
+              <a:bodyPr/>
+              <a:lstStyle/>
+              <a:p>
+                <a:r>
+                  <a:rPr lang="en-US">
+                    <a:noFill/>
+                  </a:rPr>
+                  <a:t> </a:t>
+                </a:r>
+              </a:p>
+            </p:txBody>
+          </p:sp>
+        </mc:Fallback>
+      </mc:AlternateContent>
+      <mc:AlternateContent xmlns:mc="http://schemas.openxmlformats.org/markup-compatibility/2006">
+        <mc:Choice xmlns:a14="http://schemas.microsoft.com/office/drawing/2010/main" Requires="a14">
+          <p:sp>
+            <p:nvSpPr>
+              <p:cNvPr id="27" name="TextBox 26">
+                <a:extLst>
+                  <a:ext uri="{FF2B5EF4-FFF2-40B4-BE49-F238E27FC236}">
+                    <a16:creationId xmlns:a16="http://schemas.microsoft.com/office/drawing/2014/main" id="{5B51BE82-4F35-4CF3-8920-DFA756F47FB2}"/>
+                  </a:ext>
+                </a:extLst>
+              </p:cNvPr>
+              <p:cNvSpPr txBox="1"/>
+              <p:nvPr/>
+            </p:nvSpPr>
+            <p:spPr>
+              <a:xfrm>
+                <a:off x="3742273" y="1054551"/>
+                <a:ext cx="1033754" cy="307777"/>
+              </a:xfrm>
+              <a:prstGeom prst="rect">
+                <a:avLst/>
+              </a:prstGeom>
+              <a:noFill/>
+            </p:spPr>
+            <p:txBody>
+              <a:bodyPr wrap="square" rtlCol="0">
+                <a:spAutoFit/>
+              </a:bodyPr>
+              <a:lstStyle/>
+              <a:p>
+                <a:pPr/>
+                <a14:m>
+                  <m:oMathPara xmlns:m="http://schemas.openxmlformats.org/officeDocument/2006/math">
+                    <m:oMathParaPr>
+                      <m:jc m:val="centerGroup"/>
+                    </m:oMathParaPr>
+                    <m:oMath xmlns:m="http://schemas.openxmlformats.org/officeDocument/2006/math">
+                      <m:sSub>
+                        <m:sSubPr>
+                          <m:ctrlPr>
+                            <a:rPr lang="en-US" sz="1400" b="0" i="1" smtClean="0">
+                              <a:latin typeface="Cambria Math" panose="02040503050406030204" pitchFamily="18" charset="0"/>
+                            </a:rPr>
+                          </m:ctrlPr>
+                        </m:sSubPr>
+                        <m:e>
+                          <m:r>
+                            <a:rPr lang="en-US" sz="1400" b="0" i="1" smtClean="0">
+                              <a:latin typeface="Cambria Math" panose="02040503050406030204" pitchFamily="18" charset="0"/>
+                            </a:rPr>
+                            <m:t>𝑚</m:t>
+                          </m:r>
+                        </m:e>
+                        <m:sub>
+                          <m:r>
+                            <a:rPr lang="en-US" sz="1400" b="0" i="1" smtClean="0">
+                              <a:latin typeface="Cambria Math" panose="02040503050406030204" pitchFamily="18" charset="0"/>
+                            </a:rPr>
+                            <m:t>𝑎</m:t>
+                          </m:r>
+                        </m:sub>
+                      </m:sSub>
+                      <m:r>
+                        <a:rPr lang="en-US" sz="1400" b="0" i="1" smtClean="0">
+                          <a:latin typeface="Cambria Math" panose="02040503050406030204" pitchFamily="18" charset="0"/>
+                        </a:rPr>
+                        <m:t>=0.25</m:t>
+                      </m:r>
+                    </m:oMath>
+                  </m:oMathPara>
+                </a14:m>
+                <a:endParaRPr lang="en-US" sz="1400" dirty="0"/>
+              </a:p>
+            </p:txBody>
+          </p:sp>
+        </mc:Choice>
+        <mc:Fallback>
+          <p:sp>
+            <p:nvSpPr>
+              <p:cNvPr id="27" name="TextBox 26">
+                <a:extLst>
+                  <a:ext uri="{FF2B5EF4-FFF2-40B4-BE49-F238E27FC236}">
+                    <a16:creationId xmlns:a16="http://schemas.microsoft.com/office/drawing/2014/main" id="{5B51BE82-4F35-4CF3-8920-DFA756F47FB2}"/>
+                  </a:ext>
+                </a:extLst>
+              </p:cNvPr>
+              <p:cNvSpPr txBox="1">
+                <a:spLocks noRot="1" noChangeAspect="1" noMove="1" noResize="1" noEditPoints="1" noAdjustHandles="1" noChangeArrowheads="1" noChangeShapeType="1" noTextEdit="1"/>
+              </p:cNvSpPr>
+              <p:nvPr/>
+            </p:nvSpPr>
+            <p:spPr>
+              <a:xfrm>
+                <a:off x="3742273" y="1054551"/>
+                <a:ext cx="1033754" cy="307777"/>
+              </a:xfrm>
+              <a:prstGeom prst="rect">
+                <a:avLst/>
+              </a:prstGeom>
+              <a:blipFill>
+                <a:blip r:embed="rId4"/>
+                <a:stretch>
+                  <a:fillRect/>
+                </a:stretch>
+              </a:blipFill>
+            </p:spPr>
+            <p:txBody>
+              <a:bodyPr/>
+              <a:lstStyle/>
+              <a:p>
+                <a:r>
+                  <a:rPr lang="en-US">
+                    <a:noFill/>
+                  </a:rPr>
+                  <a:t> </a:t>
+                </a:r>
+              </a:p>
+            </p:txBody>
+          </p:sp>
+        </mc:Fallback>
+      </mc:AlternateContent>
+      <mc:AlternateContent xmlns:mc="http://schemas.openxmlformats.org/markup-compatibility/2006">
+        <mc:Choice xmlns:a14="http://schemas.microsoft.com/office/drawing/2010/main" Requires="a14">
+          <p:sp>
+            <p:nvSpPr>
+              <p:cNvPr id="30" name="TextBox 29">
+                <a:extLst>
+                  <a:ext uri="{FF2B5EF4-FFF2-40B4-BE49-F238E27FC236}">
+                    <a16:creationId xmlns:a16="http://schemas.microsoft.com/office/drawing/2014/main" id="{31CE7B3C-0097-4800-A034-4D3C605EA41D}"/>
+                  </a:ext>
+                </a:extLst>
+              </p:cNvPr>
+              <p:cNvSpPr txBox="1"/>
+              <p:nvPr/>
+            </p:nvSpPr>
+            <p:spPr>
+              <a:xfrm>
+                <a:off x="4633275" y="1048545"/>
+                <a:ext cx="993545" cy="307777"/>
+              </a:xfrm>
+              <a:prstGeom prst="rect">
+                <a:avLst/>
+              </a:prstGeom>
+              <a:noFill/>
+            </p:spPr>
+            <p:txBody>
+              <a:bodyPr wrap="square" rtlCol="0">
+                <a:spAutoFit/>
+              </a:bodyPr>
+              <a:lstStyle/>
+              <a:p>
+                <a:pPr/>
+                <a14:m>
+                  <m:oMathPara xmlns:m="http://schemas.openxmlformats.org/officeDocument/2006/math">
+                    <m:oMathParaPr>
+                      <m:jc m:val="centerGroup"/>
+                    </m:oMathParaPr>
+                    <m:oMath xmlns:m="http://schemas.openxmlformats.org/officeDocument/2006/math">
+                      <m:sSub>
+                        <m:sSubPr>
+                          <m:ctrlPr>
+                            <a:rPr lang="en-US" sz="1400" b="0" i="1" smtClean="0">
+                              <a:latin typeface="Cambria Math" panose="02040503050406030204" pitchFamily="18" charset="0"/>
+                            </a:rPr>
+                          </m:ctrlPr>
+                        </m:sSubPr>
+                        <m:e>
+                          <m:r>
+                            <a:rPr lang="en-US" sz="1400" b="0" i="1" smtClean="0">
+                              <a:latin typeface="Cambria Math" panose="02040503050406030204" pitchFamily="18" charset="0"/>
+                            </a:rPr>
+                            <m:t>𝑚</m:t>
+                          </m:r>
+                        </m:e>
+                        <m:sub>
+                          <m:r>
+                            <a:rPr lang="en-US" sz="1400" b="0" i="1" smtClean="0">
+                              <a:latin typeface="Cambria Math" panose="02040503050406030204" pitchFamily="18" charset="0"/>
+                            </a:rPr>
+                            <m:t>𝑎</m:t>
+                          </m:r>
+                        </m:sub>
+                      </m:sSub>
+                      <m:r>
+                        <a:rPr lang="en-US" sz="1400" b="0" i="1" smtClean="0">
+                          <a:latin typeface="Cambria Math" panose="02040503050406030204" pitchFamily="18" charset="0"/>
+                        </a:rPr>
+                        <m:t>=0.50</m:t>
+                      </m:r>
+                    </m:oMath>
+                  </m:oMathPara>
+                </a14:m>
+                <a:endParaRPr lang="en-US" sz="1400" dirty="0"/>
+              </a:p>
+            </p:txBody>
+          </p:sp>
+        </mc:Choice>
+        <mc:Fallback>
+          <p:sp>
+            <p:nvSpPr>
+              <p:cNvPr id="30" name="TextBox 29">
+                <a:extLst>
+                  <a:ext uri="{FF2B5EF4-FFF2-40B4-BE49-F238E27FC236}">
+                    <a16:creationId xmlns:a16="http://schemas.microsoft.com/office/drawing/2014/main" id="{31CE7B3C-0097-4800-A034-4D3C605EA41D}"/>
+                  </a:ext>
+                </a:extLst>
+              </p:cNvPr>
+              <p:cNvSpPr txBox="1">
+                <a:spLocks noRot="1" noChangeAspect="1" noMove="1" noResize="1" noEditPoints="1" noAdjustHandles="1" noChangeArrowheads="1" noChangeShapeType="1" noTextEdit="1"/>
+              </p:cNvSpPr>
+              <p:nvPr/>
+            </p:nvSpPr>
+            <p:spPr>
+              <a:xfrm>
+                <a:off x="4633275" y="1048545"/>
+                <a:ext cx="993545" cy="307777"/>
+              </a:xfrm>
+              <a:prstGeom prst="rect">
+                <a:avLst/>
+              </a:prstGeom>
+              <a:blipFill>
+                <a:blip r:embed="rId5"/>
+                <a:stretch>
+                  <a:fillRect/>
+                </a:stretch>
+              </a:blipFill>
+            </p:spPr>
+            <p:txBody>
+              <a:bodyPr/>
+              <a:lstStyle/>
+              <a:p>
+                <a:r>
+                  <a:rPr lang="en-US">
+                    <a:noFill/>
+                  </a:rPr>
+                  <a:t> </a:t>
+                </a:r>
+              </a:p>
+            </p:txBody>
+          </p:sp>
+        </mc:Fallback>
+      </mc:AlternateContent>
+      <mc:AlternateContent xmlns:mc="http://schemas.openxmlformats.org/markup-compatibility/2006">
+        <mc:Choice xmlns:a14="http://schemas.microsoft.com/office/drawing/2010/main" Requires="a14">
+          <p:sp>
+            <p:nvSpPr>
+              <p:cNvPr id="31" name="TextBox 30">
+                <a:extLst>
+                  <a:ext uri="{FF2B5EF4-FFF2-40B4-BE49-F238E27FC236}">
+                    <a16:creationId xmlns:a16="http://schemas.microsoft.com/office/drawing/2014/main" id="{B3FC35D1-282B-40E5-82C7-A09A8FF3F5CB}"/>
+                  </a:ext>
+                </a:extLst>
+              </p:cNvPr>
+              <p:cNvSpPr txBox="1"/>
+              <p:nvPr/>
+            </p:nvSpPr>
+            <p:spPr>
+              <a:xfrm>
+                <a:off x="5514352" y="1036638"/>
+                <a:ext cx="1033753" cy="307777"/>
+              </a:xfrm>
+              <a:prstGeom prst="rect">
+                <a:avLst/>
+              </a:prstGeom>
+              <a:noFill/>
+            </p:spPr>
+            <p:txBody>
+              <a:bodyPr wrap="square" rtlCol="0">
+                <a:spAutoFit/>
+              </a:bodyPr>
+              <a:lstStyle/>
+              <a:p>
+                <a:pPr/>
+                <a14:m>
+                  <m:oMathPara xmlns:m="http://schemas.openxmlformats.org/officeDocument/2006/math">
+                    <m:oMathParaPr>
+                      <m:jc m:val="centerGroup"/>
+                    </m:oMathParaPr>
+                    <m:oMath xmlns:m="http://schemas.openxmlformats.org/officeDocument/2006/math">
+                      <m:sSub>
+                        <m:sSubPr>
+                          <m:ctrlPr>
+                            <a:rPr lang="en-US" sz="1400" b="0" i="1" smtClean="0">
+                              <a:latin typeface="Cambria Math" panose="02040503050406030204" pitchFamily="18" charset="0"/>
+                            </a:rPr>
+                          </m:ctrlPr>
+                        </m:sSubPr>
+                        <m:e>
+                          <m:r>
+                            <a:rPr lang="en-US" sz="1400" b="0" i="1" smtClean="0">
+                              <a:latin typeface="Cambria Math" panose="02040503050406030204" pitchFamily="18" charset="0"/>
+                            </a:rPr>
+                            <m:t>𝑚</m:t>
+                          </m:r>
+                        </m:e>
+                        <m:sub>
+                          <m:r>
+                            <a:rPr lang="en-US" sz="1400" b="0" i="1" smtClean="0">
+                              <a:latin typeface="Cambria Math" panose="02040503050406030204" pitchFamily="18" charset="0"/>
+                            </a:rPr>
+                            <m:t>𝑎</m:t>
+                          </m:r>
+                        </m:sub>
+                      </m:sSub>
+                      <m:r>
+                        <a:rPr lang="en-US" sz="1400" b="0" i="1" smtClean="0">
+                          <a:latin typeface="Cambria Math" panose="02040503050406030204" pitchFamily="18" charset="0"/>
+                        </a:rPr>
+                        <m:t>=0.75</m:t>
+                      </m:r>
+                    </m:oMath>
+                  </m:oMathPara>
+                </a14:m>
+                <a:endParaRPr lang="en-US" sz="1400" dirty="0"/>
+              </a:p>
+            </p:txBody>
+          </p:sp>
+        </mc:Choice>
+        <mc:Fallback>
+          <p:sp>
+            <p:nvSpPr>
+              <p:cNvPr id="31" name="TextBox 30">
+                <a:extLst>
+                  <a:ext uri="{FF2B5EF4-FFF2-40B4-BE49-F238E27FC236}">
+                    <a16:creationId xmlns:a16="http://schemas.microsoft.com/office/drawing/2014/main" id="{B3FC35D1-282B-40E5-82C7-A09A8FF3F5CB}"/>
+                  </a:ext>
+                </a:extLst>
+              </p:cNvPr>
+              <p:cNvSpPr txBox="1">
+                <a:spLocks noRot="1" noChangeAspect="1" noMove="1" noResize="1" noEditPoints="1" noAdjustHandles="1" noChangeArrowheads="1" noChangeShapeType="1" noTextEdit="1"/>
+              </p:cNvSpPr>
+              <p:nvPr/>
+            </p:nvSpPr>
+            <p:spPr>
+              <a:xfrm>
+                <a:off x="5514352" y="1036638"/>
+                <a:ext cx="1033753" cy="307777"/>
+              </a:xfrm>
+              <a:prstGeom prst="rect">
+                <a:avLst/>
+              </a:prstGeom>
+              <a:blipFill>
+                <a:blip r:embed="rId6"/>
+                <a:stretch>
+                  <a:fillRect/>
+                </a:stretch>
+              </a:blipFill>
+            </p:spPr>
+            <p:txBody>
+              <a:bodyPr/>
+              <a:lstStyle/>
+              <a:p>
+                <a:r>
+                  <a:rPr lang="en-US">
+                    <a:noFill/>
+                  </a:rPr>
+                  <a:t> </a:t>
+                </a:r>
+              </a:p>
+            </p:txBody>
+          </p:sp>
+        </mc:Fallback>
+      </mc:AlternateContent>
+      <mc:AlternateContent xmlns:mc="http://schemas.openxmlformats.org/markup-compatibility/2006">
+        <mc:Choice xmlns:a14="http://schemas.microsoft.com/office/drawing/2010/main" Requires="a14">
+          <p:sp>
+            <p:nvSpPr>
+              <p:cNvPr id="32" name="TextBox 31">
+                <a:extLst>
+                  <a:ext uri="{FF2B5EF4-FFF2-40B4-BE49-F238E27FC236}">
+                    <a16:creationId xmlns:a16="http://schemas.microsoft.com/office/drawing/2014/main" id="{5A27CF32-8589-4199-8210-D0E806067CF4}"/>
+                  </a:ext>
+                </a:extLst>
+              </p:cNvPr>
+              <p:cNvSpPr txBox="1"/>
+              <p:nvPr/>
+            </p:nvSpPr>
+            <p:spPr>
+              <a:xfrm>
+                <a:off x="6476967" y="1024731"/>
+                <a:ext cx="841900" cy="307777"/>
+              </a:xfrm>
+              <a:prstGeom prst="rect">
+                <a:avLst/>
+              </a:prstGeom>
+              <a:noFill/>
+            </p:spPr>
+            <p:txBody>
+              <a:bodyPr wrap="square" rtlCol="0">
+                <a:spAutoFit/>
+              </a:bodyPr>
+              <a:lstStyle/>
+              <a:p>
+                <a:pPr/>
+                <a14:m>
+                  <m:oMathPara xmlns:m="http://schemas.openxmlformats.org/officeDocument/2006/math">
+                    <m:oMathParaPr>
+                      <m:jc m:val="centerGroup"/>
+                    </m:oMathParaPr>
+                    <m:oMath xmlns:m="http://schemas.openxmlformats.org/officeDocument/2006/math">
+                      <m:sSub>
+                        <m:sSubPr>
+                          <m:ctrlPr>
+                            <a:rPr lang="en-US" sz="1400" b="0" i="1" smtClean="0">
+                              <a:latin typeface="Cambria Math" panose="02040503050406030204" pitchFamily="18" charset="0"/>
+                            </a:rPr>
+                          </m:ctrlPr>
+                        </m:sSubPr>
+                        <m:e>
+                          <m:r>
+                            <a:rPr lang="en-US" sz="1400" b="0" i="1" smtClean="0">
+                              <a:latin typeface="Cambria Math" panose="02040503050406030204" pitchFamily="18" charset="0"/>
+                            </a:rPr>
+                            <m:t>𝑚</m:t>
+                          </m:r>
+                        </m:e>
+                        <m:sub>
+                          <m:r>
+                            <a:rPr lang="en-US" sz="1400" b="0" i="1" smtClean="0">
+                              <a:latin typeface="Cambria Math" panose="02040503050406030204" pitchFamily="18" charset="0"/>
+                            </a:rPr>
+                            <m:t>𝑎</m:t>
+                          </m:r>
+                        </m:sub>
+                      </m:sSub>
+                      <m:r>
+                        <a:rPr lang="en-US" sz="1400" b="0" i="1" smtClean="0">
+                          <a:latin typeface="Cambria Math" panose="02040503050406030204" pitchFamily="18" charset="0"/>
+                        </a:rPr>
+                        <m:t>=1  </m:t>
+                      </m:r>
+                    </m:oMath>
+                  </m:oMathPara>
+                </a14:m>
+                <a:endParaRPr lang="en-US" sz="1400" dirty="0"/>
+              </a:p>
+            </p:txBody>
+          </p:sp>
+        </mc:Choice>
+        <mc:Fallback>
+          <p:sp>
+            <p:nvSpPr>
+              <p:cNvPr id="32" name="TextBox 31">
+                <a:extLst>
+                  <a:ext uri="{FF2B5EF4-FFF2-40B4-BE49-F238E27FC236}">
+                    <a16:creationId xmlns:a16="http://schemas.microsoft.com/office/drawing/2014/main" id="{5A27CF32-8589-4199-8210-D0E806067CF4}"/>
+                  </a:ext>
+                </a:extLst>
+              </p:cNvPr>
+              <p:cNvSpPr txBox="1">
+                <a:spLocks noRot="1" noChangeAspect="1" noMove="1" noResize="1" noEditPoints="1" noAdjustHandles="1" noChangeArrowheads="1" noChangeShapeType="1" noTextEdit="1"/>
+              </p:cNvSpPr>
+              <p:nvPr/>
+            </p:nvSpPr>
+            <p:spPr>
+              <a:xfrm>
+                <a:off x="6476967" y="1024731"/>
+                <a:ext cx="841900" cy="307777"/>
+              </a:xfrm>
+              <a:prstGeom prst="rect">
+                <a:avLst/>
+              </a:prstGeom>
+              <a:blipFill>
+                <a:blip r:embed="rId7"/>
+                <a:stretch>
+                  <a:fillRect/>
+                </a:stretch>
+              </a:blipFill>
+            </p:spPr>
+            <p:txBody>
+              <a:bodyPr/>
+              <a:lstStyle/>
+              <a:p>
+                <a:r>
+                  <a:rPr lang="en-US">
+                    <a:noFill/>
+                  </a:rPr>
+                  <a:t> </a:t>
+                </a:r>
+              </a:p>
+            </p:txBody>
+          </p:sp>
+        </mc:Fallback>
+      </mc:AlternateContent>
+      <p:cxnSp>
+        <p:nvCxnSpPr>
+          <p:cNvPr id="34" name="Straight Arrow Connector 33">
+            <a:extLst>
+              <a:ext uri="{FF2B5EF4-FFF2-40B4-BE49-F238E27FC236}">
+                <a16:creationId xmlns:a16="http://schemas.microsoft.com/office/drawing/2014/main" id="{73330A1C-2CAB-4144-A06A-E3F416896572}"/>
+              </a:ext>
+            </a:extLst>
+          </p:cNvPr>
+          <p:cNvCxnSpPr>
+            <a:cxnSpLocks/>
+          </p:cNvCxnSpPr>
+          <p:nvPr/>
+        </p:nvCxnSpPr>
+        <p:spPr>
+          <a:xfrm flipV="1">
+            <a:off x="4027591" y="2763197"/>
+            <a:ext cx="0" cy="183203"/>
+          </a:xfrm>
+          <a:prstGeom prst="straightConnector1">
+            <a:avLst/>
+          </a:prstGeom>
+          <a:ln w="25400">
+            <a:solidFill>
+              <a:srgbClr val="FF0000"/>
+            </a:solidFill>
+            <a:headEnd type="none"/>
+            <a:tailEnd type="triangle"/>
+          </a:ln>
+        </p:spPr>
+        <p:style>
+          <a:lnRef idx="1">
+            <a:schemeClr val="accent1"/>
+          </a:lnRef>
+          <a:fillRef idx="0">
+            <a:schemeClr val="accent1"/>
+          </a:fillRef>
+          <a:effectRef idx="0">
+            <a:schemeClr val="accent1"/>
+          </a:effectRef>
+          <a:fontRef idx="minor">
+            <a:schemeClr val="tx1"/>
+          </a:fontRef>
+        </p:style>
+      </p:cxnSp>
+      <p:cxnSp>
+        <p:nvCxnSpPr>
+          <p:cNvPr id="37" name="Straight Arrow Connector 36">
+            <a:extLst>
+              <a:ext uri="{FF2B5EF4-FFF2-40B4-BE49-F238E27FC236}">
+                <a16:creationId xmlns:a16="http://schemas.microsoft.com/office/drawing/2014/main" id="{C2D5EC03-CB06-4A64-A8EF-ED43EF20B477}"/>
+              </a:ext>
+            </a:extLst>
+          </p:cNvPr>
+          <p:cNvCxnSpPr>
+            <a:cxnSpLocks/>
+          </p:cNvCxnSpPr>
+          <p:nvPr/>
+        </p:nvCxnSpPr>
+        <p:spPr>
+          <a:xfrm>
+            <a:off x="4466947" y="2538912"/>
+            <a:ext cx="0" cy="196205"/>
+          </a:xfrm>
+          <a:prstGeom prst="straightConnector1">
+            <a:avLst/>
+          </a:prstGeom>
+          <a:ln w="25400">
+            <a:solidFill>
+              <a:srgbClr val="FF0000"/>
+            </a:solidFill>
+            <a:headEnd type="none"/>
+            <a:tailEnd type="triangle"/>
+          </a:ln>
+        </p:spPr>
+        <p:style>
+          <a:lnRef idx="1">
+            <a:schemeClr val="accent1"/>
+          </a:lnRef>
+          <a:fillRef idx="0">
+            <a:schemeClr val="accent1"/>
+          </a:fillRef>
+          <a:effectRef idx="0">
+            <a:schemeClr val="accent1"/>
+          </a:effectRef>
+          <a:fontRef idx="minor">
+            <a:schemeClr val="tx1"/>
+          </a:fontRef>
+        </p:style>
+      </p:cxnSp>
+      <p:cxnSp>
+        <p:nvCxnSpPr>
+          <p:cNvPr id="40" name="Straight Arrow Connector 39">
+            <a:extLst>
+              <a:ext uri="{FF2B5EF4-FFF2-40B4-BE49-F238E27FC236}">
+                <a16:creationId xmlns:a16="http://schemas.microsoft.com/office/drawing/2014/main" id="{1D7563A0-989E-48AC-A6F2-B9842BE2BE93}"/>
+              </a:ext>
+            </a:extLst>
+          </p:cNvPr>
+          <p:cNvCxnSpPr>
+            <a:cxnSpLocks/>
+          </p:cNvCxnSpPr>
+          <p:nvPr/>
+        </p:nvCxnSpPr>
+        <p:spPr>
+          <a:xfrm flipV="1">
+            <a:off x="4905639" y="2775199"/>
+            <a:ext cx="0" cy="279400"/>
+          </a:xfrm>
+          <a:prstGeom prst="straightConnector1">
+            <a:avLst/>
+          </a:prstGeom>
+          <a:ln w="25400">
+            <a:solidFill>
+              <a:srgbClr val="FF0000"/>
+            </a:solidFill>
+            <a:headEnd type="none"/>
+            <a:tailEnd type="triangle"/>
+          </a:ln>
+        </p:spPr>
+        <p:style>
+          <a:lnRef idx="1">
+            <a:schemeClr val="accent1"/>
+          </a:lnRef>
+          <a:fillRef idx="0">
+            <a:schemeClr val="accent1"/>
+          </a:fillRef>
+          <a:effectRef idx="0">
+            <a:schemeClr val="accent1"/>
+          </a:effectRef>
+          <a:fontRef idx="minor">
+            <a:schemeClr val="tx1"/>
+          </a:fontRef>
+        </p:style>
+      </p:cxnSp>
+      <p:cxnSp>
+        <p:nvCxnSpPr>
+          <p:cNvPr id="41" name="Straight Arrow Connector 40">
+            <a:extLst>
+              <a:ext uri="{FF2B5EF4-FFF2-40B4-BE49-F238E27FC236}">
+                <a16:creationId xmlns:a16="http://schemas.microsoft.com/office/drawing/2014/main" id="{18341C06-07E9-42E0-BDEE-5FA9AD7BBE3E}"/>
+              </a:ext>
+            </a:extLst>
+          </p:cNvPr>
+          <p:cNvCxnSpPr>
+            <a:cxnSpLocks/>
+          </p:cNvCxnSpPr>
+          <p:nvPr/>
+        </p:nvCxnSpPr>
+        <p:spPr>
+          <a:xfrm flipV="1">
+            <a:off x="5791583" y="2792501"/>
+            <a:ext cx="3761" cy="423279"/>
+          </a:xfrm>
+          <a:prstGeom prst="straightConnector1">
+            <a:avLst/>
+          </a:prstGeom>
+          <a:ln w="25400">
+            <a:solidFill>
+              <a:srgbClr val="FF0000"/>
+            </a:solidFill>
+            <a:headEnd type="none"/>
+            <a:tailEnd type="triangle"/>
+          </a:ln>
+        </p:spPr>
+        <p:style>
+          <a:lnRef idx="1">
+            <a:schemeClr val="accent1"/>
+          </a:lnRef>
+          <a:fillRef idx="0">
+            <a:schemeClr val="accent1"/>
+          </a:fillRef>
+          <a:effectRef idx="0">
+            <a:schemeClr val="accent1"/>
+          </a:effectRef>
+          <a:fontRef idx="minor">
+            <a:schemeClr val="tx1"/>
+          </a:fontRef>
+        </p:style>
+      </p:cxnSp>
+      <p:cxnSp>
+        <p:nvCxnSpPr>
+          <p:cNvPr id="45" name="Straight Arrow Connector 44">
+            <a:extLst>
+              <a:ext uri="{FF2B5EF4-FFF2-40B4-BE49-F238E27FC236}">
+                <a16:creationId xmlns:a16="http://schemas.microsoft.com/office/drawing/2014/main" id="{3110965B-5D0A-4381-9995-C74636863B8C}"/>
+              </a:ext>
+            </a:extLst>
+          </p:cNvPr>
+          <p:cNvCxnSpPr>
+            <a:cxnSpLocks/>
+          </p:cNvCxnSpPr>
+          <p:nvPr/>
+        </p:nvCxnSpPr>
+        <p:spPr>
+          <a:xfrm flipV="1">
+            <a:off x="6670361" y="2831805"/>
+            <a:ext cx="0" cy="480540"/>
+          </a:xfrm>
+          <a:prstGeom prst="straightConnector1">
+            <a:avLst/>
+          </a:prstGeom>
+          <a:ln w="25400">
+            <a:solidFill>
+              <a:srgbClr val="FF0000"/>
+            </a:solidFill>
+            <a:headEnd type="none"/>
+            <a:tailEnd type="triangle"/>
+          </a:ln>
+        </p:spPr>
+        <p:style>
+          <a:lnRef idx="1">
+            <a:schemeClr val="accent1"/>
+          </a:lnRef>
+          <a:fillRef idx="0">
+            <a:schemeClr val="accent1"/>
+          </a:fillRef>
+          <a:effectRef idx="0">
+            <a:schemeClr val="accent1"/>
+          </a:effectRef>
+          <a:fontRef idx="minor">
+            <a:schemeClr val="tx1"/>
+          </a:fontRef>
+        </p:style>
+      </p:cxnSp>
+      <p:cxnSp>
+        <p:nvCxnSpPr>
+          <p:cNvPr id="47" name="Straight Arrow Connector 46">
+            <a:extLst>
+              <a:ext uri="{FF2B5EF4-FFF2-40B4-BE49-F238E27FC236}">
+                <a16:creationId xmlns:a16="http://schemas.microsoft.com/office/drawing/2014/main" id="{7CC875B6-9400-43FA-965F-6C70BB9D68BF}"/>
+              </a:ext>
+            </a:extLst>
+          </p:cNvPr>
+          <p:cNvCxnSpPr>
+            <a:cxnSpLocks/>
+          </p:cNvCxnSpPr>
+          <p:nvPr/>
+        </p:nvCxnSpPr>
+        <p:spPr>
+          <a:xfrm>
+            <a:off x="5349886" y="2447784"/>
+            <a:ext cx="2240" cy="278951"/>
+          </a:xfrm>
+          <a:prstGeom prst="straightConnector1">
+            <a:avLst/>
+          </a:prstGeom>
+          <a:ln w="25400">
+            <a:solidFill>
+              <a:srgbClr val="FF0000"/>
+            </a:solidFill>
+            <a:headEnd type="none"/>
+            <a:tailEnd type="triangle"/>
+          </a:ln>
+        </p:spPr>
+        <p:style>
+          <a:lnRef idx="1">
+            <a:schemeClr val="accent1"/>
+          </a:lnRef>
+          <a:fillRef idx="0">
+            <a:schemeClr val="accent1"/>
+          </a:fillRef>
+          <a:effectRef idx="0">
+            <a:schemeClr val="accent1"/>
+          </a:effectRef>
+          <a:fontRef idx="minor">
+            <a:schemeClr val="tx1"/>
+          </a:fontRef>
+        </p:style>
+      </p:cxnSp>
+      <p:cxnSp>
+        <p:nvCxnSpPr>
+          <p:cNvPr id="49" name="Straight Arrow Connector 48">
+            <a:extLst>
+              <a:ext uri="{FF2B5EF4-FFF2-40B4-BE49-F238E27FC236}">
+                <a16:creationId xmlns:a16="http://schemas.microsoft.com/office/drawing/2014/main" id="{C6AE7589-36D8-424F-BDAC-8C7236010EC4}"/>
+              </a:ext>
+            </a:extLst>
+          </p:cNvPr>
+          <p:cNvCxnSpPr>
+            <a:cxnSpLocks/>
+          </p:cNvCxnSpPr>
+          <p:nvPr/>
+        </p:nvCxnSpPr>
+        <p:spPr>
+          <a:xfrm>
+            <a:off x="6231742" y="2278562"/>
+            <a:ext cx="0" cy="421601"/>
+          </a:xfrm>
+          <a:prstGeom prst="straightConnector1">
+            <a:avLst/>
+          </a:prstGeom>
+          <a:ln w="25400">
+            <a:solidFill>
+              <a:srgbClr val="FF0000"/>
+            </a:solidFill>
+            <a:headEnd type="none"/>
+            <a:tailEnd type="triangle"/>
+          </a:ln>
+        </p:spPr>
+        <p:style>
+          <a:lnRef idx="1">
+            <a:schemeClr val="accent1"/>
+          </a:lnRef>
+          <a:fillRef idx="0">
+            <a:schemeClr val="accent1"/>
+          </a:fillRef>
+          <a:effectRef idx="0">
+            <a:schemeClr val="accent1"/>
+          </a:effectRef>
+          <a:fontRef idx="minor">
+            <a:schemeClr val="tx1"/>
+          </a:fontRef>
+        </p:style>
+      </p:cxnSp>
+      <p:cxnSp>
+        <p:nvCxnSpPr>
+          <p:cNvPr id="52" name="Straight Arrow Connector 51">
+            <a:extLst>
+              <a:ext uri="{FF2B5EF4-FFF2-40B4-BE49-F238E27FC236}">
+                <a16:creationId xmlns:a16="http://schemas.microsoft.com/office/drawing/2014/main" id="{38DFFD0C-09E8-46B1-AEB7-4D8D900BDBC0}"/>
+              </a:ext>
+            </a:extLst>
+          </p:cNvPr>
+          <p:cNvCxnSpPr>
+            <a:cxnSpLocks/>
+          </p:cNvCxnSpPr>
+          <p:nvPr/>
+        </p:nvCxnSpPr>
+        <p:spPr>
+          <a:xfrm flipH="1">
+            <a:off x="7110143" y="1986751"/>
+            <a:ext cx="8216" cy="677450"/>
+          </a:xfrm>
+          <a:prstGeom prst="straightConnector1">
+            <a:avLst/>
+          </a:prstGeom>
+          <a:ln w="25400">
+            <a:solidFill>
+              <a:srgbClr val="FF0000"/>
+            </a:solidFill>
+            <a:headEnd type="none"/>
+            <a:tailEnd type="triangle"/>
+          </a:ln>
+        </p:spPr>
+        <p:style>
+          <a:lnRef idx="1">
+            <a:schemeClr val="accent1"/>
+          </a:lnRef>
+          <a:fillRef idx="0">
+            <a:schemeClr val="accent1"/>
+          </a:fillRef>
+          <a:effectRef idx="0">
+            <a:schemeClr val="accent1"/>
+          </a:effectRef>
+          <a:fontRef idx="minor">
+            <a:schemeClr val="tx1"/>
+          </a:fontRef>
+        </p:style>
+      </p:cxnSp>
+      <p:cxnSp>
+        <p:nvCxnSpPr>
+          <p:cNvPr id="54" name="Straight Arrow Connector 53">
+            <a:extLst>
+              <a:ext uri="{FF2B5EF4-FFF2-40B4-BE49-F238E27FC236}">
+                <a16:creationId xmlns:a16="http://schemas.microsoft.com/office/drawing/2014/main" id="{DE347A3A-AE0D-4E9F-B8A3-6A58D31FD51C}"/>
+              </a:ext>
+            </a:extLst>
+          </p:cNvPr>
+          <p:cNvCxnSpPr>
+            <a:cxnSpLocks/>
+          </p:cNvCxnSpPr>
+          <p:nvPr/>
+        </p:nvCxnSpPr>
+        <p:spPr>
+          <a:xfrm>
+            <a:off x="3419961" y="2475907"/>
+            <a:ext cx="0" cy="266700"/>
+          </a:xfrm>
+          <a:prstGeom prst="straightConnector1">
+            <a:avLst/>
+          </a:prstGeom>
+          <a:ln w="25400">
+            <a:solidFill>
+              <a:srgbClr val="FF0000"/>
+            </a:solidFill>
+            <a:headEnd type="none"/>
+            <a:tailEnd type="triangle"/>
+          </a:ln>
+        </p:spPr>
+        <p:style>
+          <a:lnRef idx="1">
+            <a:schemeClr val="accent1"/>
+          </a:lnRef>
+          <a:fillRef idx="0">
+            <a:schemeClr val="accent1"/>
+          </a:fillRef>
+          <a:effectRef idx="0">
+            <a:schemeClr val="accent1"/>
+          </a:effectRef>
+          <a:fontRef idx="minor">
+            <a:schemeClr val="tx1"/>
+          </a:fontRef>
+        </p:style>
+      </p:cxnSp>
+      <p:sp>
+        <p:nvSpPr>
+          <p:cNvPr id="55" name="TextBox 54">
+            <a:extLst>
+              <a:ext uri="{FF2B5EF4-FFF2-40B4-BE49-F238E27FC236}">
+                <a16:creationId xmlns:a16="http://schemas.microsoft.com/office/drawing/2014/main" id="{5B9B1CC4-FC6D-48A6-9631-7EE4437CFA08}"/>
+              </a:ext>
+            </a:extLst>
+          </p:cNvPr>
+          <p:cNvSpPr txBox="1"/>
+          <p:nvPr/>
+        </p:nvSpPr>
+        <p:spPr>
+          <a:xfrm>
+            <a:off x="3016323" y="2021309"/>
+            <a:ext cx="839684" cy="461665"/>
+          </a:xfrm>
+          <a:prstGeom prst="rect">
+            <a:avLst/>
+          </a:prstGeom>
+          <a:solidFill>
+            <a:schemeClr val="accent6">
+              <a:lumMod val="75000"/>
+              <a:alpha val="0"/>
+            </a:schemeClr>
+          </a:solidFill>
+        </p:spPr>
+        <p:txBody>
+          <a:bodyPr wrap="square" rtlCol="0">
+            <a:spAutoFit/>
+          </a:bodyPr>
+          <a:lstStyle/>
+          <a:p>
+            <a:pPr algn="ctr"/>
+            <a:r>
+              <a:rPr lang="en-US" sz="1200" b="0" dirty="0">
+                <a:solidFill>
+                  <a:srgbClr val="FF0000"/>
+                </a:solidFill>
+                <a:latin typeface="Times New Roman" panose="02020603050405020304" pitchFamily="18" charset="0"/>
+                <a:cs typeface="Times New Roman" panose="02020603050405020304" pitchFamily="18" charset="0"/>
+              </a:rPr>
+              <a:t>Zero </a:t>
+            </a:r>
+            <a:endParaRPr lang="en-US" sz="1200" b="1" dirty="0">
+              <a:solidFill>
+                <a:srgbClr val="FF0000"/>
+              </a:solidFill>
+              <a:latin typeface="Times New Roman" panose="02020603050405020304" pitchFamily="18" charset="0"/>
+              <a:cs typeface="Times New Roman" panose="02020603050405020304" pitchFamily="18" charset="0"/>
+            </a:endParaRPr>
+          </a:p>
+          <a:p>
+            <a:pPr algn="ctr"/>
+            <a:r>
+              <a:rPr lang="en-US" sz="1200" dirty="0">
+                <a:solidFill>
+                  <a:srgbClr val="FF0000"/>
+                </a:solidFill>
+                <a:latin typeface="Times New Roman" panose="02020603050405020304" pitchFamily="18" charset="0"/>
+                <a:cs typeface="Times New Roman" panose="02020603050405020304" pitchFamily="18" charset="0"/>
+              </a:rPr>
+              <a:t>Excitation</a:t>
+            </a:r>
+            <a:endParaRPr lang="en-US" sz="1200" b="0" dirty="0">
+              <a:solidFill>
+                <a:srgbClr val="FF0000"/>
+              </a:solidFill>
+              <a:latin typeface="Times New Roman" panose="02020603050405020304" pitchFamily="18" charset="0"/>
+              <a:cs typeface="Times New Roman" panose="02020603050405020304" pitchFamily="18" charset="0"/>
+            </a:endParaRPr>
+          </a:p>
+        </p:txBody>
+      </p:sp>
+      <mc:AlternateContent xmlns:mc="http://schemas.openxmlformats.org/markup-compatibility/2006">
+        <mc:Choice xmlns:a14="http://schemas.microsoft.com/office/drawing/2010/main" Requires="a14">
+          <p:sp>
+            <p:nvSpPr>
+              <p:cNvPr id="85" name="TextBox 84">
+                <a:extLst>
+                  <a:ext uri="{FF2B5EF4-FFF2-40B4-BE49-F238E27FC236}">
+                    <a16:creationId xmlns:a16="http://schemas.microsoft.com/office/drawing/2014/main" id="{3A36A2DE-423B-4AFC-94D6-BBB5782AB34D}"/>
+                  </a:ext>
+                </a:extLst>
+              </p:cNvPr>
+              <p:cNvSpPr txBox="1"/>
+              <p:nvPr/>
+            </p:nvSpPr>
+            <p:spPr>
+              <a:xfrm>
+                <a:off x="3045805" y="1529406"/>
+                <a:ext cx="776888" cy="323165"/>
+              </a:xfrm>
+              <a:prstGeom prst="rect">
+                <a:avLst/>
+              </a:prstGeom>
+              <a:solidFill>
+                <a:schemeClr val="bg1">
+                  <a:alpha val="0"/>
+                </a:schemeClr>
+              </a:solidFill>
+            </p:spPr>
+            <p:txBody>
+              <a:bodyPr wrap="square" rtlCol="0">
+                <a:spAutoFit/>
+              </a:bodyPr>
+              <a:lstStyle/>
+              <a:p>
+                <a:pPr algn="ctr"/>
+                <a14:m>
+                  <m:oMathPara xmlns:m="http://schemas.openxmlformats.org/officeDocument/2006/math">
+                    <m:oMathParaPr>
+                      <m:jc m:val="centerGroup"/>
+                    </m:oMathParaPr>
+                    <m:oMath xmlns:m="http://schemas.openxmlformats.org/officeDocument/2006/math">
+                      <m:sSub>
+                        <m:sSubPr>
+                          <m:ctrlPr>
+                            <a:rPr lang="en-US" sz="1500" b="0" i="1" dirty="0" smtClean="0">
+                              <a:solidFill>
+                                <a:srgbClr val="002060"/>
+                              </a:solidFill>
+                              <a:latin typeface="Cambria Math" panose="02040503050406030204" pitchFamily="18" charset="0"/>
+                            </a:rPr>
+                          </m:ctrlPr>
+                        </m:sSubPr>
+                        <m:e>
+                          <m:r>
+                            <a:rPr lang="en-US" sz="1500" b="0" i="1" dirty="0" smtClean="0">
+                              <a:solidFill>
+                                <a:srgbClr val="002060"/>
+                              </a:solidFill>
+                              <a:latin typeface="Cambria Math" panose="02040503050406030204" pitchFamily="18" charset="0"/>
+                            </a:rPr>
+                            <m:t>𝑈</m:t>
+                          </m:r>
+                        </m:e>
+                        <m:sub>
+                          <m:r>
+                            <a:rPr lang="en-US" sz="1500" b="0" i="1" dirty="0" smtClean="0">
+                              <a:solidFill>
+                                <a:srgbClr val="002060"/>
+                              </a:solidFill>
+                              <a:latin typeface="Cambria Math" panose="02040503050406030204" pitchFamily="18" charset="0"/>
+                            </a:rPr>
+                            <m:t>𝑖</m:t>
+                          </m:r>
+                        </m:sub>
+                      </m:sSub>
+                    </m:oMath>
+                  </m:oMathPara>
+                </a14:m>
+                <a:endParaRPr lang="en-US" sz="1500" b="0" dirty="0"/>
+              </a:p>
+            </p:txBody>
+          </p:sp>
+        </mc:Choice>
+        <mc:Fallback>
+          <p:sp>
+            <p:nvSpPr>
+              <p:cNvPr id="85" name="TextBox 84">
+                <a:extLst>
+                  <a:ext uri="{FF2B5EF4-FFF2-40B4-BE49-F238E27FC236}">
+                    <a16:creationId xmlns:a16="http://schemas.microsoft.com/office/drawing/2014/main" id="{3A36A2DE-423B-4AFC-94D6-BBB5782AB34D}"/>
+                  </a:ext>
+                </a:extLst>
+              </p:cNvPr>
+              <p:cNvSpPr txBox="1">
+                <a:spLocks noRot="1" noChangeAspect="1" noMove="1" noResize="1" noEditPoints="1" noAdjustHandles="1" noChangeArrowheads="1" noChangeShapeType="1" noTextEdit="1"/>
+              </p:cNvSpPr>
+              <p:nvPr/>
+            </p:nvSpPr>
+            <p:spPr>
+              <a:xfrm>
+                <a:off x="3045805" y="1529406"/>
+                <a:ext cx="776888" cy="323165"/>
+              </a:xfrm>
+              <a:prstGeom prst="rect">
+                <a:avLst/>
+              </a:prstGeom>
+              <a:blipFill>
+                <a:blip r:embed="rId8"/>
+                <a:stretch>
+                  <a:fillRect/>
+                </a:stretch>
+              </a:blipFill>
+            </p:spPr>
+            <p:txBody>
+              <a:bodyPr/>
+              <a:lstStyle/>
+              <a:p>
+                <a:r>
+                  <a:rPr lang="en-US">
+                    <a:noFill/>
+                  </a:rPr>
+                  <a:t> </a:t>
+                </a:r>
+              </a:p>
+            </p:txBody>
+          </p:sp>
+        </mc:Fallback>
+      </mc:AlternateContent>
+      <mc:AlternateContent xmlns:mc="http://schemas.openxmlformats.org/markup-compatibility/2006">
+        <mc:Choice xmlns:a14="http://schemas.microsoft.com/office/drawing/2010/main" Requires="a14">
+          <p:sp>
+            <p:nvSpPr>
+              <p:cNvPr id="86" name="TextBox 85">
+                <a:extLst>
+                  <a:ext uri="{FF2B5EF4-FFF2-40B4-BE49-F238E27FC236}">
+                    <a16:creationId xmlns:a16="http://schemas.microsoft.com/office/drawing/2014/main" id="{441D8D9A-6329-4F89-8F95-F43A2133FF94}"/>
+                  </a:ext>
+                </a:extLst>
+              </p:cNvPr>
+              <p:cNvSpPr txBox="1"/>
+              <p:nvPr/>
+            </p:nvSpPr>
+            <p:spPr>
+              <a:xfrm>
+                <a:off x="3123929" y="2836002"/>
+                <a:ext cx="776888" cy="384144"/>
+              </a:xfrm>
+              <a:prstGeom prst="rect">
+                <a:avLst/>
+              </a:prstGeom>
+              <a:solidFill>
+                <a:schemeClr val="accent1">
+                  <a:lumMod val="75000"/>
+                  <a:alpha val="0"/>
+                </a:schemeClr>
+              </a:solidFill>
+            </p:spPr>
+            <p:txBody>
+              <a:bodyPr wrap="square" rtlCol="0">
+                <a:spAutoFit/>
+              </a:bodyPr>
+              <a:lstStyle/>
+              <a:p>
+                <a:pPr algn="ctr"/>
+                <a14:m>
+                  <m:oMathPara xmlns:m="http://schemas.openxmlformats.org/officeDocument/2006/math">
+                    <m:oMathParaPr>
+                      <m:jc m:val="centerGroup"/>
+                    </m:oMathParaPr>
+                    <m:oMath xmlns:m="http://schemas.openxmlformats.org/officeDocument/2006/math">
+                      <m:sSubSup>
+                        <m:sSubSupPr>
+                          <m:ctrlPr>
+                            <a:rPr lang="en-US" sz="1500" i="1" dirty="0" smtClean="0">
+                              <a:solidFill>
+                                <a:srgbClr val="49A7A7"/>
+                              </a:solidFill>
+                              <a:latin typeface="Cambria Math" panose="02040503050406030204" pitchFamily="18" charset="0"/>
+                            </a:rPr>
+                          </m:ctrlPr>
+                        </m:sSubSupPr>
+                        <m:e>
+                          <m:r>
+                            <a:rPr lang="en-US" sz="1500" b="0" i="1" dirty="0" smtClean="0">
+                              <a:solidFill>
+                                <a:srgbClr val="49A7A7"/>
+                              </a:solidFill>
+                              <a:latin typeface="Cambria Math" panose="02040503050406030204" pitchFamily="18" charset="0"/>
+                            </a:rPr>
+                            <m:t>𝑈</m:t>
+                          </m:r>
+                        </m:e>
+                        <m:sub>
+                          <m:r>
+                            <a:rPr lang="en-US" sz="1500" b="0" i="1" dirty="0" smtClean="0">
+                              <a:solidFill>
+                                <a:srgbClr val="49A7A7"/>
+                              </a:solidFill>
+                              <a:latin typeface="Cambria Math" panose="02040503050406030204" pitchFamily="18" charset="0"/>
+                            </a:rPr>
+                            <m:t>𝑖</m:t>
+                          </m:r>
+                        </m:sub>
+                        <m:sup>
+                          <m:r>
+                            <a:rPr lang="en-US" sz="1500" b="0" i="1" dirty="0" smtClean="0">
+                              <a:solidFill>
+                                <a:srgbClr val="49A7A7"/>
+                              </a:solidFill>
+                              <a:latin typeface="Cambria Math" panose="02040503050406030204" pitchFamily="18" charset="0"/>
+                            </a:rPr>
+                            <m:t>𝑓</m:t>
+                          </m:r>
+                        </m:sup>
+                      </m:sSubSup>
+                    </m:oMath>
+                  </m:oMathPara>
+                </a14:m>
+                <a:endParaRPr lang="en-US" sz="1500" dirty="0"/>
+              </a:p>
+            </p:txBody>
+          </p:sp>
+        </mc:Choice>
+        <mc:Fallback>
+          <p:sp>
+            <p:nvSpPr>
+              <p:cNvPr id="86" name="TextBox 85">
+                <a:extLst>
+                  <a:ext uri="{FF2B5EF4-FFF2-40B4-BE49-F238E27FC236}">
+                    <a16:creationId xmlns:a16="http://schemas.microsoft.com/office/drawing/2014/main" id="{441D8D9A-6329-4F89-8F95-F43A2133FF94}"/>
+                  </a:ext>
+                </a:extLst>
+              </p:cNvPr>
+              <p:cNvSpPr txBox="1">
+                <a:spLocks noRot="1" noChangeAspect="1" noMove="1" noResize="1" noEditPoints="1" noAdjustHandles="1" noChangeArrowheads="1" noChangeShapeType="1" noTextEdit="1"/>
+              </p:cNvSpPr>
+              <p:nvPr/>
+            </p:nvSpPr>
+            <p:spPr>
+              <a:xfrm>
+                <a:off x="3123929" y="2836002"/>
+                <a:ext cx="776888" cy="384144"/>
+              </a:xfrm>
+              <a:prstGeom prst="rect">
+                <a:avLst/>
+              </a:prstGeom>
+              <a:blipFill>
+                <a:blip r:embed="rId9"/>
+                <a:stretch>
+                  <a:fillRect/>
+                </a:stretch>
+              </a:blipFill>
+            </p:spPr>
+            <p:txBody>
+              <a:bodyPr/>
+              <a:lstStyle/>
+              <a:p>
+                <a:r>
+                  <a:rPr lang="en-US">
+                    <a:noFill/>
+                  </a:rPr>
+                  <a:t> </a:t>
+                </a:r>
+              </a:p>
+            </p:txBody>
+          </p:sp>
+        </mc:Fallback>
+      </mc:AlternateContent>
+      <p:cxnSp>
+        <p:nvCxnSpPr>
+          <p:cNvPr id="87" name="Straight Arrow Connector 86">
+            <a:extLst>
+              <a:ext uri="{FF2B5EF4-FFF2-40B4-BE49-F238E27FC236}">
+                <a16:creationId xmlns:a16="http://schemas.microsoft.com/office/drawing/2014/main" id="{FD19FC1E-0DD4-4538-830C-B1FABE13D2EC}"/>
+              </a:ext>
+            </a:extLst>
+          </p:cNvPr>
+          <p:cNvCxnSpPr>
+            <a:cxnSpLocks/>
+          </p:cNvCxnSpPr>
+          <p:nvPr/>
+        </p:nvCxnSpPr>
+        <p:spPr>
+          <a:xfrm flipV="1">
+            <a:off x="3594111" y="2792501"/>
+            <a:ext cx="261896" cy="228198"/>
+          </a:xfrm>
+          <a:prstGeom prst="straightConnector1">
+            <a:avLst/>
+          </a:prstGeom>
+          <a:ln w="25400">
+            <a:solidFill>
+              <a:srgbClr val="49A7A7"/>
+            </a:solidFill>
+            <a:headEnd type="none"/>
+            <a:tailEnd type="triangle"/>
+          </a:ln>
+          <a:effectLst>
+            <a:glow rad="25400">
+              <a:schemeClr val="bg1"/>
+            </a:glow>
+          </a:effectLst>
+        </p:spPr>
+        <p:style>
+          <a:lnRef idx="1">
+            <a:schemeClr val="accent1"/>
+          </a:lnRef>
+          <a:fillRef idx="0">
+            <a:schemeClr val="accent1"/>
+          </a:fillRef>
+          <a:effectRef idx="0">
+            <a:schemeClr val="accent1"/>
+          </a:effectRef>
+          <a:fontRef idx="minor">
+            <a:schemeClr val="tx1"/>
+          </a:fontRef>
+        </p:style>
+      </p:cxnSp>
+      <p:cxnSp>
+        <p:nvCxnSpPr>
+          <p:cNvPr id="89" name="Straight Arrow Connector 88">
+            <a:extLst>
+              <a:ext uri="{FF2B5EF4-FFF2-40B4-BE49-F238E27FC236}">
+                <a16:creationId xmlns:a16="http://schemas.microsoft.com/office/drawing/2014/main" id="{F6035776-111C-4C2D-8F68-5B402FFD970A}"/>
+              </a:ext>
+            </a:extLst>
+          </p:cNvPr>
+          <p:cNvCxnSpPr>
+            <a:cxnSpLocks/>
+          </p:cNvCxnSpPr>
+          <p:nvPr/>
+        </p:nvCxnSpPr>
+        <p:spPr>
+          <a:xfrm>
+            <a:off x="3524828" y="1690827"/>
+            <a:ext cx="279393" cy="162"/>
+          </a:xfrm>
+          <a:prstGeom prst="straightConnector1">
+            <a:avLst/>
+          </a:prstGeom>
+          <a:ln w="25400">
+            <a:solidFill>
+              <a:srgbClr val="002060"/>
+            </a:solidFill>
+            <a:headEnd type="none"/>
+            <a:tailEnd type="triangle"/>
+          </a:ln>
+          <a:effectLst>
+            <a:glow rad="12700">
+              <a:schemeClr val="bg1"/>
+            </a:glow>
+          </a:effectLst>
+        </p:spPr>
+        <p:style>
+          <a:lnRef idx="1">
+            <a:schemeClr val="accent1"/>
+          </a:lnRef>
+          <a:fillRef idx="0">
+            <a:schemeClr val="accent1"/>
+          </a:fillRef>
+          <a:effectRef idx="0">
+            <a:schemeClr val="accent1"/>
+          </a:effectRef>
+          <a:fontRef idx="minor">
+            <a:schemeClr val="tx1"/>
+          </a:fontRef>
+        </p:style>
+      </p:cxnSp>
+      <p:sp>
+        <p:nvSpPr>
+          <p:cNvPr id="35" name="TextBox 34">
+            <a:extLst>
+              <a:ext uri="{FF2B5EF4-FFF2-40B4-BE49-F238E27FC236}">
+                <a16:creationId xmlns:a16="http://schemas.microsoft.com/office/drawing/2014/main" id="{72DC981E-7EA1-43ED-9B1F-EABF756A617C}"/>
+              </a:ext>
+            </a:extLst>
+          </p:cNvPr>
+          <p:cNvSpPr txBox="1"/>
+          <p:nvPr/>
+        </p:nvSpPr>
+        <p:spPr>
+          <a:xfrm>
+            <a:off x="4156382" y="4239124"/>
+            <a:ext cx="2295460" cy="338554"/>
+          </a:xfrm>
+          <a:prstGeom prst="rect">
+            <a:avLst/>
+          </a:prstGeom>
+          <a:noFill/>
+        </p:spPr>
+        <p:txBody>
+          <a:bodyPr wrap="square" rtlCol="0">
+            <a:spAutoFit/>
+          </a:bodyPr>
+          <a:lstStyle/>
+          <a:p>
+            <a:r>
+              <a:rPr lang="en-US" sz="1600" dirty="0">
+                <a:latin typeface="Times New Roman" panose="02020603050405020304" pitchFamily="18" charset="0"/>
+                <a:cs typeface="Times New Roman" panose="02020603050405020304" pitchFamily="18" charset="0"/>
+              </a:rPr>
+              <a:t>Fundamental phase (rad)</a:t>
+            </a:r>
+          </a:p>
+        </p:txBody>
+      </p:sp>
+      <mc:AlternateContent xmlns:mc="http://schemas.openxmlformats.org/markup-compatibility/2006">
+        <mc:Choice xmlns:a14="http://schemas.microsoft.com/office/drawing/2010/main" Requires="a14">
+          <p:sp>
+            <p:nvSpPr>
+              <p:cNvPr id="39" name="TextBox 38">
+                <a:extLst>
+                  <a:ext uri="{FF2B5EF4-FFF2-40B4-BE49-F238E27FC236}">
+                    <a16:creationId xmlns:a16="http://schemas.microsoft.com/office/drawing/2014/main" id="{BCB6E55F-E8F3-4489-894C-CFD5C1DA186E}"/>
+                  </a:ext>
+                </a:extLst>
+              </p:cNvPr>
+              <p:cNvSpPr txBox="1"/>
+              <p:nvPr/>
+            </p:nvSpPr>
+            <p:spPr>
+              <a:xfrm rot="16200000">
+                <a:off x="1412261" y="2501967"/>
+                <a:ext cx="1637198" cy="396391"/>
+              </a:xfrm>
+              <a:prstGeom prst="rect">
+                <a:avLst/>
+              </a:prstGeom>
+              <a:noFill/>
+            </p:spPr>
+            <p:txBody>
+              <a:bodyPr wrap="square" rtlCol="0">
+                <a:spAutoFit/>
+              </a:bodyPr>
+              <a:lstStyle/>
+              <a:p>
+                <a14:m>
+                  <m:oMath xmlns:m="http://schemas.openxmlformats.org/officeDocument/2006/math">
+                    <m:sSub>
+                      <m:sSubPr>
+                        <m:ctrlPr>
+                          <a:rPr lang="en-US" sz="1600" b="0" i="1" smtClean="0">
+                            <a:latin typeface="Cambria Math" panose="02040503050406030204" pitchFamily="18" charset="0"/>
+                            <a:cs typeface="Times New Roman" panose="02020603050405020304" pitchFamily="18" charset="0"/>
+                          </a:rPr>
+                        </m:ctrlPr>
+                      </m:sSubPr>
+                      <m:e>
+                        <m:r>
+                          <a:rPr lang="en-US" sz="1600" b="0" i="1" smtClean="0">
+                            <a:latin typeface="Cambria Math" panose="02040503050406030204" pitchFamily="18" charset="0"/>
+                            <a:cs typeface="Times New Roman" panose="02020603050405020304" pitchFamily="18" charset="0"/>
+                          </a:rPr>
+                          <m:t>𝑈</m:t>
+                        </m:r>
+                      </m:e>
+                      <m:sub>
+                        <m:r>
+                          <a:rPr lang="en-US" sz="1600" b="0" i="1" smtClean="0">
+                            <a:latin typeface="Cambria Math" panose="02040503050406030204" pitchFamily="18" charset="0"/>
+                            <a:cs typeface="Times New Roman" panose="02020603050405020304" pitchFamily="18" charset="0"/>
+                          </a:rPr>
+                          <m:t>𝑖</m:t>
+                        </m:r>
+                      </m:sub>
+                    </m:sSub>
+                    <m:r>
+                      <a:rPr lang="en-US" sz="1600" b="0" i="1" smtClean="0">
+                        <a:latin typeface="Cambria Math" panose="02040503050406030204" pitchFamily="18" charset="0"/>
+                        <a:cs typeface="Times New Roman" panose="02020603050405020304" pitchFamily="18" charset="0"/>
+                      </a:rPr>
+                      <m:t> / </m:t>
+                    </m:r>
+                    <m:sSubSup>
+                      <m:sSubSupPr>
+                        <m:ctrlPr>
+                          <a:rPr lang="en-US" sz="1600" b="0" i="1" smtClean="0">
+                            <a:latin typeface="Cambria Math" panose="02040503050406030204" pitchFamily="18" charset="0"/>
+                            <a:cs typeface="Times New Roman" panose="02020603050405020304" pitchFamily="18" charset="0"/>
+                          </a:rPr>
+                        </m:ctrlPr>
+                      </m:sSubSupPr>
+                      <m:e>
+                        <m:r>
+                          <a:rPr lang="en-US" sz="1600" b="0" i="1" smtClean="0">
+                            <a:latin typeface="Cambria Math" panose="02040503050406030204" pitchFamily="18" charset="0"/>
+                            <a:cs typeface="Times New Roman" panose="02020603050405020304" pitchFamily="18" charset="0"/>
+                          </a:rPr>
+                          <m:t>𝑈</m:t>
+                        </m:r>
+                      </m:e>
+                      <m:sub>
+                        <m:r>
+                          <a:rPr lang="en-US" sz="1600" b="0" i="1" smtClean="0">
+                            <a:latin typeface="Cambria Math" panose="02040503050406030204" pitchFamily="18" charset="0"/>
+                            <a:cs typeface="Times New Roman" panose="02020603050405020304" pitchFamily="18" charset="0"/>
+                          </a:rPr>
+                          <m:t>𝑖</m:t>
+                        </m:r>
+                      </m:sub>
+                      <m:sup>
+                        <m:r>
+                          <a:rPr lang="en-US" sz="1600" b="0" i="1" smtClean="0">
+                            <a:latin typeface="Cambria Math" panose="02040503050406030204" pitchFamily="18" charset="0"/>
+                            <a:cs typeface="Times New Roman" panose="02020603050405020304" pitchFamily="18" charset="0"/>
+                          </a:rPr>
+                          <m:t>𝑓</m:t>
+                        </m:r>
+                      </m:sup>
+                    </m:sSubSup>
+                    <m:r>
+                      <a:rPr lang="en-US" sz="1600" b="0" i="1" smtClean="0">
+                        <a:latin typeface="Cambria Math" panose="02040503050406030204" pitchFamily="18" charset="0"/>
+                        <a:cs typeface="Times New Roman" panose="02020603050405020304" pitchFamily="18" charset="0"/>
+                      </a:rPr>
+                      <m:t> </m:t>
+                    </m:r>
+                  </m:oMath>
+                </a14:m>
+                <a:r>
+                  <a:rPr lang="en-US" sz="1600" dirty="0">
+                    <a:latin typeface="Times New Roman" panose="02020603050405020304" pitchFamily="18" charset="0"/>
+                    <a:cs typeface="Times New Roman" panose="02020603050405020304" pitchFamily="18" charset="0"/>
+                  </a:rPr>
+                  <a:t>(</a:t>
+                </a:r>
+                <a:r>
+                  <a:rPr lang="en-US" sz="1600" dirty="0" err="1">
+                    <a:latin typeface="Times New Roman" panose="02020603050405020304" pitchFamily="18" charset="0"/>
+                    <a:cs typeface="Times New Roman" panose="02020603050405020304" pitchFamily="18" charset="0"/>
+                  </a:rPr>
+                  <a:t>p.u</a:t>
+                </a:r>
+                <a:r>
+                  <a:rPr lang="en-US" sz="1600" dirty="0">
+                    <a:latin typeface="Times New Roman" panose="02020603050405020304" pitchFamily="18" charset="0"/>
+                    <a:cs typeface="Times New Roman" panose="02020603050405020304" pitchFamily="18" charset="0"/>
+                  </a:rPr>
+                  <a:t>)</a:t>
+                </a:r>
+              </a:p>
+            </p:txBody>
+          </p:sp>
+        </mc:Choice>
+        <mc:Fallback>
+          <p:sp>
+            <p:nvSpPr>
+              <p:cNvPr id="39" name="TextBox 38">
+                <a:extLst>
+                  <a:ext uri="{FF2B5EF4-FFF2-40B4-BE49-F238E27FC236}">
+                    <a16:creationId xmlns:a16="http://schemas.microsoft.com/office/drawing/2014/main" id="{BCB6E55F-E8F3-4489-894C-CFD5C1DA186E}"/>
+                  </a:ext>
+                </a:extLst>
+              </p:cNvPr>
+              <p:cNvSpPr txBox="1">
+                <a:spLocks noRot="1" noChangeAspect="1" noMove="1" noResize="1" noEditPoints="1" noAdjustHandles="1" noChangeArrowheads="1" noChangeShapeType="1" noTextEdit="1"/>
+              </p:cNvSpPr>
+              <p:nvPr/>
+            </p:nvSpPr>
+            <p:spPr>
+              <a:xfrm rot="16200000">
+                <a:off x="1412261" y="2501967"/>
+                <a:ext cx="1637198" cy="396391"/>
+              </a:xfrm>
+              <a:prstGeom prst="rect">
+                <a:avLst/>
+              </a:prstGeom>
+              <a:blipFill>
+                <a:blip r:embed="rId10"/>
+                <a:stretch>
+                  <a:fillRect r="-15385"/>
+                </a:stretch>
+              </a:blipFill>
+            </p:spPr>
+            <p:txBody>
+              <a:bodyPr/>
+              <a:lstStyle/>
+              <a:p>
+                <a:r>
+                  <a:rPr lang="en-US">
+                    <a:noFill/>
+                  </a:rPr>
+                  <a:t> </a:t>
+                </a:r>
+              </a:p>
+            </p:txBody>
+          </p:sp>
+        </mc:Fallback>
+      </mc:AlternateContent>
+      <p:cxnSp>
+        <p:nvCxnSpPr>
+          <p:cNvPr id="46" name="Straight Connector 45">
+            <a:extLst>
+              <a:ext uri="{FF2B5EF4-FFF2-40B4-BE49-F238E27FC236}">
+                <a16:creationId xmlns:a16="http://schemas.microsoft.com/office/drawing/2014/main" id="{0DE6A1E8-8816-4D2A-B45A-81EF28ADCC52}"/>
+              </a:ext>
+            </a:extLst>
+          </p:cNvPr>
+          <p:cNvCxnSpPr>
+            <a:cxnSpLocks/>
+          </p:cNvCxnSpPr>
+          <p:nvPr/>
+        </p:nvCxnSpPr>
+        <p:spPr>
+          <a:xfrm>
+            <a:off x="2928905" y="1121752"/>
+            <a:ext cx="4300" cy="2923219"/>
+          </a:xfrm>
+          <a:prstGeom prst="line">
+            <a:avLst/>
+          </a:prstGeom>
+          <a:ln w="19050">
+            <a:solidFill>
+              <a:schemeClr val="tx1"/>
+            </a:solidFill>
+            <a:prstDash val="sysDot"/>
+          </a:ln>
+          <a:effectLst>
+            <a:glow rad="25400">
+              <a:schemeClr val="bg1"/>
+            </a:glow>
+          </a:effectLst>
+        </p:spPr>
+        <p:style>
+          <a:lnRef idx="1">
+            <a:schemeClr val="accent1"/>
+          </a:lnRef>
+          <a:fillRef idx="0">
+            <a:schemeClr val="accent1"/>
+          </a:fillRef>
+          <a:effectRef idx="0">
+            <a:schemeClr val="accent1"/>
+          </a:effectRef>
+          <a:fontRef idx="minor">
+            <a:schemeClr val="tx1"/>
+          </a:fontRef>
+        </p:style>
+      </p:cxnSp>
+      <p:cxnSp>
+        <p:nvCxnSpPr>
+          <p:cNvPr id="48" name="Straight Connector 47">
+            <a:extLst>
+              <a:ext uri="{FF2B5EF4-FFF2-40B4-BE49-F238E27FC236}">
+                <a16:creationId xmlns:a16="http://schemas.microsoft.com/office/drawing/2014/main" id="{6B72A8FE-1586-4B71-8B7F-78F17C6924D2}"/>
+              </a:ext>
+            </a:extLst>
+          </p:cNvPr>
+          <p:cNvCxnSpPr>
+            <a:cxnSpLocks/>
+          </p:cNvCxnSpPr>
+          <p:nvPr/>
+        </p:nvCxnSpPr>
+        <p:spPr>
+          <a:xfrm>
+            <a:off x="4688014" y="1113265"/>
+            <a:ext cx="4300" cy="2923219"/>
+          </a:xfrm>
+          <a:prstGeom prst="line">
+            <a:avLst/>
+          </a:prstGeom>
+          <a:ln w="19050">
+            <a:solidFill>
+              <a:schemeClr val="tx1"/>
+            </a:solidFill>
+            <a:prstDash val="sysDot"/>
+          </a:ln>
+          <a:effectLst>
+            <a:glow rad="25400">
+              <a:schemeClr val="bg1"/>
+            </a:glow>
+          </a:effectLst>
+        </p:spPr>
+        <p:style>
+          <a:lnRef idx="1">
+            <a:schemeClr val="accent1"/>
+          </a:lnRef>
+          <a:fillRef idx="0">
+            <a:schemeClr val="accent1"/>
+          </a:fillRef>
+          <a:effectRef idx="0">
+            <a:schemeClr val="accent1"/>
+          </a:effectRef>
+          <a:fontRef idx="minor">
+            <a:schemeClr val="tx1"/>
+          </a:fontRef>
+        </p:style>
+      </p:cxnSp>
+      <p:cxnSp>
+        <p:nvCxnSpPr>
+          <p:cNvPr id="50" name="Straight Connector 49">
+            <a:extLst>
+              <a:ext uri="{FF2B5EF4-FFF2-40B4-BE49-F238E27FC236}">
+                <a16:creationId xmlns:a16="http://schemas.microsoft.com/office/drawing/2014/main" id="{804FFB95-BC35-4470-A11D-9BACDF15EA94}"/>
+              </a:ext>
+            </a:extLst>
+          </p:cNvPr>
+          <p:cNvCxnSpPr>
+            <a:cxnSpLocks/>
+          </p:cNvCxnSpPr>
+          <p:nvPr/>
+        </p:nvCxnSpPr>
+        <p:spPr>
+          <a:xfrm>
+            <a:off x="5576824" y="1096352"/>
+            <a:ext cx="4300" cy="2923219"/>
+          </a:xfrm>
+          <a:prstGeom prst="line">
+            <a:avLst/>
+          </a:prstGeom>
+          <a:ln w="19050">
+            <a:solidFill>
+              <a:schemeClr val="tx1"/>
+            </a:solidFill>
+            <a:prstDash val="sysDot"/>
+          </a:ln>
+          <a:effectLst>
+            <a:glow rad="25400">
+              <a:schemeClr val="bg1"/>
+            </a:glow>
+          </a:effectLst>
+        </p:spPr>
+        <p:style>
+          <a:lnRef idx="1">
+            <a:schemeClr val="accent1"/>
+          </a:lnRef>
+          <a:fillRef idx="0">
+            <a:schemeClr val="accent1"/>
+          </a:fillRef>
+          <a:effectRef idx="0">
+            <a:schemeClr val="accent1"/>
+          </a:effectRef>
+          <a:fontRef idx="minor">
+            <a:schemeClr val="tx1"/>
+          </a:fontRef>
+        </p:style>
+      </p:cxnSp>
+      <p:cxnSp>
+        <p:nvCxnSpPr>
+          <p:cNvPr id="51" name="Straight Connector 50">
+            <a:extLst>
+              <a:ext uri="{FF2B5EF4-FFF2-40B4-BE49-F238E27FC236}">
+                <a16:creationId xmlns:a16="http://schemas.microsoft.com/office/drawing/2014/main" id="{FF13FD6C-5A0B-4B65-A92D-3132916B13E6}"/>
+              </a:ext>
+            </a:extLst>
+          </p:cNvPr>
+          <p:cNvCxnSpPr>
+            <a:cxnSpLocks/>
+          </p:cNvCxnSpPr>
+          <p:nvPr/>
+        </p:nvCxnSpPr>
+        <p:spPr>
+          <a:xfrm>
+            <a:off x="6451841" y="1092101"/>
+            <a:ext cx="4300" cy="2923219"/>
+          </a:xfrm>
+          <a:prstGeom prst="line">
+            <a:avLst/>
+          </a:prstGeom>
+          <a:ln w="19050">
+            <a:solidFill>
+              <a:schemeClr val="tx1"/>
+            </a:solidFill>
+            <a:prstDash val="sysDot"/>
+          </a:ln>
+          <a:effectLst>
+            <a:glow rad="25400">
+              <a:schemeClr val="bg1"/>
+            </a:glow>
+          </a:effectLst>
+        </p:spPr>
+        <p:style>
+          <a:lnRef idx="1">
+            <a:schemeClr val="accent1"/>
+          </a:lnRef>
+          <a:fillRef idx="0">
+            <a:schemeClr val="accent1"/>
+          </a:fillRef>
+          <a:effectRef idx="0">
+            <a:schemeClr val="accent1"/>
+          </a:effectRef>
+          <a:fontRef idx="minor">
+            <a:schemeClr val="tx1"/>
+          </a:fontRef>
+        </p:style>
+      </p:cxnSp>
+      <p:cxnSp>
+        <p:nvCxnSpPr>
+          <p:cNvPr id="53" name="Straight Connector 52">
+            <a:extLst>
+              <a:ext uri="{FF2B5EF4-FFF2-40B4-BE49-F238E27FC236}">
+                <a16:creationId xmlns:a16="http://schemas.microsoft.com/office/drawing/2014/main" id="{2306B7A3-2C03-44AE-B117-90E59D1CE3DF}"/>
+              </a:ext>
+            </a:extLst>
+          </p:cNvPr>
+          <p:cNvCxnSpPr>
+            <a:cxnSpLocks/>
+          </p:cNvCxnSpPr>
+          <p:nvPr/>
+        </p:nvCxnSpPr>
+        <p:spPr>
+          <a:xfrm>
+            <a:off x="7317190" y="1092101"/>
+            <a:ext cx="4300" cy="2923219"/>
+          </a:xfrm>
+          <a:prstGeom prst="line">
+            <a:avLst/>
+          </a:prstGeom>
+          <a:ln w="19050">
+            <a:solidFill>
+              <a:schemeClr val="tx1"/>
+            </a:solidFill>
+            <a:prstDash val="sysDot"/>
+          </a:ln>
+          <a:effectLst>
+            <a:glow rad="25400">
+              <a:schemeClr val="bg1"/>
+            </a:glow>
+          </a:effectLst>
+        </p:spPr>
+        <p:style>
+          <a:lnRef idx="1">
+            <a:schemeClr val="accent1"/>
+          </a:lnRef>
+          <a:fillRef idx="0">
+            <a:schemeClr val="accent1"/>
+          </a:fillRef>
+          <a:effectRef idx="0">
+            <a:schemeClr val="accent1"/>
+          </a:effectRef>
+          <a:fontRef idx="minor">
+            <a:schemeClr val="tx1"/>
+          </a:fontRef>
+        </p:style>
+      </p:cxnSp>
+      <p:cxnSp>
+        <p:nvCxnSpPr>
+          <p:cNvPr id="60" name="Straight Arrow Connector 59">
+            <a:extLst>
+              <a:ext uri="{FF2B5EF4-FFF2-40B4-BE49-F238E27FC236}">
+                <a16:creationId xmlns:a16="http://schemas.microsoft.com/office/drawing/2014/main" id="{4A9180A5-DC48-4DA0-A327-AF5CFF46D758}"/>
+              </a:ext>
+            </a:extLst>
+          </p:cNvPr>
+          <p:cNvCxnSpPr>
+            <a:cxnSpLocks/>
+          </p:cNvCxnSpPr>
+          <p:nvPr/>
+        </p:nvCxnSpPr>
+        <p:spPr>
+          <a:xfrm>
+            <a:off x="3877392" y="1384192"/>
+            <a:ext cx="763516" cy="0"/>
+          </a:xfrm>
+          <a:prstGeom prst="straightConnector1">
+            <a:avLst/>
+          </a:prstGeom>
+          <a:ln>
+            <a:solidFill>
+              <a:schemeClr val="tx1"/>
+            </a:solidFill>
+            <a:headEnd type="triangle"/>
+            <a:tailEnd type="triangle"/>
+          </a:ln>
+        </p:spPr>
+        <p:style>
+          <a:lnRef idx="1">
+            <a:schemeClr val="accent1"/>
+          </a:lnRef>
+          <a:fillRef idx="0">
+            <a:schemeClr val="accent1"/>
+          </a:fillRef>
+          <a:effectRef idx="0">
+            <a:schemeClr val="accent1"/>
+          </a:effectRef>
+          <a:fontRef idx="minor">
+            <a:schemeClr val="tx1"/>
+          </a:fontRef>
+        </p:style>
+      </p:cxnSp>
+      <p:cxnSp>
+        <p:nvCxnSpPr>
+          <p:cNvPr id="61" name="Straight Arrow Connector 60">
+            <a:extLst>
+              <a:ext uri="{FF2B5EF4-FFF2-40B4-BE49-F238E27FC236}">
+                <a16:creationId xmlns:a16="http://schemas.microsoft.com/office/drawing/2014/main" id="{C340CD5E-A116-4E29-9065-3C0F5EF26253}"/>
+              </a:ext>
+            </a:extLst>
+          </p:cNvPr>
+          <p:cNvCxnSpPr>
+            <a:cxnSpLocks/>
+          </p:cNvCxnSpPr>
+          <p:nvPr/>
+        </p:nvCxnSpPr>
+        <p:spPr>
+          <a:xfrm>
+            <a:off x="4766419" y="1384192"/>
+            <a:ext cx="763516" cy="0"/>
+          </a:xfrm>
+          <a:prstGeom prst="straightConnector1">
+            <a:avLst/>
+          </a:prstGeom>
+          <a:ln>
+            <a:solidFill>
+              <a:schemeClr val="tx1"/>
+            </a:solidFill>
+            <a:headEnd type="triangle"/>
+            <a:tailEnd type="triangle"/>
+          </a:ln>
+        </p:spPr>
+        <p:style>
+          <a:lnRef idx="1">
+            <a:schemeClr val="accent1"/>
+          </a:lnRef>
+          <a:fillRef idx="0">
+            <a:schemeClr val="accent1"/>
+          </a:fillRef>
+          <a:effectRef idx="0">
+            <a:schemeClr val="accent1"/>
+          </a:effectRef>
+          <a:fontRef idx="minor">
+            <a:schemeClr val="tx1"/>
+          </a:fontRef>
+        </p:style>
+      </p:cxnSp>
+      <p:cxnSp>
+        <p:nvCxnSpPr>
+          <p:cNvPr id="62" name="Straight Arrow Connector 61">
+            <a:extLst>
+              <a:ext uri="{FF2B5EF4-FFF2-40B4-BE49-F238E27FC236}">
+                <a16:creationId xmlns:a16="http://schemas.microsoft.com/office/drawing/2014/main" id="{8B9CDC88-6E79-466B-83EE-11BBDCF8B66C}"/>
+              </a:ext>
+            </a:extLst>
+          </p:cNvPr>
+          <p:cNvCxnSpPr>
+            <a:cxnSpLocks/>
+          </p:cNvCxnSpPr>
+          <p:nvPr/>
+        </p:nvCxnSpPr>
+        <p:spPr>
+          <a:xfrm>
+            <a:off x="5631364" y="1384192"/>
+            <a:ext cx="763516" cy="0"/>
+          </a:xfrm>
+          <a:prstGeom prst="straightConnector1">
+            <a:avLst/>
+          </a:prstGeom>
+          <a:ln>
+            <a:solidFill>
+              <a:schemeClr val="tx1"/>
+            </a:solidFill>
+            <a:headEnd type="triangle"/>
+            <a:tailEnd type="triangle"/>
+          </a:ln>
+        </p:spPr>
+        <p:style>
+          <a:lnRef idx="1">
+            <a:schemeClr val="accent1"/>
+          </a:lnRef>
+          <a:fillRef idx="0">
+            <a:schemeClr val="accent1"/>
+          </a:fillRef>
+          <a:effectRef idx="0">
+            <a:schemeClr val="accent1"/>
+          </a:effectRef>
+          <a:fontRef idx="minor">
+            <a:schemeClr val="tx1"/>
+          </a:fontRef>
+        </p:style>
+      </p:cxnSp>
+      <p:cxnSp>
+        <p:nvCxnSpPr>
+          <p:cNvPr id="63" name="Straight Arrow Connector 62">
+            <a:extLst>
+              <a:ext uri="{FF2B5EF4-FFF2-40B4-BE49-F238E27FC236}">
+                <a16:creationId xmlns:a16="http://schemas.microsoft.com/office/drawing/2014/main" id="{63A98887-1950-48FE-8CBD-22D6FA7A7251}"/>
+              </a:ext>
+            </a:extLst>
+          </p:cNvPr>
+          <p:cNvCxnSpPr>
+            <a:cxnSpLocks/>
+          </p:cNvCxnSpPr>
+          <p:nvPr/>
+        </p:nvCxnSpPr>
+        <p:spPr>
+          <a:xfrm>
+            <a:off x="6513768" y="1371384"/>
+            <a:ext cx="763516" cy="0"/>
+          </a:xfrm>
+          <a:prstGeom prst="straightConnector1">
+            <a:avLst/>
+          </a:prstGeom>
+          <a:ln>
+            <a:solidFill>
+              <a:schemeClr val="tx1"/>
+            </a:solidFill>
+            <a:headEnd type="triangle"/>
+            <a:tailEnd type="triangle"/>
+          </a:ln>
+        </p:spPr>
+        <p:style>
+          <a:lnRef idx="1">
+            <a:schemeClr val="accent1"/>
+          </a:lnRef>
+          <a:fillRef idx="0">
+            <a:schemeClr val="accent1"/>
+          </a:fillRef>
+          <a:effectRef idx="0">
+            <a:schemeClr val="accent1"/>
+          </a:effectRef>
+          <a:fontRef idx="minor">
+            <a:schemeClr val="tx1"/>
+          </a:fontRef>
+        </p:style>
+      </p:cxnSp>
+    </p:spTree>
+    <p:extLst>
+      <p:ext uri="{BB962C8B-B14F-4D97-AF65-F5344CB8AC3E}">
+        <p14:creationId xmlns:p14="http://schemas.microsoft.com/office/powerpoint/2010/main" val="1070003983"/>
+      </p:ext>
+    </p:extLst>
+  </p:cSld>
+  <p:clrMapOvr>
+    <a:masterClrMapping/>
+  </p:clrMapOvr>
+</p:sld>
+</file>
+
+<file path=ppt/slides/slide2.xml><?xml version="1.0" encoding="utf-8"?>
+<p:sld xmlns:a="http://schemas.openxmlformats.org/drawingml/2006/main" xmlns:r="http://schemas.openxmlformats.org/officeDocument/2006/relationships" xmlns:p="http://schemas.openxmlformats.org/presentationml/2006/main">
+  <p:cSld>
+    <p:spTree>
+      <p:nvGrpSpPr>
+        <p:cNvPr id="1" name=""/>
+        <p:cNvGrpSpPr/>
+        <p:nvPr/>
+      </p:nvGrpSpPr>
+      <p:grpSpPr>
+        <a:xfrm>
+          <a:off x="0" y="0"/>
+          <a:ext cx="0" cy="0"/>
+          <a:chOff x="0" y="0"/>
+          <a:chExt cx="0" cy="0"/>
+        </a:xfrm>
+      </p:grpSpPr>
+      <p:pic>
+        <p:nvPicPr>
+          <p:cNvPr id="4" name="Picture 3">
+            <a:extLst>
+              <a:ext uri="{FF2B5EF4-FFF2-40B4-BE49-F238E27FC236}">
+                <a16:creationId xmlns:a16="http://schemas.microsoft.com/office/drawing/2014/main" id="{0536A9D2-697E-4C2A-B56B-A89F3109A537}"/>
+              </a:ext>
+            </a:extLst>
+          </p:cNvPr>
+          <p:cNvPicPr>
+            <a:picLocks noChangeAspect="1"/>
+          </p:cNvPicPr>
+          <p:nvPr/>
+        </p:nvPicPr>
+        <p:blipFill rotWithShape="1">
+          <a:blip r:embed="rId2"/>
+          <a:srcRect l="4682" b="8119"/>
+          <a:stretch/>
+        </p:blipFill>
+        <p:spPr>
+          <a:xfrm>
+            <a:off x="2924355" y="2298337"/>
+            <a:ext cx="5447371" cy="3063084"/>
+          </a:xfrm>
+          <a:prstGeom prst="rect">
+            <a:avLst/>
+          </a:prstGeom>
+        </p:spPr>
+      </p:pic>
+      <p:cxnSp>
+        <p:nvCxnSpPr>
+          <p:cNvPr id="6" name="Straight Connector 5">
+            <a:extLst>
+              <a:ext uri="{FF2B5EF4-FFF2-40B4-BE49-F238E27FC236}">
+                <a16:creationId xmlns:a16="http://schemas.microsoft.com/office/drawing/2014/main" id="{023CB732-046B-444A-9C33-74EFC5FBBB5E}"/>
+              </a:ext>
+            </a:extLst>
+          </p:cNvPr>
+          <p:cNvCxnSpPr>
+            <a:cxnSpLocks/>
+          </p:cNvCxnSpPr>
+          <p:nvPr/>
+        </p:nvCxnSpPr>
+        <p:spPr>
+          <a:xfrm>
+            <a:off x="4299521" y="2187554"/>
+            <a:ext cx="4300" cy="2923219"/>
+          </a:xfrm>
+          <a:prstGeom prst="line">
+            <a:avLst/>
+          </a:prstGeom>
+          <a:ln w="19050">
+            <a:solidFill>
+              <a:schemeClr val="tx1"/>
+            </a:solidFill>
+            <a:prstDash val="sysDot"/>
+          </a:ln>
+          <a:effectLst>
+            <a:glow rad="25400">
+              <a:schemeClr val="bg1"/>
+            </a:glow>
+          </a:effectLst>
+        </p:spPr>
+        <p:style>
+          <a:lnRef idx="1">
+            <a:schemeClr val="accent1"/>
+          </a:lnRef>
+          <a:fillRef idx="0">
+            <a:schemeClr val="accent1"/>
+          </a:fillRef>
+          <a:effectRef idx="0">
+            <a:schemeClr val="accent1"/>
+          </a:effectRef>
+          <a:fontRef idx="minor">
+            <a:schemeClr val="tx1"/>
+          </a:fontRef>
+        </p:style>
+      </p:cxnSp>
+      <p:cxnSp>
+        <p:nvCxnSpPr>
+          <p:cNvPr id="7" name="Straight Arrow Connector 6">
+            <a:extLst>
+              <a:ext uri="{FF2B5EF4-FFF2-40B4-BE49-F238E27FC236}">
+                <a16:creationId xmlns:a16="http://schemas.microsoft.com/office/drawing/2014/main" id="{AD88F94A-5847-491A-BFDA-EF0F8BEA2F61}"/>
+              </a:ext>
+            </a:extLst>
+          </p:cNvPr>
+          <p:cNvCxnSpPr>
+            <a:cxnSpLocks/>
+          </p:cNvCxnSpPr>
+          <p:nvPr/>
+        </p:nvCxnSpPr>
+        <p:spPr>
+          <a:xfrm>
+            <a:off x="3485064" y="2460496"/>
+            <a:ext cx="763516" cy="0"/>
+          </a:xfrm>
+          <a:prstGeom prst="straightConnector1">
+            <a:avLst/>
+          </a:prstGeom>
+          <a:ln>
+            <a:solidFill>
+              <a:schemeClr val="tx1"/>
+            </a:solidFill>
+            <a:headEnd type="triangle"/>
+            <a:tailEnd type="triangle"/>
+          </a:ln>
+        </p:spPr>
+        <p:style>
+          <a:lnRef idx="1">
+            <a:schemeClr val="accent1"/>
+          </a:lnRef>
+          <a:fillRef idx="0">
+            <a:schemeClr val="accent1"/>
+          </a:fillRef>
+          <a:effectRef idx="0">
+            <a:schemeClr val="accent1"/>
+          </a:effectRef>
+          <a:fontRef idx="minor">
+            <a:schemeClr val="tx1"/>
+          </a:fontRef>
+        </p:style>
+      </p:cxnSp>
+      <mc:AlternateContent xmlns:mc="http://schemas.openxmlformats.org/markup-compatibility/2006">
+        <mc:Choice xmlns:a14="http://schemas.microsoft.com/office/drawing/2010/main" Requires="a14">
+          <p:sp>
+            <p:nvSpPr>
+              <p:cNvPr id="8" name="TextBox 7">
+                <a:extLst>
+                  <a:ext uri="{FF2B5EF4-FFF2-40B4-BE49-F238E27FC236}">
+                    <a16:creationId xmlns:a16="http://schemas.microsoft.com/office/drawing/2014/main" id="{6AB2F57E-6B8B-4DC8-82D2-2CE7BA30DAC6}"/>
+                  </a:ext>
+                </a:extLst>
+              </p:cNvPr>
+              <p:cNvSpPr txBox="1"/>
+              <p:nvPr/>
+            </p:nvSpPr>
+            <p:spPr>
+              <a:xfrm>
+                <a:off x="3423359" y="2147028"/>
+                <a:ext cx="886287" cy="307777"/>
+              </a:xfrm>
+              <a:prstGeom prst="rect">
+                <a:avLst/>
+              </a:prstGeom>
+              <a:noFill/>
+            </p:spPr>
+            <p:txBody>
+              <a:bodyPr wrap="square" rtlCol="0">
+                <a:spAutoFit/>
+              </a:bodyPr>
+              <a:lstStyle/>
+              <a:p>
+                <a:pPr/>
+                <a14:m>
+                  <m:oMathPara xmlns:m="http://schemas.openxmlformats.org/officeDocument/2006/math">
+                    <m:oMathParaPr>
+                      <m:jc m:val="centerGroup"/>
+                    </m:oMathParaPr>
+                    <m:oMath xmlns:m="http://schemas.openxmlformats.org/officeDocument/2006/math">
+                      <m:sSub>
+                        <m:sSubPr>
+                          <m:ctrlPr>
+                            <a:rPr lang="en-US" sz="1400" b="0" i="1" smtClean="0">
+                              <a:latin typeface="Cambria Math" panose="02040503050406030204" pitchFamily="18" charset="0"/>
+                            </a:rPr>
+                          </m:ctrlPr>
+                        </m:sSubPr>
+                        <m:e>
+                          <m:r>
+                            <a:rPr lang="en-US" sz="1400" b="0" i="1" smtClean="0">
+                              <a:latin typeface="Cambria Math" panose="02040503050406030204" pitchFamily="18" charset="0"/>
+                            </a:rPr>
+                            <m:t>𝑚</m:t>
+                          </m:r>
+                        </m:e>
+                        <m:sub>
+                          <m:r>
+                            <a:rPr lang="en-US" sz="1400" b="0" i="1" smtClean="0">
+                              <a:latin typeface="Cambria Math" panose="02040503050406030204" pitchFamily="18" charset="0"/>
+                            </a:rPr>
+                            <m:t>𝑎</m:t>
+                          </m:r>
+                        </m:sub>
+                      </m:sSub>
+                      <m:r>
+                        <a:rPr lang="en-US" sz="1400" b="0" i="1" smtClean="0">
+                          <a:latin typeface="Cambria Math" panose="02040503050406030204" pitchFamily="18" charset="0"/>
+                        </a:rPr>
+                        <m:t>=0</m:t>
+                      </m:r>
+                    </m:oMath>
+                  </m:oMathPara>
+                </a14:m>
+                <a:endParaRPr lang="en-US" sz="1400" dirty="0"/>
+              </a:p>
+            </p:txBody>
+          </p:sp>
+        </mc:Choice>
+        <mc:Fallback>
+          <p:sp>
+            <p:nvSpPr>
+              <p:cNvPr id="8" name="TextBox 7">
+                <a:extLst>
+                  <a:ext uri="{FF2B5EF4-FFF2-40B4-BE49-F238E27FC236}">
+                    <a16:creationId xmlns:a16="http://schemas.microsoft.com/office/drawing/2014/main" id="{6AB2F57E-6B8B-4DC8-82D2-2CE7BA30DAC6}"/>
+                  </a:ext>
+                </a:extLst>
+              </p:cNvPr>
+              <p:cNvSpPr txBox="1">
+                <a:spLocks noRot="1" noChangeAspect="1" noMove="1" noResize="1" noEditPoints="1" noAdjustHandles="1" noChangeArrowheads="1" noChangeShapeType="1" noTextEdit="1"/>
+              </p:cNvSpPr>
+              <p:nvPr/>
+            </p:nvSpPr>
+            <p:spPr>
+              <a:xfrm>
+                <a:off x="3423359" y="2147028"/>
+                <a:ext cx="886287" cy="307777"/>
+              </a:xfrm>
+              <a:prstGeom prst="rect">
+                <a:avLst/>
+              </a:prstGeom>
+              <a:blipFill>
+                <a:blip r:embed="rId3"/>
+                <a:stretch>
+                  <a:fillRect/>
+                </a:stretch>
+              </a:blipFill>
+            </p:spPr>
+            <p:txBody>
+              <a:bodyPr/>
+              <a:lstStyle/>
+              <a:p>
+                <a:r>
+                  <a:rPr lang="en-US">
+                    <a:noFill/>
+                  </a:rPr>
+                  <a:t> </a:t>
+                </a:r>
+              </a:p>
+            </p:txBody>
+          </p:sp>
+        </mc:Fallback>
+      </mc:AlternateContent>
+      <mc:AlternateContent xmlns:mc="http://schemas.openxmlformats.org/markup-compatibility/2006">
+        <mc:Choice xmlns:a14="http://schemas.microsoft.com/office/drawing/2010/main" Requires="a14">
+          <p:sp>
+            <p:nvSpPr>
+              <p:cNvPr id="9" name="TextBox 8">
+                <a:extLst>
+                  <a:ext uri="{FF2B5EF4-FFF2-40B4-BE49-F238E27FC236}">
+                    <a16:creationId xmlns:a16="http://schemas.microsoft.com/office/drawing/2014/main" id="{9C056F87-BE92-438F-AB20-CA52BDC1092F}"/>
+                  </a:ext>
+                </a:extLst>
+              </p:cNvPr>
+              <p:cNvSpPr txBox="1"/>
+              <p:nvPr/>
+            </p:nvSpPr>
+            <p:spPr>
+              <a:xfrm>
+                <a:off x="4237573" y="2130855"/>
+                <a:ext cx="1033754" cy="307777"/>
+              </a:xfrm>
+              <a:prstGeom prst="rect">
+                <a:avLst/>
+              </a:prstGeom>
+              <a:noFill/>
+            </p:spPr>
+            <p:txBody>
+              <a:bodyPr wrap="square" rtlCol="0">
+                <a:spAutoFit/>
+              </a:bodyPr>
+              <a:lstStyle/>
+              <a:p>
+                <a:pPr/>
+                <a14:m>
+                  <m:oMathPara xmlns:m="http://schemas.openxmlformats.org/officeDocument/2006/math">
+                    <m:oMathParaPr>
+                      <m:jc m:val="centerGroup"/>
+                    </m:oMathParaPr>
+                    <m:oMath xmlns:m="http://schemas.openxmlformats.org/officeDocument/2006/math">
+                      <m:sSub>
+                        <m:sSubPr>
+                          <m:ctrlPr>
+                            <a:rPr lang="en-US" sz="1400" b="0" i="1" smtClean="0">
+                              <a:latin typeface="Cambria Math" panose="02040503050406030204" pitchFamily="18" charset="0"/>
+                            </a:rPr>
+                          </m:ctrlPr>
+                        </m:sSubPr>
+                        <m:e>
+                          <m:r>
+                            <a:rPr lang="en-US" sz="1400" b="0" i="1" smtClean="0">
+                              <a:latin typeface="Cambria Math" panose="02040503050406030204" pitchFamily="18" charset="0"/>
+                            </a:rPr>
+                            <m:t>𝑚</m:t>
+                          </m:r>
+                        </m:e>
+                        <m:sub>
+                          <m:r>
+                            <a:rPr lang="en-US" sz="1400" b="0" i="1" smtClean="0">
+                              <a:latin typeface="Cambria Math" panose="02040503050406030204" pitchFamily="18" charset="0"/>
+                            </a:rPr>
+                            <m:t>𝑎</m:t>
+                          </m:r>
+                        </m:sub>
+                      </m:sSub>
+                      <m:r>
+                        <a:rPr lang="en-US" sz="1400" b="0" i="1" smtClean="0">
+                          <a:latin typeface="Cambria Math" panose="02040503050406030204" pitchFamily="18" charset="0"/>
+                        </a:rPr>
+                        <m:t>=0.25</m:t>
+                      </m:r>
+                    </m:oMath>
+                  </m:oMathPara>
+                </a14:m>
+                <a:endParaRPr lang="en-US" sz="1400" dirty="0"/>
+              </a:p>
+            </p:txBody>
+          </p:sp>
+        </mc:Choice>
+        <mc:Fallback>
+          <p:sp>
+            <p:nvSpPr>
+              <p:cNvPr id="9" name="TextBox 8">
+                <a:extLst>
+                  <a:ext uri="{FF2B5EF4-FFF2-40B4-BE49-F238E27FC236}">
+                    <a16:creationId xmlns:a16="http://schemas.microsoft.com/office/drawing/2014/main" id="{9C056F87-BE92-438F-AB20-CA52BDC1092F}"/>
+                  </a:ext>
+                </a:extLst>
+              </p:cNvPr>
+              <p:cNvSpPr txBox="1">
+                <a:spLocks noRot="1" noChangeAspect="1" noMove="1" noResize="1" noEditPoints="1" noAdjustHandles="1" noChangeArrowheads="1" noChangeShapeType="1" noTextEdit="1"/>
+              </p:cNvSpPr>
+              <p:nvPr/>
+            </p:nvSpPr>
+            <p:spPr>
+              <a:xfrm>
+                <a:off x="4237573" y="2130855"/>
+                <a:ext cx="1033754" cy="307777"/>
+              </a:xfrm>
+              <a:prstGeom prst="rect">
+                <a:avLst/>
+              </a:prstGeom>
+              <a:blipFill>
+                <a:blip r:embed="rId4"/>
+                <a:stretch>
+                  <a:fillRect/>
+                </a:stretch>
+              </a:blipFill>
+            </p:spPr>
+            <p:txBody>
+              <a:bodyPr/>
+              <a:lstStyle/>
+              <a:p>
+                <a:r>
+                  <a:rPr lang="en-US">
+                    <a:noFill/>
+                  </a:rPr>
+                  <a:t> </a:t>
+                </a:r>
+              </a:p>
+            </p:txBody>
+          </p:sp>
+        </mc:Fallback>
+      </mc:AlternateContent>
+      <mc:AlternateContent xmlns:mc="http://schemas.openxmlformats.org/markup-compatibility/2006">
+        <mc:Choice xmlns:a14="http://schemas.microsoft.com/office/drawing/2010/main" Requires="a14">
+          <p:sp>
+            <p:nvSpPr>
+              <p:cNvPr id="10" name="TextBox 9">
+                <a:extLst>
+                  <a:ext uri="{FF2B5EF4-FFF2-40B4-BE49-F238E27FC236}">
+                    <a16:creationId xmlns:a16="http://schemas.microsoft.com/office/drawing/2014/main" id="{3D2C39F5-07FC-4952-867D-DD8F755D0827}"/>
+                  </a:ext>
+                </a:extLst>
+              </p:cNvPr>
+              <p:cNvSpPr txBox="1"/>
+              <p:nvPr/>
+            </p:nvSpPr>
+            <p:spPr>
+              <a:xfrm>
+                <a:off x="5128575" y="2124849"/>
+                <a:ext cx="993545" cy="307777"/>
+              </a:xfrm>
+              <a:prstGeom prst="rect">
+                <a:avLst/>
+              </a:prstGeom>
+              <a:noFill/>
+            </p:spPr>
+            <p:txBody>
+              <a:bodyPr wrap="square" rtlCol="0">
+                <a:spAutoFit/>
+              </a:bodyPr>
+              <a:lstStyle/>
+              <a:p>
+                <a:pPr/>
+                <a14:m>
+                  <m:oMathPara xmlns:m="http://schemas.openxmlformats.org/officeDocument/2006/math">
+                    <m:oMathParaPr>
+                      <m:jc m:val="centerGroup"/>
+                    </m:oMathParaPr>
+                    <m:oMath xmlns:m="http://schemas.openxmlformats.org/officeDocument/2006/math">
+                      <m:sSub>
+                        <m:sSubPr>
+                          <m:ctrlPr>
+                            <a:rPr lang="en-US" sz="1400" b="0" i="1" smtClean="0">
+                              <a:latin typeface="Cambria Math" panose="02040503050406030204" pitchFamily="18" charset="0"/>
+                            </a:rPr>
+                          </m:ctrlPr>
+                        </m:sSubPr>
+                        <m:e>
+                          <m:r>
+                            <a:rPr lang="en-US" sz="1400" b="0" i="1" smtClean="0">
+                              <a:latin typeface="Cambria Math" panose="02040503050406030204" pitchFamily="18" charset="0"/>
+                            </a:rPr>
+                            <m:t>𝑚</m:t>
+                          </m:r>
+                        </m:e>
+                        <m:sub>
+                          <m:r>
+                            <a:rPr lang="en-US" sz="1400" b="0" i="1" smtClean="0">
+                              <a:latin typeface="Cambria Math" panose="02040503050406030204" pitchFamily="18" charset="0"/>
+                            </a:rPr>
+                            <m:t>𝑎</m:t>
+                          </m:r>
+                        </m:sub>
+                      </m:sSub>
+                      <m:r>
+                        <a:rPr lang="en-US" sz="1400" b="0" i="1" smtClean="0">
+                          <a:latin typeface="Cambria Math" panose="02040503050406030204" pitchFamily="18" charset="0"/>
+                        </a:rPr>
+                        <m:t>=0.50</m:t>
+                      </m:r>
+                    </m:oMath>
+                  </m:oMathPara>
+                </a14:m>
+                <a:endParaRPr lang="en-US" sz="1400" dirty="0"/>
+              </a:p>
+            </p:txBody>
+          </p:sp>
+        </mc:Choice>
+        <mc:Fallback>
+          <p:sp>
+            <p:nvSpPr>
+              <p:cNvPr id="10" name="TextBox 9">
+                <a:extLst>
+                  <a:ext uri="{FF2B5EF4-FFF2-40B4-BE49-F238E27FC236}">
+                    <a16:creationId xmlns:a16="http://schemas.microsoft.com/office/drawing/2014/main" id="{3D2C39F5-07FC-4952-867D-DD8F755D0827}"/>
+                  </a:ext>
+                </a:extLst>
+              </p:cNvPr>
+              <p:cNvSpPr txBox="1">
+                <a:spLocks noRot="1" noChangeAspect="1" noMove="1" noResize="1" noEditPoints="1" noAdjustHandles="1" noChangeArrowheads="1" noChangeShapeType="1" noTextEdit="1"/>
+              </p:cNvSpPr>
+              <p:nvPr/>
+            </p:nvSpPr>
+            <p:spPr>
+              <a:xfrm>
+                <a:off x="5128575" y="2124849"/>
+                <a:ext cx="993545" cy="307777"/>
+              </a:xfrm>
+              <a:prstGeom prst="rect">
+                <a:avLst/>
+              </a:prstGeom>
+              <a:blipFill>
+                <a:blip r:embed="rId5"/>
+                <a:stretch>
+                  <a:fillRect/>
+                </a:stretch>
+              </a:blipFill>
+            </p:spPr>
+            <p:txBody>
+              <a:bodyPr/>
+              <a:lstStyle/>
+              <a:p>
+                <a:r>
+                  <a:rPr lang="en-US">
+                    <a:noFill/>
+                  </a:rPr>
+                  <a:t> </a:t>
+                </a:r>
+              </a:p>
+            </p:txBody>
+          </p:sp>
+        </mc:Fallback>
+      </mc:AlternateContent>
+      <mc:AlternateContent xmlns:mc="http://schemas.openxmlformats.org/markup-compatibility/2006">
+        <mc:Choice xmlns:a14="http://schemas.microsoft.com/office/drawing/2010/main" Requires="a14">
+          <p:sp>
+            <p:nvSpPr>
+              <p:cNvPr id="11" name="TextBox 10">
+                <a:extLst>
+                  <a:ext uri="{FF2B5EF4-FFF2-40B4-BE49-F238E27FC236}">
+                    <a16:creationId xmlns:a16="http://schemas.microsoft.com/office/drawing/2014/main" id="{FDF41082-09D3-4DF0-A6CF-85710BD74C4B}"/>
+                  </a:ext>
+                </a:extLst>
+              </p:cNvPr>
+              <p:cNvSpPr txBox="1"/>
+              <p:nvPr/>
+            </p:nvSpPr>
+            <p:spPr>
+              <a:xfrm>
+                <a:off x="6009652" y="2112942"/>
+                <a:ext cx="1033753" cy="307777"/>
+              </a:xfrm>
+              <a:prstGeom prst="rect">
+                <a:avLst/>
+              </a:prstGeom>
+              <a:noFill/>
+            </p:spPr>
+            <p:txBody>
+              <a:bodyPr wrap="square" rtlCol="0">
+                <a:spAutoFit/>
+              </a:bodyPr>
+              <a:lstStyle/>
+              <a:p>
+                <a:pPr/>
+                <a14:m>
+                  <m:oMathPara xmlns:m="http://schemas.openxmlformats.org/officeDocument/2006/math">
+                    <m:oMathParaPr>
+                      <m:jc m:val="centerGroup"/>
+                    </m:oMathParaPr>
+                    <m:oMath xmlns:m="http://schemas.openxmlformats.org/officeDocument/2006/math">
+                      <m:sSub>
+                        <m:sSubPr>
+                          <m:ctrlPr>
+                            <a:rPr lang="en-US" sz="1400" b="0" i="1" smtClean="0">
+                              <a:latin typeface="Cambria Math" panose="02040503050406030204" pitchFamily="18" charset="0"/>
+                            </a:rPr>
+                          </m:ctrlPr>
+                        </m:sSubPr>
+                        <m:e>
+                          <m:r>
+                            <a:rPr lang="en-US" sz="1400" b="0" i="1" smtClean="0">
+                              <a:latin typeface="Cambria Math" panose="02040503050406030204" pitchFamily="18" charset="0"/>
+                            </a:rPr>
+                            <m:t>𝑚</m:t>
+                          </m:r>
+                        </m:e>
+                        <m:sub>
+                          <m:r>
+                            <a:rPr lang="en-US" sz="1400" b="0" i="1" smtClean="0">
+                              <a:latin typeface="Cambria Math" panose="02040503050406030204" pitchFamily="18" charset="0"/>
+                            </a:rPr>
+                            <m:t>𝑎</m:t>
+                          </m:r>
+                        </m:sub>
+                      </m:sSub>
+                      <m:r>
+                        <a:rPr lang="en-US" sz="1400" b="0" i="1" smtClean="0">
+                          <a:latin typeface="Cambria Math" panose="02040503050406030204" pitchFamily="18" charset="0"/>
+                        </a:rPr>
+                        <m:t>=0.75</m:t>
+                      </m:r>
+                    </m:oMath>
+                  </m:oMathPara>
+                </a14:m>
+                <a:endParaRPr lang="en-US" sz="1400" dirty="0"/>
+              </a:p>
+            </p:txBody>
+          </p:sp>
+        </mc:Choice>
+        <mc:Fallback>
+          <p:sp>
+            <p:nvSpPr>
+              <p:cNvPr id="11" name="TextBox 10">
+                <a:extLst>
+                  <a:ext uri="{FF2B5EF4-FFF2-40B4-BE49-F238E27FC236}">
+                    <a16:creationId xmlns:a16="http://schemas.microsoft.com/office/drawing/2014/main" id="{FDF41082-09D3-4DF0-A6CF-85710BD74C4B}"/>
+                  </a:ext>
+                </a:extLst>
+              </p:cNvPr>
+              <p:cNvSpPr txBox="1">
+                <a:spLocks noRot="1" noChangeAspect="1" noMove="1" noResize="1" noEditPoints="1" noAdjustHandles="1" noChangeArrowheads="1" noChangeShapeType="1" noTextEdit="1"/>
+              </p:cNvSpPr>
+              <p:nvPr/>
+            </p:nvSpPr>
+            <p:spPr>
+              <a:xfrm>
+                <a:off x="6009652" y="2112942"/>
+                <a:ext cx="1033753" cy="307777"/>
+              </a:xfrm>
+              <a:prstGeom prst="rect">
+                <a:avLst/>
+              </a:prstGeom>
+              <a:blipFill>
+                <a:blip r:embed="rId6"/>
+                <a:stretch>
+                  <a:fillRect/>
+                </a:stretch>
+              </a:blipFill>
+            </p:spPr>
+            <p:txBody>
+              <a:bodyPr/>
+              <a:lstStyle/>
+              <a:p>
+                <a:r>
+                  <a:rPr lang="en-US">
+                    <a:noFill/>
+                  </a:rPr>
+                  <a:t> </a:t>
+                </a:r>
+              </a:p>
+            </p:txBody>
+          </p:sp>
+        </mc:Fallback>
+      </mc:AlternateContent>
+      <mc:AlternateContent xmlns:mc="http://schemas.openxmlformats.org/markup-compatibility/2006">
+        <mc:Choice xmlns:a14="http://schemas.microsoft.com/office/drawing/2010/main" Requires="a14">
+          <p:sp>
+            <p:nvSpPr>
+              <p:cNvPr id="12" name="TextBox 11">
+                <a:extLst>
+                  <a:ext uri="{FF2B5EF4-FFF2-40B4-BE49-F238E27FC236}">
+                    <a16:creationId xmlns:a16="http://schemas.microsoft.com/office/drawing/2014/main" id="{EED60AF1-0C2B-4C77-9BD0-A0ABDC098B31}"/>
+                  </a:ext>
+                </a:extLst>
+              </p:cNvPr>
+              <p:cNvSpPr txBox="1"/>
+              <p:nvPr/>
+            </p:nvSpPr>
+            <p:spPr>
+              <a:xfrm>
+                <a:off x="6972267" y="2101035"/>
+                <a:ext cx="841900" cy="307777"/>
+              </a:xfrm>
+              <a:prstGeom prst="rect">
+                <a:avLst/>
+              </a:prstGeom>
+              <a:noFill/>
+            </p:spPr>
+            <p:txBody>
+              <a:bodyPr wrap="square" rtlCol="0">
+                <a:spAutoFit/>
+              </a:bodyPr>
+              <a:lstStyle/>
+              <a:p>
+                <a:pPr/>
+                <a14:m>
+                  <m:oMathPara xmlns:m="http://schemas.openxmlformats.org/officeDocument/2006/math">
+                    <m:oMathParaPr>
+                      <m:jc m:val="centerGroup"/>
+                    </m:oMathParaPr>
+                    <m:oMath xmlns:m="http://schemas.openxmlformats.org/officeDocument/2006/math">
+                      <m:sSub>
+                        <m:sSubPr>
+                          <m:ctrlPr>
+                            <a:rPr lang="en-US" sz="1400" b="0" i="1" smtClean="0">
+                              <a:latin typeface="Cambria Math" panose="02040503050406030204" pitchFamily="18" charset="0"/>
+                            </a:rPr>
+                          </m:ctrlPr>
+                        </m:sSubPr>
+                        <m:e>
+                          <m:r>
+                            <a:rPr lang="en-US" sz="1400" b="0" i="1" smtClean="0">
+                              <a:latin typeface="Cambria Math" panose="02040503050406030204" pitchFamily="18" charset="0"/>
+                            </a:rPr>
+                            <m:t>𝑚</m:t>
+                          </m:r>
+                        </m:e>
+                        <m:sub>
+                          <m:r>
+                            <a:rPr lang="en-US" sz="1400" b="0" i="1" smtClean="0">
+                              <a:latin typeface="Cambria Math" panose="02040503050406030204" pitchFamily="18" charset="0"/>
+                            </a:rPr>
+                            <m:t>𝑎</m:t>
+                          </m:r>
+                        </m:sub>
+                      </m:sSub>
+                      <m:r>
+                        <a:rPr lang="en-US" sz="1400" b="0" i="1" smtClean="0">
+                          <a:latin typeface="Cambria Math" panose="02040503050406030204" pitchFamily="18" charset="0"/>
+                        </a:rPr>
+                        <m:t>=1  </m:t>
+                      </m:r>
+                    </m:oMath>
+                  </m:oMathPara>
+                </a14:m>
+                <a:endParaRPr lang="en-US" sz="1400" dirty="0"/>
+              </a:p>
+            </p:txBody>
+          </p:sp>
+        </mc:Choice>
+        <mc:Fallback>
+          <p:sp>
+            <p:nvSpPr>
+              <p:cNvPr id="12" name="TextBox 11">
+                <a:extLst>
+                  <a:ext uri="{FF2B5EF4-FFF2-40B4-BE49-F238E27FC236}">
+                    <a16:creationId xmlns:a16="http://schemas.microsoft.com/office/drawing/2014/main" id="{EED60AF1-0C2B-4C77-9BD0-A0ABDC098B31}"/>
+                  </a:ext>
+                </a:extLst>
+              </p:cNvPr>
+              <p:cNvSpPr txBox="1">
+                <a:spLocks noRot="1" noChangeAspect="1" noMove="1" noResize="1" noEditPoints="1" noAdjustHandles="1" noChangeArrowheads="1" noChangeShapeType="1" noTextEdit="1"/>
+              </p:cNvSpPr>
+              <p:nvPr/>
+            </p:nvSpPr>
+            <p:spPr>
+              <a:xfrm>
+                <a:off x="6972267" y="2101035"/>
+                <a:ext cx="841900" cy="307777"/>
+              </a:xfrm>
+              <a:prstGeom prst="rect">
+                <a:avLst/>
+              </a:prstGeom>
+              <a:blipFill>
+                <a:blip r:embed="rId7"/>
+                <a:stretch>
+                  <a:fillRect/>
+                </a:stretch>
+              </a:blipFill>
+            </p:spPr>
+            <p:txBody>
+              <a:bodyPr/>
+              <a:lstStyle/>
+              <a:p>
+                <a:r>
+                  <a:rPr lang="en-US">
+                    <a:noFill/>
+                  </a:rPr>
+                  <a:t> </a:t>
+                </a:r>
+              </a:p>
+            </p:txBody>
+          </p:sp>
+        </mc:Fallback>
+      </mc:AlternateContent>
+      <mc:AlternateContent xmlns:mc="http://schemas.openxmlformats.org/markup-compatibility/2006">
+        <mc:Choice xmlns:a14="http://schemas.microsoft.com/office/drawing/2010/main" Requires="a14">
+          <p:sp>
+            <p:nvSpPr>
+              <p:cNvPr id="23" name="TextBox 22">
+                <a:extLst>
+                  <a:ext uri="{FF2B5EF4-FFF2-40B4-BE49-F238E27FC236}">
+                    <a16:creationId xmlns:a16="http://schemas.microsoft.com/office/drawing/2014/main" id="{6E64398C-20F9-4BEC-BCAE-FB766E83BBF9}"/>
+                  </a:ext>
+                </a:extLst>
+              </p:cNvPr>
+              <p:cNvSpPr txBox="1"/>
+              <p:nvPr/>
+            </p:nvSpPr>
+            <p:spPr>
+              <a:xfrm>
+                <a:off x="3562605" y="2605710"/>
+                <a:ext cx="442857" cy="323165"/>
+              </a:xfrm>
+              <a:prstGeom prst="rect">
+                <a:avLst/>
+              </a:prstGeom>
+              <a:solidFill>
+                <a:schemeClr val="bg1"/>
+              </a:solidFill>
+            </p:spPr>
+            <p:txBody>
+              <a:bodyPr wrap="square" rtlCol="0">
+                <a:spAutoFit/>
+              </a:bodyPr>
+              <a:lstStyle/>
+              <a:p>
+                <a:pPr algn="ctr"/>
+                <a14:m>
+                  <m:oMathPara xmlns:m="http://schemas.openxmlformats.org/officeDocument/2006/math">
+                    <m:oMathParaPr>
+                      <m:jc m:val="centerGroup"/>
+                    </m:oMathParaPr>
+                    <m:oMath xmlns:m="http://schemas.openxmlformats.org/officeDocument/2006/math">
+                      <m:sSub>
+                        <m:sSubPr>
+                          <m:ctrlPr>
+                            <a:rPr lang="en-US" sz="1500" b="0" i="1" dirty="0" smtClean="0">
+                              <a:solidFill>
+                                <a:srgbClr val="002060"/>
+                              </a:solidFill>
+                              <a:latin typeface="Cambria Math" panose="02040503050406030204" pitchFamily="18" charset="0"/>
+                            </a:rPr>
+                          </m:ctrlPr>
+                        </m:sSubPr>
+                        <m:e>
+                          <m:r>
+                            <a:rPr lang="en-US" sz="1500" b="0" i="1" dirty="0" smtClean="0">
+                              <a:solidFill>
+                                <a:srgbClr val="002060"/>
+                              </a:solidFill>
+                              <a:latin typeface="Cambria Math" panose="02040503050406030204" pitchFamily="18" charset="0"/>
+                            </a:rPr>
+                            <m:t>𝑈</m:t>
+                          </m:r>
+                        </m:e>
+                        <m:sub>
+                          <m:r>
+                            <a:rPr lang="en-US" sz="1500" b="0" i="1" dirty="0" smtClean="0">
+                              <a:solidFill>
+                                <a:srgbClr val="002060"/>
+                              </a:solidFill>
+                              <a:latin typeface="Cambria Math" panose="02040503050406030204" pitchFamily="18" charset="0"/>
+                            </a:rPr>
+                            <m:t>𝑖</m:t>
+                          </m:r>
+                        </m:sub>
+                      </m:sSub>
+                    </m:oMath>
+                  </m:oMathPara>
+                </a14:m>
+                <a:endParaRPr lang="en-US" sz="1500" b="0" dirty="0"/>
+              </a:p>
+            </p:txBody>
+          </p:sp>
+        </mc:Choice>
+        <mc:Fallback>
+          <p:sp>
+            <p:nvSpPr>
+              <p:cNvPr id="23" name="TextBox 22">
+                <a:extLst>
+                  <a:ext uri="{FF2B5EF4-FFF2-40B4-BE49-F238E27FC236}">
+                    <a16:creationId xmlns:a16="http://schemas.microsoft.com/office/drawing/2014/main" id="{6E64398C-20F9-4BEC-BCAE-FB766E83BBF9}"/>
+                  </a:ext>
+                </a:extLst>
+              </p:cNvPr>
+              <p:cNvSpPr txBox="1">
+                <a:spLocks noRot="1" noChangeAspect="1" noMove="1" noResize="1" noEditPoints="1" noAdjustHandles="1" noChangeArrowheads="1" noChangeShapeType="1" noTextEdit="1"/>
+              </p:cNvSpPr>
+              <p:nvPr/>
+            </p:nvSpPr>
+            <p:spPr>
+              <a:xfrm>
+                <a:off x="3562605" y="2605710"/>
+                <a:ext cx="442857" cy="323165"/>
+              </a:xfrm>
+              <a:prstGeom prst="rect">
+                <a:avLst/>
+              </a:prstGeom>
+              <a:blipFill>
+                <a:blip r:embed="rId8"/>
+                <a:stretch>
+                  <a:fillRect/>
+                </a:stretch>
+              </a:blipFill>
+            </p:spPr>
+            <p:txBody>
+              <a:bodyPr/>
+              <a:lstStyle/>
+              <a:p>
+                <a:r>
+                  <a:rPr lang="en-US">
+                    <a:noFill/>
+                  </a:rPr>
+                  <a:t> </a:t>
+                </a:r>
+              </a:p>
+            </p:txBody>
+          </p:sp>
+        </mc:Fallback>
+      </mc:AlternateContent>
+      <mc:AlternateContent xmlns:mc="http://schemas.openxmlformats.org/markup-compatibility/2006">
+        <mc:Choice xmlns:a14="http://schemas.microsoft.com/office/drawing/2010/main" Requires="a14">
+          <p:sp>
+            <p:nvSpPr>
+              <p:cNvPr id="24" name="TextBox 23">
+                <a:extLst>
+                  <a:ext uri="{FF2B5EF4-FFF2-40B4-BE49-F238E27FC236}">
+                    <a16:creationId xmlns:a16="http://schemas.microsoft.com/office/drawing/2014/main" id="{B01BFACE-5F46-454E-A926-AB3DD2B0F031}"/>
+                  </a:ext>
+                </a:extLst>
+              </p:cNvPr>
+              <p:cNvSpPr txBox="1"/>
+              <p:nvPr/>
+            </p:nvSpPr>
+            <p:spPr>
+              <a:xfrm>
+                <a:off x="3640729" y="3912306"/>
+                <a:ext cx="442857" cy="384144"/>
+              </a:xfrm>
+              <a:prstGeom prst="rect">
+                <a:avLst/>
+              </a:prstGeom>
+              <a:solidFill>
+                <a:schemeClr val="bg1"/>
+              </a:solidFill>
+            </p:spPr>
+            <p:txBody>
+              <a:bodyPr wrap="square" rtlCol="0">
+                <a:spAutoFit/>
+              </a:bodyPr>
+              <a:lstStyle/>
+              <a:p>
+                <a:pPr algn="ctr"/>
+                <a14:m>
+                  <m:oMathPara xmlns:m="http://schemas.openxmlformats.org/officeDocument/2006/math">
+                    <m:oMathParaPr>
+                      <m:jc m:val="centerGroup"/>
+                    </m:oMathParaPr>
+                    <m:oMath xmlns:m="http://schemas.openxmlformats.org/officeDocument/2006/math">
+                      <m:sSubSup>
+                        <m:sSubSupPr>
+                          <m:ctrlPr>
+                            <a:rPr lang="en-US" sz="1500" i="1" dirty="0" smtClean="0">
+                              <a:solidFill>
+                                <a:srgbClr val="49A7A7"/>
+                              </a:solidFill>
+                              <a:latin typeface="Cambria Math" panose="02040503050406030204" pitchFamily="18" charset="0"/>
+                            </a:rPr>
+                          </m:ctrlPr>
+                        </m:sSubSupPr>
+                        <m:e>
+                          <m:r>
+                            <a:rPr lang="en-US" sz="1500" b="0" i="1" dirty="0" smtClean="0">
+                              <a:solidFill>
+                                <a:srgbClr val="49A7A7"/>
+                              </a:solidFill>
+                              <a:latin typeface="Cambria Math" panose="02040503050406030204" pitchFamily="18" charset="0"/>
+                            </a:rPr>
+                            <m:t>𝑈</m:t>
+                          </m:r>
+                        </m:e>
+                        <m:sub>
+                          <m:r>
+                            <a:rPr lang="en-US" sz="1500" b="0" i="1" dirty="0" smtClean="0">
+                              <a:solidFill>
+                                <a:srgbClr val="49A7A7"/>
+                              </a:solidFill>
+                              <a:latin typeface="Cambria Math" panose="02040503050406030204" pitchFamily="18" charset="0"/>
+                            </a:rPr>
+                            <m:t>𝑖</m:t>
+                          </m:r>
+                        </m:sub>
+                        <m:sup>
+                          <m:r>
+                            <a:rPr lang="en-US" sz="1500" b="0" i="1" dirty="0" smtClean="0">
+                              <a:solidFill>
+                                <a:srgbClr val="49A7A7"/>
+                              </a:solidFill>
+                              <a:latin typeface="Cambria Math" panose="02040503050406030204" pitchFamily="18" charset="0"/>
+                            </a:rPr>
+                            <m:t>𝑓</m:t>
+                          </m:r>
+                        </m:sup>
+                      </m:sSubSup>
+                    </m:oMath>
+                  </m:oMathPara>
+                </a14:m>
+                <a:endParaRPr lang="en-US" sz="1500" dirty="0"/>
+              </a:p>
+            </p:txBody>
+          </p:sp>
+        </mc:Choice>
+        <mc:Fallback>
+          <p:sp>
+            <p:nvSpPr>
+              <p:cNvPr id="24" name="TextBox 23">
+                <a:extLst>
+                  <a:ext uri="{FF2B5EF4-FFF2-40B4-BE49-F238E27FC236}">
+                    <a16:creationId xmlns:a16="http://schemas.microsoft.com/office/drawing/2014/main" id="{B01BFACE-5F46-454E-A926-AB3DD2B0F031}"/>
+                  </a:ext>
+                </a:extLst>
+              </p:cNvPr>
+              <p:cNvSpPr txBox="1">
+                <a:spLocks noRot="1" noChangeAspect="1" noMove="1" noResize="1" noEditPoints="1" noAdjustHandles="1" noChangeArrowheads="1" noChangeShapeType="1" noTextEdit="1"/>
+              </p:cNvSpPr>
+              <p:nvPr/>
+            </p:nvSpPr>
+            <p:spPr>
+              <a:xfrm>
+                <a:off x="3640729" y="3912306"/>
+                <a:ext cx="442857" cy="384144"/>
+              </a:xfrm>
+              <a:prstGeom prst="rect">
+                <a:avLst/>
+              </a:prstGeom>
+              <a:blipFill>
+                <a:blip r:embed="rId9"/>
+                <a:stretch>
+                  <a:fillRect/>
+                </a:stretch>
+              </a:blipFill>
+            </p:spPr>
+            <p:txBody>
+              <a:bodyPr/>
+              <a:lstStyle/>
+              <a:p>
+                <a:r>
+                  <a:rPr lang="en-US">
+                    <a:noFill/>
+                  </a:rPr>
+                  <a:t> </a:t>
+                </a:r>
+              </a:p>
+            </p:txBody>
+          </p:sp>
+        </mc:Fallback>
+      </mc:AlternateContent>
+      <p:cxnSp>
+        <p:nvCxnSpPr>
+          <p:cNvPr id="25" name="Straight Arrow Connector 24">
+            <a:extLst>
+              <a:ext uri="{FF2B5EF4-FFF2-40B4-BE49-F238E27FC236}">
+                <a16:creationId xmlns:a16="http://schemas.microsoft.com/office/drawing/2014/main" id="{C8A09393-26B4-4C63-8347-342960A958A3}"/>
+              </a:ext>
+            </a:extLst>
+          </p:cNvPr>
+          <p:cNvCxnSpPr>
+            <a:cxnSpLocks/>
+          </p:cNvCxnSpPr>
+          <p:nvPr/>
+        </p:nvCxnSpPr>
+        <p:spPr>
+          <a:xfrm flipV="1">
+            <a:off x="4089411" y="4096841"/>
+            <a:ext cx="442857" cy="162"/>
+          </a:xfrm>
+          <a:prstGeom prst="straightConnector1">
+            <a:avLst/>
+          </a:prstGeom>
+          <a:ln w="25400">
+            <a:solidFill>
+              <a:srgbClr val="49A7A7"/>
+            </a:solidFill>
+            <a:headEnd type="none"/>
+            <a:tailEnd type="triangle"/>
+          </a:ln>
+          <a:effectLst>
+            <a:glow rad="25400">
+              <a:schemeClr val="bg1"/>
+            </a:glow>
+          </a:effectLst>
+        </p:spPr>
+        <p:style>
+          <a:lnRef idx="1">
+            <a:schemeClr val="accent1"/>
+          </a:lnRef>
+          <a:fillRef idx="0">
+            <a:schemeClr val="accent1"/>
+          </a:fillRef>
+          <a:effectRef idx="0">
+            <a:schemeClr val="accent1"/>
+          </a:effectRef>
+          <a:fontRef idx="minor">
+            <a:schemeClr val="tx1"/>
+          </a:fontRef>
+        </p:style>
+      </p:cxnSp>
+      <p:cxnSp>
+        <p:nvCxnSpPr>
+          <p:cNvPr id="26" name="Straight Arrow Connector 25">
+            <a:extLst>
+              <a:ext uri="{FF2B5EF4-FFF2-40B4-BE49-F238E27FC236}">
+                <a16:creationId xmlns:a16="http://schemas.microsoft.com/office/drawing/2014/main" id="{172D7EBF-4845-40D9-B125-DBF24104A98C}"/>
+              </a:ext>
+            </a:extLst>
+          </p:cNvPr>
+          <p:cNvCxnSpPr>
+            <a:cxnSpLocks/>
+          </p:cNvCxnSpPr>
+          <p:nvPr/>
+        </p:nvCxnSpPr>
+        <p:spPr>
+          <a:xfrm>
+            <a:off x="4020128" y="2767131"/>
+            <a:ext cx="442857" cy="0"/>
+          </a:xfrm>
+          <a:prstGeom prst="straightConnector1">
+            <a:avLst/>
+          </a:prstGeom>
+          <a:ln w="25400">
+            <a:solidFill>
+              <a:srgbClr val="002060"/>
+            </a:solidFill>
+            <a:headEnd type="none"/>
+            <a:tailEnd type="triangle"/>
+          </a:ln>
+          <a:effectLst>
+            <a:glow rad="25400">
+              <a:schemeClr val="bg1"/>
+            </a:glow>
+          </a:effectLst>
+        </p:spPr>
+        <p:style>
+          <a:lnRef idx="1">
+            <a:schemeClr val="accent1"/>
+          </a:lnRef>
+          <a:fillRef idx="0">
+            <a:schemeClr val="accent1"/>
+          </a:fillRef>
+          <a:effectRef idx="0">
+            <a:schemeClr val="accent1"/>
+          </a:effectRef>
+          <a:fontRef idx="minor">
+            <a:schemeClr val="tx1"/>
+          </a:fontRef>
+        </p:style>
+      </p:cxnSp>
+      <p:sp>
+        <p:nvSpPr>
+          <p:cNvPr id="27" name="TextBox 26">
+            <a:extLst>
+              <a:ext uri="{FF2B5EF4-FFF2-40B4-BE49-F238E27FC236}">
+                <a16:creationId xmlns:a16="http://schemas.microsoft.com/office/drawing/2014/main" id="{92E72CB8-8E77-414B-83D5-EA07CCE1F926}"/>
+              </a:ext>
+            </a:extLst>
+          </p:cNvPr>
+          <p:cNvSpPr txBox="1"/>
+          <p:nvPr/>
+        </p:nvSpPr>
+        <p:spPr>
+          <a:xfrm>
+            <a:off x="4651681" y="5315428"/>
+            <a:ext cx="2316287" cy="338554"/>
+          </a:xfrm>
+          <a:prstGeom prst="rect">
+            <a:avLst/>
+          </a:prstGeom>
+          <a:noFill/>
+        </p:spPr>
+        <p:txBody>
+          <a:bodyPr wrap="square" rtlCol="0">
+            <a:spAutoFit/>
+          </a:bodyPr>
+          <a:lstStyle/>
+          <a:p>
+            <a:r>
+              <a:rPr lang="en-US" sz="1600" dirty="0">
+                <a:latin typeface="Times New Roman" panose="02020603050405020304" pitchFamily="18" charset="0"/>
+                <a:cs typeface="Times New Roman" panose="02020603050405020304" pitchFamily="18" charset="0"/>
+              </a:rPr>
+              <a:t>Fundamental phase (rad)</a:t>
+            </a:r>
+          </a:p>
+        </p:txBody>
+      </p:sp>
+      <mc:AlternateContent xmlns:mc="http://schemas.openxmlformats.org/markup-compatibility/2006">
+        <mc:Choice xmlns:a14="http://schemas.microsoft.com/office/drawing/2010/main" Requires="a14">
+          <p:sp>
+            <p:nvSpPr>
+              <p:cNvPr id="28" name="TextBox 27">
+                <a:extLst>
+                  <a:ext uri="{FF2B5EF4-FFF2-40B4-BE49-F238E27FC236}">
+                    <a16:creationId xmlns:a16="http://schemas.microsoft.com/office/drawing/2014/main" id="{56C0EC92-CD62-45CA-B8A3-FCE7C8BCF58A}"/>
+                  </a:ext>
+                </a:extLst>
+              </p:cNvPr>
+              <p:cNvSpPr txBox="1"/>
+              <p:nvPr/>
+            </p:nvSpPr>
+            <p:spPr>
+              <a:xfrm rot="16200000">
+                <a:off x="1907561" y="3578271"/>
+                <a:ext cx="1637198" cy="396391"/>
+              </a:xfrm>
+              <a:prstGeom prst="rect">
+                <a:avLst/>
+              </a:prstGeom>
+              <a:noFill/>
+            </p:spPr>
+            <p:txBody>
+              <a:bodyPr wrap="square" rtlCol="0">
+                <a:spAutoFit/>
+              </a:bodyPr>
+              <a:lstStyle/>
+              <a:p>
+                <a14:m>
+                  <m:oMath xmlns:m="http://schemas.openxmlformats.org/officeDocument/2006/math">
+                    <m:sSub>
+                      <m:sSubPr>
+                        <m:ctrlPr>
+                          <a:rPr lang="en-US" sz="1600" b="0" i="1" smtClean="0">
+                            <a:latin typeface="Cambria Math" panose="02040503050406030204" pitchFamily="18" charset="0"/>
+                            <a:cs typeface="Times New Roman" panose="02020603050405020304" pitchFamily="18" charset="0"/>
+                          </a:rPr>
+                        </m:ctrlPr>
+                      </m:sSubPr>
+                      <m:e>
+                        <m:r>
+                          <a:rPr lang="en-US" sz="1600" b="0" i="1" smtClean="0">
+                            <a:latin typeface="Cambria Math" panose="02040503050406030204" pitchFamily="18" charset="0"/>
+                            <a:cs typeface="Times New Roman" panose="02020603050405020304" pitchFamily="18" charset="0"/>
+                          </a:rPr>
+                          <m:t>𝑈</m:t>
+                        </m:r>
+                      </m:e>
+                      <m:sub>
+                        <m:r>
+                          <a:rPr lang="en-US" sz="1600" b="0" i="1" smtClean="0">
+                            <a:latin typeface="Cambria Math" panose="02040503050406030204" pitchFamily="18" charset="0"/>
+                            <a:cs typeface="Times New Roman" panose="02020603050405020304" pitchFamily="18" charset="0"/>
+                          </a:rPr>
+                          <m:t>𝑖</m:t>
+                        </m:r>
+                      </m:sub>
+                    </m:sSub>
+                    <m:r>
+                      <a:rPr lang="en-US" sz="1600" b="0" i="1" smtClean="0">
+                        <a:latin typeface="Cambria Math" panose="02040503050406030204" pitchFamily="18" charset="0"/>
+                        <a:cs typeface="Times New Roman" panose="02020603050405020304" pitchFamily="18" charset="0"/>
+                      </a:rPr>
+                      <m:t> / </m:t>
+                    </m:r>
+                    <m:sSubSup>
+                      <m:sSubSupPr>
+                        <m:ctrlPr>
+                          <a:rPr lang="en-US" sz="1600" b="0" i="1" smtClean="0">
+                            <a:latin typeface="Cambria Math" panose="02040503050406030204" pitchFamily="18" charset="0"/>
+                            <a:cs typeface="Times New Roman" panose="02020603050405020304" pitchFamily="18" charset="0"/>
+                          </a:rPr>
+                        </m:ctrlPr>
+                      </m:sSubSupPr>
+                      <m:e>
+                        <m:r>
+                          <a:rPr lang="en-US" sz="1600" b="0" i="1" smtClean="0">
+                            <a:latin typeface="Cambria Math" panose="02040503050406030204" pitchFamily="18" charset="0"/>
+                            <a:cs typeface="Times New Roman" panose="02020603050405020304" pitchFamily="18" charset="0"/>
+                          </a:rPr>
+                          <m:t>𝑈</m:t>
+                        </m:r>
+                      </m:e>
+                      <m:sub>
+                        <m:r>
+                          <a:rPr lang="en-US" sz="1600" b="0" i="1" smtClean="0">
+                            <a:latin typeface="Cambria Math" panose="02040503050406030204" pitchFamily="18" charset="0"/>
+                            <a:cs typeface="Times New Roman" panose="02020603050405020304" pitchFamily="18" charset="0"/>
+                          </a:rPr>
+                          <m:t>𝑖</m:t>
+                        </m:r>
+                      </m:sub>
+                      <m:sup>
+                        <m:r>
+                          <a:rPr lang="en-US" sz="1600" b="0" i="1" smtClean="0">
+                            <a:latin typeface="Cambria Math" panose="02040503050406030204" pitchFamily="18" charset="0"/>
+                            <a:cs typeface="Times New Roman" panose="02020603050405020304" pitchFamily="18" charset="0"/>
+                          </a:rPr>
+                          <m:t>𝑓</m:t>
+                        </m:r>
+                      </m:sup>
+                    </m:sSubSup>
+                    <m:r>
+                      <a:rPr lang="en-US" sz="1600" b="0" i="1" smtClean="0">
+                        <a:latin typeface="Cambria Math" panose="02040503050406030204" pitchFamily="18" charset="0"/>
+                        <a:cs typeface="Times New Roman" panose="02020603050405020304" pitchFamily="18" charset="0"/>
+                      </a:rPr>
+                      <m:t> </m:t>
+                    </m:r>
+                  </m:oMath>
+                </a14:m>
+                <a:r>
+                  <a:rPr lang="en-US" sz="1600" dirty="0">
+                    <a:latin typeface="Times New Roman" panose="02020603050405020304" pitchFamily="18" charset="0"/>
+                    <a:cs typeface="Times New Roman" panose="02020603050405020304" pitchFamily="18" charset="0"/>
+                  </a:rPr>
+                  <a:t>(</a:t>
+                </a:r>
+                <a:r>
+                  <a:rPr lang="en-US" sz="1600" dirty="0" err="1">
+                    <a:latin typeface="Times New Roman" panose="02020603050405020304" pitchFamily="18" charset="0"/>
+                    <a:cs typeface="Times New Roman" panose="02020603050405020304" pitchFamily="18" charset="0"/>
+                  </a:rPr>
+                  <a:t>p.u</a:t>
+                </a:r>
+                <a:r>
+                  <a:rPr lang="en-US" sz="1600" dirty="0">
+                    <a:latin typeface="Times New Roman" panose="02020603050405020304" pitchFamily="18" charset="0"/>
+                    <a:cs typeface="Times New Roman" panose="02020603050405020304" pitchFamily="18" charset="0"/>
+                  </a:rPr>
+                  <a:t>)</a:t>
+                </a:r>
+              </a:p>
+            </p:txBody>
+          </p:sp>
+        </mc:Choice>
+        <mc:Fallback>
+          <p:sp>
+            <p:nvSpPr>
+              <p:cNvPr id="28" name="TextBox 27">
+                <a:extLst>
+                  <a:ext uri="{FF2B5EF4-FFF2-40B4-BE49-F238E27FC236}">
+                    <a16:creationId xmlns:a16="http://schemas.microsoft.com/office/drawing/2014/main" id="{56C0EC92-CD62-45CA-B8A3-FCE7C8BCF58A}"/>
+                  </a:ext>
+                </a:extLst>
+              </p:cNvPr>
+              <p:cNvSpPr txBox="1">
+                <a:spLocks noRot="1" noChangeAspect="1" noMove="1" noResize="1" noEditPoints="1" noAdjustHandles="1" noChangeArrowheads="1" noChangeShapeType="1" noTextEdit="1"/>
+              </p:cNvSpPr>
+              <p:nvPr/>
+            </p:nvSpPr>
+            <p:spPr>
+              <a:xfrm rot="16200000">
+                <a:off x="1907561" y="3578271"/>
+                <a:ext cx="1637198" cy="396391"/>
+              </a:xfrm>
+              <a:prstGeom prst="rect">
+                <a:avLst/>
+              </a:prstGeom>
+              <a:blipFill>
+                <a:blip r:embed="rId10"/>
+                <a:stretch>
+                  <a:fillRect r="-15385"/>
+                </a:stretch>
+              </a:blipFill>
+            </p:spPr>
+            <p:txBody>
+              <a:bodyPr/>
+              <a:lstStyle/>
+              <a:p>
+                <a:r>
+                  <a:rPr lang="en-US">
+                    <a:noFill/>
+                  </a:rPr>
+                  <a:t> </a:t>
+                </a:r>
+              </a:p>
+            </p:txBody>
+          </p:sp>
+        </mc:Fallback>
+      </mc:AlternateContent>
+      <p:cxnSp>
+        <p:nvCxnSpPr>
+          <p:cNvPr id="29" name="Straight Connector 28">
+            <a:extLst>
+              <a:ext uri="{FF2B5EF4-FFF2-40B4-BE49-F238E27FC236}">
+                <a16:creationId xmlns:a16="http://schemas.microsoft.com/office/drawing/2014/main" id="{6C5EAC4B-3C2F-4FCA-B72A-CFC44DBBE7C1}"/>
+              </a:ext>
+            </a:extLst>
+          </p:cNvPr>
+          <p:cNvCxnSpPr>
+            <a:cxnSpLocks/>
+          </p:cNvCxnSpPr>
+          <p:nvPr/>
+        </p:nvCxnSpPr>
+        <p:spPr>
+          <a:xfrm>
+            <a:off x="3424205" y="2198056"/>
+            <a:ext cx="4300" cy="2923219"/>
+          </a:xfrm>
+          <a:prstGeom prst="line">
+            <a:avLst/>
+          </a:prstGeom>
+          <a:ln w="19050">
+            <a:solidFill>
+              <a:schemeClr val="tx1"/>
+            </a:solidFill>
+            <a:prstDash val="sysDot"/>
+          </a:ln>
+          <a:effectLst>
+            <a:glow rad="25400">
+              <a:schemeClr val="bg1"/>
+            </a:glow>
+          </a:effectLst>
+        </p:spPr>
+        <p:style>
+          <a:lnRef idx="1">
+            <a:schemeClr val="accent1"/>
+          </a:lnRef>
+          <a:fillRef idx="0">
+            <a:schemeClr val="accent1"/>
+          </a:fillRef>
+          <a:effectRef idx="0">
+            <a:schemeClr val="accent1"/>
+          </a:effectRef>
+          <a:fontRef idx="minor">
+            <a:schemeClr val="tx1"/>
+          </a:fontRef>
+        </p:style>
+      </p:cxnSp>
+      <p:cxnSp>
+        <p:nvCxnSpPr>
+          <p:cNvPr id="30" name="Straight Connector 29">
+            <a:extLst>
+              <a:ext uri="{FF2B5EF4-FFF2-40B4-BE49-F238E27FC236}">
+                <a16:creationId xmlns:a16="http://schemas.microsoft.com/office/drawing/2014/main" id="{C18A396D-ACE3-48B7-985A-056979877705}"/>
+              </a:ext>
+            </a:extLst>
+          </p:cNvPr>
+          <p:cNvCxnSpPr>
+            <a:cxnSpLocks/>
+          </p:cNvCxnSpPr>
+          <p:nvPr/>
+        </p:nvCxnSpPr>
+        <p:spPr>
+          <a:xfrm>
+            <a:off x="5183314" y="2189569"/>
+            <a:ext cx="4300" cy="2923219"/>
+          </a:xfrm>
+          <a:prstGeom prst="line">
+            <a:avLst/>
+          </a:prstGeom>
+          <a:ln w="19050">
+            <a:solidFill>
+              <a:schemeClr val="tx1"/>
+            </a:solidFill>
+            <a:prstDash val="sysDot"/>
+          </a:ln>
+          <a:effectLst>
+            <a:glow rad="25400">
+              <a:schemeClr val="bg1"/>
+            </a:glow>
+          </a:effectLst>
+        </p:spPr>
+        <p:style>
+          <a:lnRef idx="1">
+            <a:schemeClr val="accent1"/>
+          </a:lnRef>
+          <a:fillRef idx="0">
+            <a:schemeClr val="accent1"/>
+          </a:fillRef>
+          <a:effectRef idx="0">
+            <a:schemeClr val="accent1"/>
+          </a:effectRef>
+          <a:fontRef idx="minor">
+            <a:schemeClr val="tx1"/>
+          </a:fontRef>
+        </p:style>
+      </p:cxnSp>
+      <p:cxnSp>
+        <p:nvCxnSpPr>
+          <p:cNvPr id="31" name="Straight Connector 30">
+            <a:extLst>
+              <a:ext uri="{FF2B5EF4-FFF2-40B4-BE49-F238E27FC236}">
+                <a16:creationId xmlns:a16="http://schemas.microsoft.com/office/drawing/2014/main" id="{E743FA60-0AFA-4FED-9BCD-2709E6A49F6A}"/>
+              </a:ext>
+            </a:extLst>
+          </p:cNvPr>
+          <p:cNvCxnSpPr>
+            <a:cxnSpLocks/>
+          </p:cNvCxnSpPr>
+          <p:nvPr/>
+        </p:nvCxnSpPr>
+        <p:spPr>
+          <a:xfrm>
+            <a:off x="6072124" y="2172656"/>
+            <a:ext cx="4300" cy="2923219"/>
+          </a:xfrm>
+          <a:prstGeom prst="line">
+            <a:avLst/>
+          </a:prstGeom>
+          <a:ln w="19050">
+            <a:solidFill>
+              <a:schemeClr val="tx1"/>
+            </a:solidFill>
+            <a:prstDash val="sysDot"/>
+          </a:ln>
+          <a:effectLst>
+            <a:glow rad="25400">
+              <a:schemeClr val="bg1"/>
+            </a:glow>
+          </a:effectLst>
+        </p:spPr>
+        <p:style>
+          <a:lnRef idx="1">
+            <a:schemeClr val="accent1"/>
+          </a:lnRef>
+          <a:fillRef idx="0">
+            <a:schemeClr val="accent1"/>
+          </a:fillRef>
+          <a:effectRef idx="0">
+            <a:schemeClr val="accent1"/>
+          </a:effectRef>
+          <a:fontRef idx="minor">
+            <a:schemeClr val="tx1"/>
+          </a:fontRef>
+        </p:style>
+      </p:cxnSp>
+      <p:cxnSp>
+        <p:nvCxnSpPr>
+          <p:cNvPr id="32" name="Straight Connector 31">
+            <a:extLst>
+              <a:ext uri="{FF2B5EF4-FFF2-40B4-BE49-F238E27FC236}">
+                <a16:creationId xmlns:a16="http://schemas.microsoft.com/office/drawing/2014/main" id="{1D1F6B04-1A82-4618-B4B9-C17774D54113}"/>
+              </a:ext>
+            </a:extLst>
+          </p:cNvPr>
+          <p:cNvCxnSpPr>
+            <a:cxnSpLocks/>
+          </p:cNvCxnSpPr>
+          <p:nvPr/>
+        </p:nvCxnSpPr>
+        <p:spPr>
+          <a:xfrm>
+            <a:off x="6947141" y="2168405"/>
+            <a:ext cx="4300" cy="2923219"/>
+          </a:xfrm>
+          <a:prstGeom prst="line">
+            <a:avLst/>
+          </a:prstGeom>
+          <a:ln w="19050">
+            <a:solidFill>
+              <a:schemeClr val="tx1"/>
+            </a:solidFill>
+            <a:prstDash val="sysDot"/>
+          </a:ln>
+          <a:effectLst>
+            <a:glow rad="25400">
+              <a:schemeClr val="bg1"/>
+            </a:glow>
+          </a:effectLst>
+        </p:spPr>
+        <p:style>
+          <a:lnRef idx="1">
+            <a:schemeClr val="accent1"/>
+          </a:lnRef>
+          <a:fillRef idx="0">
+            <a:schemeClr val="accent1"/>
+          </a:fillRef>
+          <a:effectRef idx="0">
+            <a:schemeClr val="accent1"/>
+          </a:effectRef>
+          <a:fontRef idx="minor">
+            <a:schemeClr val="tx1"/>
+          </a:fontRef>
+        </p:style>
+      </p:cxnSp>
+      <p:cxnSp>
+        <p:nvCxnSpPr>
+          <p:cNvPr id="33" name="Straight Connector 32">
+            <a:extLst>
+              <a:ext uri="{FF2B5EF4-FFF2-40B4-BE49-F238E27FC236}">
+                <a16:creationId xmlns:a16="http://schemas.microsoft.com/office/drawing/2014/main" id="{D3E8E693-9D17-4F3B-9ACC-CAD549B53EB5}"/>
+              </a:ext>
+            </a:extLst>
+          </p:cNvPr>
+          <p:cNvCxnSpPr>
+            <a:cxnSpLocks/>
+          </p:cNvCxnSpPr>
+          <p:nvPr/>
+        </p:nvCxnSpPr>
+        <p:spPr>
+          <a:xfrm>
+            <a:off x="7812490" y="2168405"/>
+            <a:ext cx="4300" cy="2923219"/>
+          </a:xfrm>
+          <a:prstGeom prst="line">
+            <a:avLst/>
+          </a:prstGeom>
+          <a:ln w="19050">
+            <a:solidFill>
+              <a:schemeClr val="tx1"/>
+            </a:solidFill>
+            <a:prstDash val="sysDot"/>
+          </a:ln>
+          <a:effectLst>
+            <a:glow rad="25400">
+              <a:schemeClr val="bg1"/>
+            </a:glow>
+          </a:effectLst>
+        </p:spPr>
+        <p:style>
+          <a:lnRef idx="1">
+            <a:schemeClr val="accent1"/>
+          </a:lnRef>
+          <a:fillRef idx="0">
+            <a:schemeClr val="accent1"/>
+          </a:fillRef>
+          <a:effectRef idx="0">
+            <a:schemeClr val="accent1"/>
+          </a:effectRef>
+          <a:fontRef idx="minor">
+            <a:schemeClr val="tx1"/>
+          </a:fontRef>
+        </p:style>
+      </p:cxnSp>
+      <p:cxnSp>
+        <p:nvCxnSpPr>
+          <p:cNvPr id="34" name="Straight Arrow Connector 33">
+            <a:extLst>
+              <a:ext uri="{FF2B5EF4-FFF2-40B4-BE49-F238E27FC236}">
+                <a16:creationId xmlns:a16="http://schemas.microsoft.com/office/drawing/2014/main" id="{A9C7640B-232D-47EC-B9FB-BAA134F14FE6}"/>
+              </a:ext>
+            </a:extLst>
+          </p:cNvPr>
+          <p:cNvCxnSpPr>
+            <a:cxnSpLocks/>
+          </p:cNvCxnSpPr>
+          <p:nvPr/>
+        </p:nvCxnSpPr>
+        <p:spPr>
+          <a:xfrm>
+            <a:off x="4372692" y="2460496"/>
+            <a:ext cx="763516" cy="0"/>
+          </a:xfrm>
+          <a:prstGeom prst="straightConnector1">
+            <a:avLst/>
+          </a:prstGeom>
+          <a:ln>
+            <a:solidFill>
+              <a:schemeClr val="tx1"/>
+            </a:solidFill>
+            <a:headEnd type="triangle"/>
+            <a:tailEnd type="triangle"/>
+          </a:ln>
+        </p:spPr>
+        <p:style>
+          <a:lnRef idx="1">
+            <a:schemeClr val="accent1"/>
+          </a:lnRef>
+          <a:fillRef idx="0">
+            <a:schemeClr val="accent1"/>
+          </a:fillRef>
+          <a:effectRef idx="0">
+            <a:schemeClr val="accent1"/>
+          </a:effectRef>
+          <a:fontRef idx="minor">
+            <a:schemeClr val="tx1"/>
+          </a:fontRef>
+        </p:style>
+      </p:cxnSp>
+      <p:cxnSp>
+        <p:nvCxnSpPr>
+          <p:cNvPr id="35" name="Straight Arrow Connector 34">
+            <a:extLst>
+              <a:ext uri="{FF2B5EF4-FFF2-40B4-BE49-F238E27FC236}">
+                <a16:creationId xmlns:a16="http://schemas.microsoft.com/office/drawing/2014/main" id="{563E3513-1E80-45AA-9AB0-680502654E7E}"/>
+              </a:ext>
+            </a:extLst>
+          </p:cNvPr>
+          <p:cNvCxnSpPr>
+            <a:cxnSpLocks/>
+          </p:cNvCxnSpPr>
+          <p:nvPr/>
+        </p:nvCxnSpPr>
+        <p:spPr>
+          <a:xfrm>
+            <a:off x="5261719" y="2460496"/>
+            <a:ext cx="763516" cy="0"/>
+          </a:xfrm>
+          <a:prstGeom prst="straightConnector1">
+            <a:avLst/>
+          </a:prstGeom>
+          <a:ln>
+            <a:solidFill>
+              <a:schemeClr val="tx1"/>
+            </a:solidFill>
+            <a:headEnd type="triangle"/>
+            <a:tailEnd type="triangle"/>
+          </a:ln>
+        </p:spPr>
+        <p:style>
+          <a:lnRef idx="1">
+            <a:schemeClr val="accent1"/>
+          </a:lnRef>
+          <a:fillRef idx="0">
+            <a:schemeClr val="accent1"/>
+          </a:fillRef>
+          <a:effectRef idx="0">
+            <a:schemeClr val="accent1"/>
+          </a:effectRef>
+          <a:fontRef idx="minor">
+            <a:schemeClr val="tx1"/>
+          </a:fontRef>
+        </p:style>
+      </p:cxnSp>
+      <p:cxnSp>
+        <p:nvCxnSpPr>
+          <p:cNvPr id="36" name="Straight Arrow Connector 35">
+            <a:extLst>
+              <a:ext uri="{FF2B5EF4-FFF2-40B4-BE49-F238E27FC236}">
+                <a16:creationId xmlns:a16="http://schemas.microsoft.com/office/drawing/2014/main" id="{E6897CB8-B973-4FA5-88BF-7A16A0617E8E}"/>
+              </a:ext>
+            </a:extLst>
+          </p:cNvPr>
+          <p:cNvCxnSpPr>
+            <a:cxnSpLocks/>
+          </p:cNvCxnSpPr>
+          <p:nvPr/>
+        </p:nvCxnSpPr>
+        <p:spPr>
+          <a:xfrm>
+            <a:off x="6126664" y="2460496"/>
+            <a:ext cx="763516" cy="0"/>
+          </a:xfrm>
+          <a:prstGeom prst="straightConnector1">
+            <a:avLst/>
+          </a:prstGeom>
+          <a:ln>
+            <a:solidFill>
+              <a:schemeClr val="tx1"/>
+            </a:solidFill>
+            <a:headEnd type="triangle"/>
+            <a:tailEnd type="triangle"/>
+          </a:ln>
+        </p:spPr>
+        <p:style>
+          <a:lnRef idx="1">
+            <a:schemeClr val="accent1"/>
+          </a:lnRef>
+          <a:fillRef idx="0">
+            <a:schemeClr val="accent1"/>
+          </a:fillRef>
+          <a:effectRef idx="0">
+            <a:schemeClr val="accent1"/>
+          </a:effectRef>
+          <a:fontRef idx="minor">
+            <a:schemeClr val="tx1"/>
+          </a:fontRef>
+        </p:style>
+      </p:cxnSp>
+      <p:cxnSp>
+        <p:nvCxnSpPr>
+          <p:cNvPr id="37" name="Straight Arrow Connector 36">
+            <a:extLst>
+              <a:ext uri="{FF2B5EF4-FFF2-40B4-BE49-F238E27FC236}">
+                <a16:creationId xmlns:a16="http://schemas.microsoft.com/office/drawing/2014/main" id="{CD1BF931-A6FF-4B6E-9661-AFA0465B5244}"/>
+              </a:ext>
+            </a:extLst>
+          </p:cNvPr>
+          <p:cNvCxnSpPr>
+            <a:cxnSpLocks/>
+          </p:cNvCxnSpPr>
+          <p:nvPr/>
+        </p:nvCxnSpPr>
+        <p:spPr>
+          <a:xfrm>
+            <a:off x="7009068" y="2447688"/>
+            <a:ext cx="763516" cy="0"/>
+          </a:xfrm>
+          <a:prstGeom prst="straightConnector1">
+            <a:avLst/>
+          </a:prstGeom>
+          <a:ln>
+            <a:solidFill>
+              <a:schemeClr val="tx1"/>
+            </a:solidFill>
+            <a:headEnd type="triangle"/>
+            <a:tailEnd type="triangle"/>
+          </a:ln>
+        </p:spPr>
+        <p:style>
+          <a:lnRef idx="1">
+            <a:schemeClr val="accent1"/>
+          </a:lnRef>
+          <a:fillRef idx="0">
+            <a:schemeClr val="accent1"/>
+          </a:fillRef>
+          <a:effectRef idx="0">
+            <a:schemeClr val="accent1"/>
+          </a:effectRef>
+          <a:fontRef idx="minor">
+            <a:schemeClr val="tx1"/>
+          </a:fontRef>
+        </p:style>
+      </p:cxnSp>
+      <mc:AlternateContent xmlns:mc="http://schemas.openxmlformats.org/markup-compatibility/2006">
+        <mc:Choice xmlns:a14="http://schemas.microsoft.com/office/drawing/2010/main" Requires="a14">
+          <p:sp>
+            <p:nvSpPr>
+              <p:cNvPr id="53" name="TextBox 52">
+                <a:extLst>
+                  <a:ext uri="{FF2B5EF4-FFF2-40B4-BE49-F238E27FC236}">
+                    <a16:creationId xmlns:a16="http://schemas.microsoft.com/office/drawing/2014/main" id="{B88DB97E-B193-421D-85E6-11DEE60EE955}"/>
+                  </a:ext>
+                </a:extLst>
+              </p:cNvPr>
+              <p:cNvSpPr txBox="1"/>
+              <p:nvPr/>
+            </p:nvSpPr>
+            <p:spPr>
+              <a:xfrm>
+                <a:off x="3397272" y="1918287"/>
+                <a:ext cx="1023381" cy="307777"/>
+              </a:xfrm>
+              <a:prstGeom prst="rect">
+                <a:avLst/>
+              </a:prstGeom>
+              <a:solidFill>
+                <a:schemeClr val="bg1">
+                  <a:alpha val="0"/>
+                </a:schemeClr>
+              </a:solidFill>
+            </p:spPr>
+            <p:txBody>
+              <a:bodyPr wrap="square" rtlCol="0">
+                <a:spAutoFit/>
+              </a:bodyPr>
+              <a:lstStyle/>
+              <a:p>
+                <a:pPr/>
+                <a14:m>
+                  <m:oMathPara xmlns:m="http://schemas.openxmlformats.org/officeDocument/2006/math">
+                    <m:oMathParaPr>
+                      <m:jc m:val="centerGroup"/>
+                    </m:oMathParaPr>
+                    <m:oMath xmlns:m="http://schemas.openxmlformats.org/officeDocument/2006/math">
+                      <m:sSub>
+                        <m:sSubPr>
+                          <m:ctrlPr>
+                            <a:rPr lang="en-US" sz="1400" b="0" i="1" smtClean="0">
+                              <a:latin typeface="Cambria Math" panose="02040503050406030204" pitchFamily="18" charset="0"/>
+                            </a:rPr>
+                          </m:ctrlPr>
+                        </m:sSubPr>
+                        <m:e>
+                          <m:r>
+                            <a:rPr lang="en-US" sz="1400" b="0" i="1" smtClean="0">
+                              <a:latin typeface="Cambria Math" panose="02040503050406030204" pitchFamily="18" charset="0"/>
+                            </a:rPr>
+                            <m:t>𝜙</m:t>
+                          </m:r>
+                        </m:e>
+                        <m:sub>
+                          <m:r>
+                            <a:rPr lang="en-US" sz="1400" b="0" i="1" smtClean="0">
+                              <a:latin typeface="Cambria Math" panose="02040503050406030204" pitchFamily="18" charset="0"/>
+                            </a:rPr>
+                            <m:t>𝐵</m:t>
+                          </m:r>
+                        </m:sub>
+                      </m:sSub>
+                      <m:r>
+                        <a:rPr lang="en-US" sz="1400" b="0" i="1" smtClean="0">
+                          <a:latin typeface="Cambria Math" panose="02040503050406030204" pitchFamily="18" charset="0"/>
+                        </a:rPr>
+                        <m:t>=</m:t>
+                      </m:r>
+                      <m:sSup>
+                        <m:sSupPr>
+                          <m:ctrlPr>
+                            <a:rPr lang="en-US" sz="1400" b="0" i="1" smtClean="0">
+                              <a:latin typeface="Cambria Math" panose="02040503050406030204" pitchFamily="18" charset="0"/>
+                            </a:rPr>
+                          </m:ctrlPr>
+                        </m:sSupPr>
+                        <m:e>
+                          <m:r>
+                            <a:rPr lang="en-US" sz="1400" b="0" i="1" smtClean="0">
+                              <a:latin typeface="Cambria Math" panose="02040503050406030204" pitchFamily="18" charset="0"/>
+                            </a:rPr>
+                            <m:t>41</m:t>
+                          </m:r>
+                        </m:e>
+                        <m:sup>
+                          <m:r>
+                            <a:rPr lang="en-US" sz="1400" b="0" i="1" smtClean="0">
+                              <a:latin typeface="Cambria Math" panose="02040503050406030204" pitchFamily="18" charset="0"/>
+                            </a:rPr>
+                            <m:t>𝑜</m:t>
+                          </m:r>
+                        </m:sup>
+                      </m:sSup>
+                    </m:oMath>
+                  </m:oMathPara>
+                </a14:m>
+                <a:endParaRPr lang="en-US" sz="2000" dirty="0"/>
+              </a:p>
+            </p:txBody>
+          </p:sp>
+        </mc:Choice>
+        <mc:Fallback>
+          <p:sp>
+            <p:nvSpPr>
+              <p:cNvPr id="53" name="TextBox 52">
+                <a:extLst>
+                  <a:ext uri="{FF2B5EF4-FFF2-40B4-BE49-F238E27FC236}">
+                    <a16:creationId xmlns:a16="http://schemas.microsoft.com/office/drawing/2014/main" id="{B88DB97E-B193-421D-85E6-11DEE60EE955}"/>
+                  </a:ext>
+                </a:extLst>
+              </p:cNvPr>
+              <p:cNvSpPr txBox="1">
+                <a:spLocks noRot="1" noChangeAspect="1" noMove="1" noResize="1" noEditPoints="1" noAdjustHandles="1" noChangeArrowheads="1" noChangeShapeType="1" noTextEdit="1"/>
+              </p:cNvSpPr>
+              <p:nvPr/>
+            </p:nvSpPr>
+            <p:spPr>
+              <a:xfrm>
+                <a:off x="3397272" y="1918287"/>
+                <a:ext cx="1023381" cy="307777"/>
+              </a:xfrm>
+              <a:prstGeom prst="rect">
+                <a:avLst/>
+              </a:prstGeom>
+              <a:blipFill>
+                <a:blip r:embed="rId11"/>
+                <a:stretch>
+                  <a:fillRect b="-8000"/>
+                </a:stretch>
+              </a:blipFill>
+            </p:spPr>
+            <p:txBody>
+              <a:bodyPr/>
+              <a:lstStyle/>
+              <a:p>
+                <a:r>
+                  <a:rPr lang="en-US">
+                    <a:noFill/>
+                  </a:rPr>
+                  <a:t> </a:t>
+                </a:r>
+              </a:p>
+            </p:txBody>
+          </p:sp>
+        </mc:Fallback>
+      </mc:AlternateContent>
+      <mc:AlternateContent xmlns:mc="http://schemas.openxmlformats.org/markup-compatibility/2006">
+        <mc:Choice xmlns:a14="http://schemas.microsoft.com/office/drawing/2010/main" Requires="a14">
+          <p:sp>
+            <p:nvSpPr>
+              <p:cNvPr id="54" name="TextBox 53">
+                <a:extLst>
+                  <a:ext uri="{FF2B5EF4-FFF2-40B4-BE49-F238E27FC236}">
+                    <a16:creationId xmlns:a16="http://schemas.microsoft.com/office/drawing/2014/main" id="{882E6E1D-A23E-410A-8E86-FB4BF961E408}"/>
+                  </a:ext>
+                </a:extLst>
+              </p:cNvPr>
+              <p:cNvSpPr txBox="1"/>
+              <p:nvPr/>
+            </p:nvSpPr>
+            <p:spPr>
+              <a:xfrm>
+                <a:off x="4293954" y="1915684"/>
+                <a:ext cx="945854" cy="307777"/>
+              </a:xfrm>
+              <a:prstGeom prst="rect">
+                <a:avLst/>
+              </a:prstGeom>
+              <a:solidFill>
+                <a:schemeClr val="bg1">
+                  <a:alpha val="0"/>
+                </a:schemeClr>
+              </a:solidFill>
+            </p:spPr>
+            <p:txBody>
+              <a:bodyPr wrap="square" rtlCol="0">
+                <a:spAutoFit/>
+              </a:bodyPr>
+              <a:lstStyle/>
+              <a:p>
+                <a:pPr/>
+                <a14:m>
+                  <m:oMathPara xmlns:m="http://schemas.openxmlformats.org/officeDocument/2006/math">
+                    <m:oMathParaPr>
+                      <m:jc m:val="centerGroup"/>
+                    </m:oMathParaPr>
+                    <m:oMath xmlns:m="http://schemas.openxmlformats.org/officeDocument/2006/math">
+                      <m:sSub>
+                        <m:sSubPr>
+                          <m:ctrlPr>
+                            <a:rPr lang="en-US" sz="1400" b="0" i="1" smtClean="0">
+                              <a:latin typeface="Cambria Math" panose="02040503050406030204" pitchFamily="18" charset="0"/>
+                            </a:rPr>
+                          </m:ctrlPr>
+                        </m:sSubPr>
+                        <m:e>
+                          <m:r>
+                            <a:rPr lang="en-US" sz="1400" b="0" i="1" smtClean="0">
+                              <a:latin typeface="Cambria Math" panose="02040503050406030204" pitchFamily="18" charset="0"/>
+                            </a:rPr>
+                            <m:t>𝜙</m:t>
+                          </m:r>
+                        </m:e>
+                        <m:sub>
+                          <m:r>
+                            <a:rPr lang="en-US" sz="1400" b="0" i="1" smtClean="0">
+                              <a:latin typeface="Cambria Math" panose="02040503050406030204" pitchFamily="18" charset="0"/>
+                            </a:rPr>
+                            <m:t>𝐵</m:t>
+                          </m:r>
+                        </m:sub>
+                      </m:sSub>
+                      <m:r>
+                        <a:rPr lang="en-US" sz="1400" b="0" i="1" smtClean="0">
+                          <a:latin typeface="Cambria Math" panose="02040503050406030204" pitchFamily="18" charset="0"/>
+                        </a:rPr>
+                        <m:t>=</m:t>
+                      </m:r>
+                      <m:sSup>
+                        <m:sSupPr>
+                          <m:ctrlPr>
+                            <a:rPr lang="en-US" sz="1400" b="0" i="1" smtClean="0">
+                              <a:latin typeface="Cambria Math" panose="02040503050406030204" pitchFamily="18" charset="0"/>
+                            </a:rPr>
+                          </m:ctrlPr>
+                        </m:sSupPr>
+                        <m:e>
+                          <m:r>
+                            <a:rPr lang="en-US" sz="1400" b="0" i="1" smtClean="0">
+                              <a:latin typeface="Cambria Math" panose="02040503050406030204" pitchFamily="18" charset="0"/>
+                            </a:rPr>
+                            <m:t>43</m:t>
+                          </m:r>
+                        </m:e>
+                        <m:sup>
+                          <m:r>
+                            <a:rPr lang="en-US" sz="1400" b="0" i="1" smtClean="0">
+                              <a:latin typeface="Cambria Math" panose="02040503050406030204" pitchFamily="18" charset="0"/>
+                            </a:rPr>
+                            <m:t>𝑜</m:t>
+                          </m:r>
+                        </m:sup>
+                      </m:sSup>
+                    </m:oMath>
+                  </m:oMathPara>
+                </a14:m>
+                <a:endParaRPr lang="en-US" sz="2000" dirty="0"/>
+              </a:p>
+            </p:txBody>
+          </p:sp>
+        </mc:Choice>
+        <mc:Fallback>
+          <p:sp>
+            <p:nvSpPr>
+              <p:cNvPr id="54" name="TextBox 53">
+                <a:extLst>
+                  <a:ext uri="{FF2B5EF4-FFF2-40B4-BE49-F238E27FC236}">
+                    <a16:creationId xmlns:a16="http://schemas.microsoft.com/office/drawing/2014/main" id="{882E6E1D-A23E-410A-8E86-FB4BF961E408}"/>
+                  </a:ext>
+                </a:extLst>
+              </p:cNvPr>
+              <p:cNvSpPr txBox="1">
+                <a:spLocks noRot="1" noChangeAspect="1" noMove="1" noResize="1" noEditPoints="1" noAdjustHandles="1" noChangeArrowheads="1" noChangeShapeType="1" noTextEdit="1"/>
+              </p:cNvSpPr>
+              <p:nvPr/>
+            </p:nvSpPr>
+            <p:spPr>
+              <a:xfrm>
+                <a:off x="4293954" y="1915684"/>
+                <a:ext cx="945854" cy="307777"/>
+              </a:xfrm>
+              <a:prstGeom prst="rect">
+                <a:avLst/>
+              </a:prstGeom>
+              <a:blipFill>
+                <a:blip r:embed="rId12"/>
+                <a:stretch>
+                  <a:fillRect b="-5882"/>
+                </a:stretch>
+              </a:blipFill>
+            </p:spPr>
+            <p:txBody>
+              <a:bodyPr/>
+              <a:lstStyle/>
+              <a:p>
+                <a:r>
+                  <a:rPr lang="en-US">
+                    <a:noFill/>
+                  </a:rPr>
+                  <a:t> </a:t>
+                </a:r>
+              </a:p>
+            </p:txBody>
+          </p:sp>
+        </mc:Fallback>
+      </mc:AlternateContent>
+      <mc:AlternateContent xmlns:mc="http://schemas.openxmlformats.org/markup-compatibility/2006">
+        <mc:Choice xmlns:a14="http://schemas.microsoft.com/office/drawing/2010/main" Requires="a14">
+          <p:sp>
+            <p:nvSpPr>
+              <p:cNvPr id="55" name="TextBox 54">
+                <a:extLst>
+                  <a:ext uri="{FF2B5EF4-FFF2-40B4-BE49-F238E27FC236}">
+                    <a16:creationId xmlns:a16="http://schemas.microsoft.com/office/drawing/2014/main" id="{B49A132D-4C97-4E2D-A129-B80E4EFBE5B4}"/>
+                  </a:ext>
+                </a:extLst>
+              </p:cNvPr>
+              <p:cNvSpPr txBox="1"/>
+              <p:nvPr/>
+            </p:nvSpPr>
+            <p:spPr>
+              <a:xfrm>
+                <a:off x="5150833" y="1910764"/>
+                <a:ext cx="945854" cy="307777"/>
+              </a:xfrm>
+              <a:prstGeom prst="rect">
+                <a:avLst/>
+              </a:prstGeom>
+              <a:solidFill>
+                <a:schemeClr val="bg1">
+                  <a:alpha val="0"/>
+                </a:schemeClr>
+              </a:solidFill>
+            </p:spPr>
+            <p:txBody>
+              <a:bodyPr wrap="square" rtlCol="0">
+                <a:spAutoFit/>
+              </a:bodyPr>
+              <a:lstStyle/>
+              <a:p>
+                <a:pPr/>
+                <a14:m>
+                  <m:oMathPara xmlns:m="http://schemas.openxmlformats.org/officeDocument/2006/math">
+                    <m:oMathParaPr>
+                      <m:jc m:val="centerGroup"/>
+                    </m:oMathParaPr>
+                    <m:oMath xmlns:m="http://schemas.openxmlformats.org/officeDocument/2006/math">
+                      <m:sSub>
+                        <m:sSubPr>
+                          <m:ctrlPr>
+                            <a:rPr lang="en-US" sz="1400" b="0" i="1" smtClean="0">
+                              <a:latin typeface="Cambria Math" panose="02040503050406030204" pitchFamily="18" charset="0"/>
+                            </a:rPr>
+                          </m:ctrlPr>
+                        </m:sSubPr>
+                        <m:e>
+                          <m:r>
+                            <a:rPr lang="en-US" sz="1400" b="0" i="1" smtClean="0">
+                              <a:latin typeface="Cambria Math" panose="02040503050406030204" pitchFamily="18" charset="0"/>
+                            </a:rPr>
+                            <m:t>𝜙</m:t>
+                          </m:r>
+                        </m:e>
+                        <m:sub>
+                          <m:r>
+                            <a:rPr lang="en-US" sz="1400" b="0" i="1" smtClean="0">
+                              <a:latin typeface="Cambria Math" panose="02040503050406030204" pitchFamily="18" charset="0"/>
+                            </a:rPr>
+                            <m:t>𝐵</m:t>
+                          </m:r>
+                        </m:sub>
+                      </m:sSub>
+                      <m:r>
+                        <a:rPr lang="en-US" sz="1400" b="0" i="1" smtClean="0">
+                          <a:latin typeface="Cambria Math" panose="02040503050406030204" pitchFamily="18" charset="0"/>
+                        </a:rPr>
+                        <m:t>=</m:t>
+                      </m:r>
+                      <m:sSup>
+                        <m:sSupPr>
+                          <m:ctrlPr>
+                            <a:rPr lang="en-US" sz="1400" b="0" i="1" smtClean="0">
+                              <a:latin typeface="Cambria Math" panose="02040503050406030204" pitchFamily="18" charset="0"/>
+                            </a:rPr>
+                          </m:ctrlPr>
+                        </m:sSupPr>
+                        <m:e>
+                          <m:r>
+                            <a:rPr lang="en-US" sz="1400" b="0" i="1" smtClean="0">
+                              <a:latin typeface="Cambria Math" panose="02040503050406030204" pitchFamily="18" charset="0"/>
+                            </a:rPr>
+                            <m:t>48</m:t>
+                          </m:r>
+                        </m:e>
+                        <m:sup>
+                          <m:r>
+                            <a:rPr lang="en-US" sz="1400" b="0" i="1" smtClean="0">
+                              <a:latin typeface="Cambria Math" panose="02040503050406030204" pitchFamily="18" charset="0"/>
+                            </a:rPr>
+                            <m:t>𝑜</m:t>
+                          </m:r>
+                        </m:sup>
+                      </m:sSup>
+                    </m:oMath>
+                  </m:oMathPara>
+                </a14:m>
+                <a:endParaRPr lang="en-US" sz="2000" dirty="0"/>
+              </a:p>
+            </p:txBody>
+          </p:sp>
+        </mc:Choice>
+        <mc:Fallback>
+          <p:sp>
+            <p:nvSpPr>
+              <p:cNvPr id="55" name="TextBox 54">
+                <a:extLst>
+                  <a:ext uri="{FF2B5EF4-FFF2-40B4-BE49-F238E27FC236}">
+                    <a16:creationId xmlns:a16="http://schemas.microsoft.com/office/drawing/2014/main" id="{B49A132D-4C97-4E2D-A129-B80E4EFBE5B4}"/>
+                  </a:ext>
+                </a:extLst>
+              </p:cNvPr>
+              <p:cNvSpPr txBox="1">
+                <a:spLocks noRot="1" noChangeAspect="1" noMove="1" noResize="1" noEditPoints="1" noAdjustHandles="1" noChangeArrowheads="1" noChangeShapeType="1" noTextEdit="1"/>
+              </p:cNvSpPr>
+              <p:nvPr/>
+            </p:nvSpPr>
+            <p:spPr>
+              <a:xfrm>
+                <a:off x="5150833" y="1910764"/>
+                <a:ext cx="945854" cy="307777"/>
+              </a:xfrm>
+              <a:prstGeom prst="rect">
+                <a:avLst/>
+              </a:prstGeom>
+              <a:blipFill>
+                <a:blip r:embed="rId13"/>
+                <a:stretch>
+                  <a:fillRect b="-5882"/>
+                </a:stretch>
+              </a:blipFill>
+            </p:spPr>
+            <p:txBody>
+              <a:bodyPr/>
+              <a:lstStyle/>
+              <a:p>
+                <a:r>
+                  <a:rPr lang="en-US">
+                    <a:noFill/>
+                  </a:rPr>
+                  <a:t> </a:t>
+                </a:r>
+              </a:p>
+            </p:txBody>
+          </p:sp>
+        </mc:Fallback>
+      </mc:AlternateContent>
+      <mc:AlternateContent xmlns:mc="http://schemas.openxmlformats.org/markup-compatibility/2006">
+        <mc:Choice xmlns:a14="http://schemas.microsoft.com/office/drawing/2010/main" Requires="a14">
+          <p:sp>
+            <p:nvSpPr>
+              <p:cNvPr id="56" name="TextBox 55">
+                <a:extLst>
+                  <a:ext uri="{FF2B5EF4-FFF2-40B4-BE49-F238E27FC236}">
+                    <a16:creationId xmlns:a16="http://schemas.microsoft.com/office/drawing/2014/main" id="{240CD063-9405-4D25-9F83-74B7A1FCDC16}"/>
+                  </a:ext>
+                </a:extLst>
+              </p:cNvPr>
+              <p:cNvSpPr txBox="1"/>
+              <p:nvPr/>
+            </p:nvSpPr>
+            <p:spPr>
+              <a:xfrm>
+                <a:off x="6052014" y="1904015"/>
+                <a:ext cx="945853" cy="307777"/>
+              </a:xfrm>
+              <a:prstGeom prst="rect">
+                <a:avLst/>
+              </a:prstGeom>
+              <a:solidFill>
+                <a:schemeClr val="bg1">
+                  <a:alpha val="0"/>
+                </a:schemeClr>
+              </a:solidFill>
+            </p:spPr>
+            <p:txBody>
+              <a:bodyPr wrap="square" rtlCol="0">
+                <a:spAutoFit/>
+              </a:bodyPr>
+              <a:lstStyle/>
+              <a:p>
+                <a:pPr/>
+                <a14:m>
+                  <m:oMathPara xmlns:m="http://schemas.openxmlformats.org/officeDocument/2006/math">
+                    <m:oMathParaPr>
+                      <m:jc m:val="centerGroup"/>
+                    </m:oMathParaPr>
+                    <m:oMath xmlns:m="http://schemas.openxmlformats.org/officeDocument/2006/math">
+                      <m:sSub>
+                        <m:sSubPr>
+                          <m:ctrlPr>
+                            <a:rPr lang="en-US" sz="1400" b="0" i="1" smtClean="0">
+                              <a:latin typeface="Cambria Math" panose="02040503050406030204" pitchFamily="18" charset="0"/>
+                            </a:rPr>
+                          </m:ctrlPr>
+                        </m:sSubPr>
+                        <m:e>
+                          <m:r>
+                            <a:rPr lang="en-US" sz="1400" b="0" i="1" smtClean="0">
+                              <a:latin typeface="Cambria Math" panose="02040503050406030204" pitchFamily="18" charset="0"/>
+                            </a:rPr>
+                            <m:t>𝜙</m:t>
+                          </m:r>
+                        </m:e>
+                        <m:sub>
+                          <m:r>
+                            <a:rPr lang="en-US" sz="1400" b="0" i="1" smtClean="0">
+                              <a:latin typeface="Cambria Math" panose="02040503050406030204" pitchFamily="18" charset="0"/>
+                            </a:rPr>
+                            <m:t>𝐵</m:t>
+                          </m:r>
+                        </m:sub>
+                      </m:sSub>
+                      <m:r>
+                        <a:rPr lang="en-US" sz="1400" b="0" i="1" smtClean="0">
+                          <a:latin typeface="Cambria Math" panose="02040503050406030204" pitchFamily="18" charset="0"/>
+                        </a:rPr>
+                        <m:t>=</m:t>
+                      </m:r>
+                      <m:sSup>
+                        <m:sSupPr>
+                          <m:ctrlPr>
+                            <a:rPr lang="en-US" sz="1400" b="0" i="1" smtClean="0">
+                              <a:latin typeface="Cambria Math" panose="02040503050406030204" pitchFamily="18" charset="0"/>
+                            </a:rPr>
+                          </m:ctrlPr>
+                        </m:sSupPr>
+                        <m:e>
+                          <m:r>
+                            <a:rPr lang="en-US" sz="1400" b="0" i="1" smtClean="0">
+                              <a:latin typeface="Cambria Math" panose="02040503050406030204" pitchFamily="18" charset="0"/>
+                            </a:rPr>
+                            <m:t>53</m:t>
+                          </m:r>
+                        </m:e>
+                        <m:sup>
+                          <m:r>
+                            <a:rPr lang="en-US" sz="1400" b="0" i="1" smtClean="0">
+                              <a:latin typeface="Cambria Math" panose="02040503050406030204" pitchFamily="18" charset="0"/>
+                            </a:rPr>
+                            <m:t>𝑜</m:t>
+                          </m:r>
+                        </m:sup>
+                      </m:sSup>
+                    </m:oMath>
+                  </m:oMathPara>
+                </a14:m>
+                <a:endParaRPr lang="en-US" sz="2000" dirty="0"/>
+              </a:p>
+            </p:txBody>
+          </p:sp>
+        </mc:Choice>
+        <mc:Fallback>
+          <p:sp>
+            <p:nvSpPr>
+              <p:cNvPr id="56" name="TextBox 55">
+                <a:extLst>
+                  <a:ext uri="{FF2B5EF4-FFF2-40B4-BE49-F238E27FC236}">
+                    <a16:creationId xmlns:a16="http://schemas.microsoft.com/office/drawing/2014/main" id="{240CD063-9405-4D25-9F83-74B7A1FCDC16}"/>
+                  </a:ext>
+                </a:extLst>
+              </p:cNvPr>
+              <p:cNvSpPr txBox="1">
+                <a:spLocks noRot="1" noChangeAspect="1" noMove="1" noResize="1" noEditPoints="1" noAdjustHandles="1" noChangeArrowheads="1" noChangeShapeType="1" noTextEdit="1"/>
+              </p:cNvSpPr>
+              <p:nvPr/>
+            </p:nvSpPr>
+            <p:spPr>
+              <a:xfrm>
+                <a:off x="6052014" y="1904015"/>
+                <a:ext cx="945853" cy="307777"/>
+              </a:xfrm>
+              <a:prstGeom prst="rect">
+                <a:avLst/>
+              </a:prstGeom>
+              <a:blipFill>
+                <a:blip r:embed="rId14"/>
+                <a:stretch>
+                  <a:fillRect b="-5882"/>
+                </a:stretch>
+              </a:blipFill>
+            </p:spPr>
+            <p:txBody>
+              <a:bodyPr/>
+              <a:lstStyle/>
+              <a:p>
+                <a:r>
+                  <a:rPr lang="en-US">
+                    <a:noFill/>
+                  </a:rPr>
+                  <a:t> </a:t>
+                </a:r>
+              </a:p>
+            </p:txBody>
+          </p:sp>
+        </mc:Fallback>
+      </mc:AlternateContent>
+      <mc:AlternateContent xmlns:mc="http://schemas.openxmlformats.org/markup-compatibility/2006">
+        <mc:Choice xmlns:a14="http://schemas.microsoft.com/office/drawing/2010/main" Requires="a14">
+          <p:sp>
+            <p:nvSpPr>
+              <p:cNvPr id="57" name="TextBox 56">
+                <a:extLst>
+                  <a:ext uri="{FF2B5EF4-FFF2-40B4-BE49-F238E27FC236}">
+                    <a16:creationId xmlns:a16="http://schemas.microsoft.com/office/drawing/2014/main" id="{EDB63FA6-8312-4C2D-AAD2-85675F32F9E6}"/>
+                  </a:ext>
+                </a:extLst>
+              </p:cNvPr>
+              <p:cNvSpPr txBox="1"/>
+              <p:nvPr/>
+            </p:nvSpPr>
+            <p:spPr>
+              <a:xfrm>
+                <a:off x="6914226" y="1902591"/>
+                <a:ext cx="945852" cy="307777"/>
+              </a:xfrm>
+              <a:prstGeom prst="rect">
+                <a:avLst/>
+              </a:prstGeom>
+              <a:solidFill>
+                <a:schemeClr val="bg1">
+                  <a:alpha val="0"/>
+                </a:schemeClr>
+              </a:solidFill>
+            </p:spPr>
+            <p:txBody>
+              <a:bodyPr wrap="square" rtlCol="0">
+                <a:spAutoFit/>
+              </a:bodyPr>
+              <a:lstStyle/>
+              <a:p>
+                <a:pPr/>
+                <a14:m>
+                  <m:oMathPara xmlns:m="http://schemas.openxmlformats.org/officeDocument/2006/math">
+                    <m:oMathParaPr>
+                      <m:jc m:val="centerGroup"/>
+                    </m:oMathParaPr>
+                    <m:oMath xmlns:m="http://schemas.openxmlformats.org/officeDocument/2006/math">
+                      <m:sSub>
+                        <m:sSubPr>
+                          <m:ctrlPr>
+                            <a:rPr lang="en-US" sz="1400" b="0" i="1" smtClean="0">
+                              <a:latin typeface="Cambria Math" panose="02040503050406030204" pitchFamily="18" charset="0"/>
+                            </a:rPr>
+                          </m:ctrlPr>
+                        </m:sSubPr>
+                        <m:e>
+                          <m:r>
+                            <a:rPr lang="en-US" sz="1400" b="0" i="1" smtClean="0">
+                              <a:latin typeface="Cambria Math" panose="02040503050406030204" pitchFamily="18" charset="0"/>
+                            </a:rPr>
+                            <m:t>𝜙</m:t>
+                          </m:r>
+                        </m:e>
+                        <m:sub>
+                          <m:r>
+                            <a:rPr lang="en-US" sz="1400" b="0" i="1" smtClean="0">
+                              <a:latin typeface="Cambria Math" panose="02040503050406030204" pitchFamily="18" charset="0"/>
+                            </a:rPr>
+                            <m:t>𝐵</m:t>
+                          </m:r>
+                        </m:sub>
+                      </m:sSub>
+                      <m:r>
+                        <a:rPr lang="en-US" sz="1400" b="0" i="1" smtClean="0">
+                          <a:latin typeface="Cambria Math" panose="02040503050406030204" pitchFamily="18" charset="0"/>
+                        </a:rPr>
+                        <m:t>=</m:t>
+                      </m:r>
+                      <m:sSup>
+                        <m:sSupPr>
+                          <m:ctrlPr>
+                            <a:rPr lang="en-US" sz="1400" b="0" i="1" smtClean="0">
+                              <a:latin typeface="Cambria Math" panose="02040503050406030204" pitchFamily="18" charset="0"/>
+                            </a:rPr>
+                          </m:ctrlPr>
+                        </m:sSupPr>
+                        <m:e>
+                          <m:r>
+                            <a:rPr lang="en-US" sz="1400" b="0" i="1" smtClean="0">
+                              <a:latin typeface="Cambria Math" panose="02040503050406030204" pitchFamily="18" charset="0"/>
+                            </a:rPr>
+                            <m:t>50</m:t>
+                          </m:r>
+                        </m:e>
+                        <m:sup>
+                          <m:r>
+                            <a:rPr lang="en-US" sz="1400" b="0" i="1" smtClean="0">
+                              <a:latin typeface="Cambria Math" panose="02040503050406030204" pitchFamily="18" charset="0"/>
+                            </a:rPr>
+                            <m:t>𝑜</m:t>
+                          </m:r>
+                        </m:sup>
+                      </m:sSup>
+                    </m:oMath>
+                  </m:oMathPara>
+                </a14:m>
+                <a:endParaRPr lang="en-US" sz="2000" dirty="0"/>
+              </a:p>
+            </p:txBody>
+          </p:sp>
+        </mc:Choice>
+        <mc:Fallback>
+          <p:sp>
+            <p:nvSpPr>
+              <p:cNvPr id="57" name="TextBox 56">
+                <a:extLst>
+                  <a:ext uri="{FF2B5EF4-FFF2-40B4-BE49-F238E27FC236}">
+                    <a16:creationId xmlns:a16="http://schemas.microsoft.com/office/drawing/2014/main" id="{EDB63FA6-8312-4C2D-AAD2-85675F32F9E6}"/>
+                  </a:ext>
+                </a:extLst>
+              </p:cNvPr>
+              <p:cNvSpPr txBox="1">
+                <a:spLocks noRot="1" noChangeAspect="1" noMove="1" noResize="1" noEditPoints="1" noAdjustHandles="1" noChangeArrowheads="1" noChangeShapeType="1" noTextEdit="1"/>
+              </p:cNvSpPr>
+              <p:nvPr/>
+            </p:nvSpPr>
+            <p:spPr>
+              <a:xfrm>
+                <a:off x="6914226" y="1902591"/>
+                <a:ext cx="945852" cy="307777"/>
+              </a:xfrm>
+              <a:prstGeom prst="rect">
+                <a:avLst/>
+              </a:prstGeom>
+              <a:blipFill>
+                <a:blip r:embed="rId15"/>
+                <a:stretch>
+                  <a:fillRect b="-5882"/>
+                </a:stretch>
+              </a:blipFill>
+            </p:spPr>
+            <p:txBody>
+              <a:bodyPr/>
+              <a:lstStyle/>
+              <a:p>
+                <a:r>
+                  <a:rPr lang="en-US">
+                    <a:noFill/>
+                  </a:rPr>
+                  <a:t> </a:t>
+                </a:r>
+              </a:p>
+            </p:txBody>
+          </p:sp>
+        </mc:Fallback>
+      </mc:AlternateContent>
+    </p:spTree>
+    <p:extLst>
+      <p:ext uri="{BB962C8B-B14F-4D97-AF65-F5344CB8AC3E}">
+        <p14:creationId xmlns:p14="http://schemas.microsoft.com/office/powerpoint/2010/main" val="3051343016"/>
+      </p:ext>
+    </p:extLst>
+  </p:cSld>
+  <p:clrMapOvr>
+    <a:masterClrMapping/>
+  </p:clrMapOvr>
+</p:sld>
+</file>
+
+<file path=ppt/slides/slide3.xml><?xml version="1.0" encoding="utf-8"?>
+<p:sld xmlns:a="http://schemas.openxmlformats.org/drawingml/2006/main" xmlns:r="http://schemas.openxmlformats.org/officeDocument/2006/relationships" xmlns:p="http://schemas.openxmlformats.org/presentationml/2006/main">
+  <p:cSld>
+    <p:spTree>
+      <p:nvGrpSpPr>
+        <p:cNvPr id="1" name=""/>
+        <p:cNvGrpSpPr/>
+        <p:nvPr/>
+      </p:nvGrpSpPr>
+      <p:grpSpPr>
+        <a:xfrm>
+          <a:off x="0" y="0"/>
+          <a:ext cx="0" cy="0"/>
+          <a:chOff x="0" y="0"/>
+          <a:chExt cx="0" cy="0"/>
+        </a:xfrm>
+      </p:grpSpPr>
+      <p:pic>
+        <p:nvPicPr>
           <p:cNvPr id="83" name="Picture 82">
             <a:extLst>
               <a:ext uri="{FF2B5EF4-FFF2-40B4-BE49-F238E27FC236}">
@@ -5361,7 +10131,7 @@
 </p:sld>
 </file>
 
-<file path=ppt/slides/slide2.xml><?xml version="1.0" encoding="utf-8"?>
+<file path=ppt/slides/slide4.xml><?xml version="1.0" encoding="utf-8"?>
 <p:sld xmlns:a="http://schemas.openxmlformats.org/drawingml/2006/main" xmlns:r="http://schemas.openxmlformats.org/officeDocument/2006/relationships" xmlns:p="http://schemas.openxmlformats.org/presentationml/2006/main">
   <p:cSld>
     <p:spTree>
@@ -7704,7 +12474,7 @@
 </p:sld>
 </file>
 
-<file path=ppt/slides/slide3.xml><?xml version="1.0" encoding="utf-8"?>
+<file path=ppt/slides/slide5.xml><?xml version="1.0" encoding="utf-8"?>
 <p:sld xmlns:a="http://schemas.openxmlformats.org/drawingml/2006/main" xmlns:r="http://schemas.openxmlformats.org/officeDocument/2006/relationships" xmlns:p="http://schemas.openxmlformats.org/presentationml/2006/main">
   <p:cSld>
     <p:spTree>
@@ -8780,8 +13550,8 @@
           </p:sp>
         </mc:Fallback>
       </mc:AlternateContent>
-      <mc:AlternateContent xmlns:mc="http://schemas.openxmlformats.org/markup-compatibility/2006">
-        <mc:Choice xmlns:a14="http://schemas.microsoft.com/office/drawing/2010/main" Requires="a14">
+      <mc:AlternateContent xmlns:mc="http://schemas.openxmlformats.org/markup-compatibility/2006" xmlns:a14="http://schemas.microsoft.com/office/drawing/2010/main">
+        <mc:Choice Requires="a14">
           <p:sp>
             <p:nvSpPr>
               <p:cNvPr id="86" name="TextBox 85">
@@ -8882,7 +13652,7 @@
             </p:txBody>
           </p:sp>
         </mc:Choice>
-        <mc:Fallback>
+        <mc:Fallback xmlns="">
           <p:sp>
             <p:nvSpPr>
               <p:cNvPr id="86" name="TextBox 85">
@@ -9284,8 +14054,8 @@
           </a:fontRef>
         </p:style>
       </p:cxnSp>
-      <mc:AlternateContent xmlns:mc="http://schemas.openxmlformats.org/markup-compatibility/2006">
-        <mc:Choice xmlns:a14="http://schemas.microsoft.com/office/drawing/2010/main" Requires="a14">
+      <mc:AlternateContent xmlns:mc="http://schemas.openxmlformats.org/markup-compatibility/2006" xmlns:a14="http://schemas.microsoft.com/office/drawing/2010/main">
+        <mc:Choice Requires="a14">
           <p:sp>
             <p:nvSpPr>
               <p:cNvPr id="51" name="TextBox 50">
@@ -9369,13 +14139,7 @@
                             <a:rPr lang="en-US" sz="1200" b="0" i="1" smtClean="0">
                               <a:latin typeface="Cambria Math" panose="02040503050406030204" pitchFamily="18" charset="0"/>
                             </a:rPr>
-                            <m:t>4</m:t>
-                          </m:r>
-                          <m:r>
-                            <a:rPr lang="en-US" sz="1200" b="0" i="1" smtClean="0">
-                              <a:latin typeface="Cambria Math" panose="02040503050406030204" pitchFamily="18" charset="0"/>
-                            </a:rPr>
-                            <m:t>1</m:t>
+                            <m:t>41</m:t>
                           </m:r>
                         </m:e>
                         <m:sup>
@@ -9395,7 +14159,7 @@
             </p:txBody>
           </p:sp>
         </mc:Choice>
-        <mc:Fallback>
+        <mc:Fallback xmlns="">
           <p:sp>
             <p:nvSpPr>
               <p:cNvPr id="51" name="TextBox 50">
@@ -9440,8 +14204,8 @@
           </p:sp>
         </mc:Fallback>
       </mc:AlternateContent>
-      <mc:AlternateContent xmlns:mc="http://schemas.openxmlformats.org/markup-compatibility/2006">
-        <mc:Choice xmlns:a14="http://schemas.microsoft.com/office/drawing/2010/main" Requires="a14">
+      <mc:AlternateContent xmlns:mc="http://schemas.openxmlformats.org/markup-compatibility/2006" xmlns:a14="http://schemas.microsoft.com/office/drawing/2010/main">
+        <mc:Choice Requires="a14">
           <p:sp>
             <p:nvSpPr>
               <p:cNvPr id="53" name="TextBox 52">
@@ -9525,13 +14289,7 @@
                             <a:rPr lang="en-US" sz="1200" b="0" i="1" smtClean="0">
                               <a:latin typeface="Cambria Math" panose="02040503050406030204" pitchFamily="18" charset="0"/>
                             </a:rPr>
-                            <m:t>4</m:t>
-                          </m:r>
-                          <m:r>
-                            <a:rPr lang="en-US" sz="1200" b="0" i="1" smtClean="0">
-                              <a:latin typeface="Cambria Math" panose="02040503050406030204" pitchFamily="18" charset="0"/>
-                            </a:rPr>
-                            <m:t>3</m:t>
+                            <m:t>43</m:t>
                           </m:r>
                         </m:e>
                         <m:sup>
@@ -9551,7 +14309,7 @@
             </p:txBody>
           </p:sp>
         </mc:Choice>
-        <mc:Fallback>
+        <mc:Fallback xmlns="">
           <p:sp>
             <p:nvSpPr>
               <p:cNvPr id="53" name="TextBox 52">
@@ -9596,8 +14354,8 @@
           </p:sp>
         </mc:Fallback>
       </mc:AlternateContent>
-      <mc:AlternateContent xmlns:mc="http://schemas.openxmlformats.org/markup-compatibility/2006">
-        <mc:Choice xmlns:a14="http://schemas.microsoft.com/office/drawing/2010/main" Requires="a14">
+      <mc:AlternateContent xmlns:mc="http://schemas.openxmlformats.org/markup-compatibility/2006" xmlns:a14="http://schemas.microsoft.com/office/drawing/2010/main">
+        <mc:Choice Requires="a14">
           <p:sp>
             <p:nvSpPr>
               <p:cNvPr id="56" name="TextBox 55">
@@ -9701,7 +14459,7 @@
             </p:txBody>
           </p:sp>
         </mc:Choice>
-        <mc:Fallback>
+        <mc:Fallback xmlns="">
           <p:sp>
             <p:nvSpPr>
               <p:cNvPr id="56" name="TextBox 55">
@@ -9746,8 +14504,8 @@
           </p:sp>
         </mc:Fallback>
       </mc:AlternateContent>
-      <mc:AlternateContent xmlns:mc="http://schemas.openxmlformats.org/markup-compatibility/2006">
-        <mc:Choice xmlns:a14="http://schemas.microsoft.com/office/drawing/2010/main" Requires="a14">
+      <mc:AlternateContent xmlns:mc="http://schemas.openxmlformats.org/markup-compatibility/2006" xmlns:a14="http://schemas.microsoft.com/office/drawing/2010/main">
+        <mc:Choice Requires="a14">
           <p:sp>
             <p:nvSpPr>
               <p:cNvPr id="57" name="TextBox 56">
@@ -9851,7 +14609,7 @@
             </p:txBody>
           </p:sp>
         </mc:Choice>
-        <mc:Fallback>
+        <mc:Fallback xmlns="">
           <p:sp>
             <p:nvSpPr>
               <p:cNvPr id="57" name="TextBox 56">
@@ -9896,8 +14654,8 @@
           </p:sp>
         </mc:Fallback>
       </mc:AlternateContent>
-      <mc:AlternateContent xmlns:mc="http://schemas.openxmlformats.org/markup-compatibility/2006">
-        <mc:Choice xmlns:a14="http://schemas.microsoft.com/office/drawing/2010/main" Requires="a14">
+      <mc:AlternateContent xmlns:mc="http://schemas.openxmlformats.org/markup-compatibility/2006" xmlns:a14="http://schemas.microsoft.com/office/drawing/2010/main">
+        <mc:Choice Requires="a14">
           <p:sp>
             <p:nvSpPr>
               <p:cNvPr id="58" name="TextBox 57">
@@ -10001,7 +14759,7 @@
             </p:txBody>
           </p:sp>
         </mc:Choice>
-        <mc:Fallback>
+        <mc:Fallback xmlns="">
           <p:sp>
             <p:nvSpPr>
               <p:cNvPr id="58" name="TextBox 57">
@@ -10059,7 +14817,7 @@
 </p:sld>
 </file>
 
-<file path=ppt/slides/slide4.xml><?xml version="1.0" encoding="utf-8"?>
+<file path=ppt/slides/slide6.xml><?xml version="1.0" encoding="utf-8"?>
 <p:sld xmlns:a="http://schemas.openxmlformats.org/drawingml/2006/main" xmlns:r="http://schemas.openxmlformats.org/officeDocument/2006/relationships" xmlns:p="http://schemas.openxmlformats.org/presentationml/2006/main">
   <p:cSld>
     <p:spTree>
@@ -10595,8 +15353,8 @@
           </a:fontRef>
         </p:style>
       </p:cxnSp>
-      <mc:AlternateContent xmlns:mc="http://schemas.openxmlformats.org/markup-compatibility/2006" xmlns:a14="http://schemas.microsoft.com/office/drawing/2010/main">
-        <mc:Choice Requires="a14">
+      <mc:AlternateContent xmlns:mc="http://schemas.openxmlformats.org/markup-compatibility/2006">
+        <mc:Choice xmlns:a14="http://schemas.microsoft.com/office/drawing/2010/main" Requires="a14">
           <p:sp>
             <p:nvSpPr>
               <p:cNvPr id="24" name="TextBox 23">
@@ -10611,7 +15369,7 @@
             </p:nvSpPr>
             <p:spPr>
               <a:xfrm>
-                <a:off x="3045805" y="3669131"/>
+                <a:off x="3036927" y="3660255"/>
                 <a:ext cx="717796" cy="246221"/>
               </a:xfrm>
               <a:prstGeom prst="rect">
@@ -10675,7 +15433,7 @@
             </p:txBody>
           </p:sp>
         </mc:Choice>
-        <mc:Fallback xmlns="">
+        <mc:Fallback>
           <p:sp>
             <p:nvSpPr>
               <p:cNvPr id="24" name="TextBox 23">
@@ -10692,7 +15450,7 @@
             </p:nvSpPr>
             <p:spPr>
               <a:xfrm>
-                <a:off x="3045805" y="3669131"/>
+                <a:off x="3036927" y="3660255"/>
                 <a:ext cx="717796" cy="246221"/>
               </a:xfrm>
               <a:prstGeom prst="rect">
@@ -12017,7 +16775,7 @@
 </p:sld>
 </file>
 
-<file path=ppt/slides/slide5.xml><?xml version="1.0" encoding="utf-8"?>
+<file path=ppt/slides/slide7.xml><?xml version="1.0" encoding="utf-8"?>
 <p:sld xmlns:a="http://schemas.openxmlformats.org/drawingml/2006/main" xmlns:r="http://schemas.openxmlformats.org/officeDocument/2006/relationships" xmlns:p="http://schemas.openxmlformats.org/presentationml/2006/main">
   <p:cSld>
     <p:spTree>
